--- a/Note_MVC_MS.pptx
+++ b/Note_MVC_MS.pptx
@@ -5,7 +5,7 @@
     <p:sldMasterId id="2147483648" r:id="rId1"/>
   </p:sldMasterIdLst>
   <p:notesMasterIdLst>
-    <p:notesMasterId r:id="rId27"/>
+    <p:notesMasterId r:id="rId48"/>
   </p:notesMasterIdLst>
   <p:sldIdLst>
     <p:sldId id="256" r:id="rId2"/>
@@ -31,8 +31,29 @@
     <p:sldId id="278" r:id="rId22"/>
     <p:sldId id="280" r:id="rId23"/>
     <p:sldId id="279" r:id="rId24"/>
-    <p:sldId id="257" r:id="rId25"/>
-    <p:sldId id="258" r:id="rId26"/>
+    <p:sldId id="281" r:id="rId25"/>
+    <p:sldId id="283" r:id="rId26"/>
+    <p:sldId id="284" r:id="rId27"/>
+    <p:sldId id="282" r:id="rId28"/>
+    <p:sldId id="285" r:id="rId29"/>
+    <p:sldId id="286" r:id="rId30"/>
+    <p:sldId id="287" r:id="rId31"/>
+    <p:sldId id="288" r:id="rId32"/>
+    <p:sldId id="289" r:id="rId33"/>
+    <p:sldId id="290" r:id="rId34"/>
+    <p:sldId id="291" r:id="rId35"/>
+    <p:sldId id="292" r:id="rId36"/>
+    <p:sldId id="294" r:id="rId37"/>
+    <p:sldId id="293" r:id="rId38"/>
+    <p:sldId id="295" r:id="rId39"/>
+    <p:sldId id="296" r:id="rId40"/>
+    <p:sldId id="297" r:id="rId41"/>
+    <p:sldId id="298" r:id="rId42"/>
+    <p:sldId id="299" r:id="rId43"/>
+    <p:sldId id="300" r:id="rId44"/>
+    <p:sldId id="301" r:id="rId45"/>
+    <p:sldId id="257" r:id="rId46"/>
+    <p:sldId id="258" r:id="rId47"/>
   </p:sldIdLst>
   <p:sldSz cx="9144000" cy="6858000" type="screen4x3"/>
   <p:notesSz cx="6858000" cy="9144000"/>
@@ -216,7 +237,7 @@
           <a:p>
             <a:fld id="{88EACB7A-7A9B-4336-A549-2E1A458B5CD8}" type="datetimeFigureOut">
               <a:rPr lang="zh-TW" altLang="en-US" smtClean="0"/>
-              <a:t>2018/8/6</a:t>
+              <a:t>2018/8/7</a:t>
             </a:fld>
             <a:endParaRPr lang="zh-TW" altLang="en-US"/>
           </a:p>
@@ -749,7 +770,7 @@
           <a:p>
             <a:fld id="{5BBEAD13-0566-4C6C-97E7-55F17F24B09F}" type="datetimeFigureOut">
               <a:rPr lang="zh-TW" altLang="en-US" smtClean="0"/>
-              <a:t>2018/8/3</a:t>
+              <a:t>2018/8/7</a:t>
             </a:fld>
             <a:endParaRPr lang="zh-TW" altLang="en-US"/>
           </a:p>
@@ -914,7 +935,7 @@
           <a:p>
             <a:fld id="{5BBEAD13-0566-4C6C-97E7-55F17F24B09F}" type="datetimeFigureOut">
               <a:rPr lang="zh-TW" altLang="en-US" smtClean="0"/>
-              <a:t>2018/8/3</a:t>
+              <a:t>2018/8/7</a:t>
             </a:fld>
             <a:endParaRPr lang="zh-TW" altLang="en-US"/>
           </a:p>
@@ -1089,7 +1110,7 @@
           <a:p>
             <a:fld id="{5BBEAD13-0566-4C6C-97E7-55F17F24B09F}" type="datetimeFigureOut">
               <a:rPr lang="zh-TW" altLang="en-US" smtClean="0"/>
-              <a:t>2018/8/3</a:t>
+              <a:t>2018/8/7</a:t>
             </a:fld>
             <a:endParaRPr lang="zh-TW" altLang="en-US"/>
           </a:p>
@@ -1254,7 +1275,7 @@
           <a:p>
             <a:fld id="{5BBEAD13-0566-4C6C-97E7-55F17F24B09F}" type="datetimeFigureOut">
               <a:rPr lang="zh-TW" altLang="en-US" smtClean="0"/>
-              <a:t>2018/8/3</a:t>
+              <a:t>2018/8/7</a:t>
             </a:fld>
             <a:endParaRPr lang="zh-TW" altLang="en-US"/>
           </a:p>
@@ -1495,7 +1516,7 @@
           <a:p>
             <a:fld id="{5BBEAD13-0566-4C6C-97E7-55F17F24B09F}" type="datetimeFigureOut">
               <a:rPr lang="zh-TW" altLang="en-US" smtClean="0"/>
-              <a:t>2018/8/3</a:t>
+              <a:t>2018/8/7</a:t>
             </a:fld>
             <a:endParaRPr lang="zh-TW" altLang="en-US"/>
           </a:p>
@@ -1778,7 +1799,7 @@
           <a:p>
             <a:fld id="{5BBEAD13-0566-4C6C-97E7-55F17F24B09F}" type="datetimeFigureOut">
               <a:rPr lang="zh-TW" altLang="en-US" smtClean="0"/>
-              <a:t>2018/8/3</a:t>
+              <a:t>2018/8/7</a:t>
             </a:fld>
             <a:endParaRPr lang="zh-TW" altLang="en-US"/>
           </a:p>
@@ -2195,7 +2216,7 @@
           <a:p>
             <a:fld id="{5BBEAD13-0566-4C6C-97E7-55F17F24B09F}" type="datetimeFigureOut">
               <a:rPr lang="zh-TW" altLang="en-US" smtClean="0"/>
-              <a:t>2018/8/3</a:t>
+              <a:t>2018/8/7</a:t>
             </a:fld>
             <a:endParaRPr lang="zh-TW" altLang="en-US"/>
           </a:p>
@@ -2308,7 +2329,7 @@
           <a:p>
             <a:fld id="{5BBEAD13-0566-4C6C-97E7-55F17F24B09F}" type="datetimeFigureOut">
               <a:rPr lang="zh-TW" altLang="en-US" smtClean="0"/>
-              <a:t>2018/8/3</a:t>
+              <a:t>2018/8/7</a:t>
             </a:fld>
             <a:endParaRPr lang="zh-TW" altLang="en-US"/>
           </a:p>
@@ -2398,7 +2419,7 @@
           <a:p>
             <a:fld id="{5BBEAD13-0566-4C6C-97E7-55F17F24B09F}" type="datetimeFigureOut">
               <a:rPr lang="zh-TW" altLang="en-US" smtClean="0"/>
-              <a:t>2018/8/3</a:t>
+              <a:t>2018/8/7</a:t>
             </a:fld>
             <a:endParaRPr lang="zh-TW" altLang="en-US"/>
           </a:p>
@@ -2670,7 +2691,7 @@
           <a:p>
             <a:fld id="{5BBEAD13-0566-4C6C-97E7-55F17F24B09F}" type="datetimeFigureOut">
               <a:rPr lang="zh-TW" altLang="en-US" smtClean="0"/>
-              <a:t>2018/8/3</a:t>
+              <a:t>2018/8/7</a:t>
             </a:fld>
             <a:endParaRPr lang="zh-TW" altLang="en-US"/>
           </a:p>
@@ -2918,7 +2939,7 @@
           <a:p>
             <a:fld id="{5BBEAD13-0566-4C6C-97E7-55F17F24B09F}" type="datetimeFigureOut">
               <a:rPr lang="zh-TW" altLang="en-US" smtClean="0"/>
-              <a:t>2018/8/3</a:t>
+              <a:t>2018/8/7</a:t>
             </a:fld>
             <a:endParaRPr lang="zh-TW" altLang="en-US"/>
           </a:p>
@@ -3126,7 +3147,7 @@
           <a:p>
             <a:fld id="{5BBEAD13-0566-4C6C-97E7-55F17F24B09F}" type="datetimeFigureOut">
               <a:rPr lang="zh-TW" altLang="en-US" smtClean="0"/>
-              <a:t>2018/8/3</a:t>
+              <a:t>2018/8/7</a:t>
             </a:fld>
             <a:endParaRPr lang="zh-TW" altLang="en-US"/>
           </a:p>
@@ -3693,7 +3714,6 @@
               <a:rPr lang="zh-TW" altLang="en-US" dirty="0"/>
               <a:t>的差別</a:t>
             </a:r>
-            <a:endParaRPr lang="zh-TW" altLang="en-US" dirty="0"/>
           </a:p>
         </p:txBody>
       </p:sp>
@@ -3932,10 +3952,6 @@
               <a:rPr lang="zh-TW" altLang="en-US" sz="2000" dirty="0"/>
               <a:t>的語法，</a:t>
             </a:r>
-            <a:r>
-              <a:rPr lang="zh-TW" altLang="en-US" sz="2000" dirty="0"/>
-              <a:t/>
-            </a:r>
             <a:br>
               <a:rPr lang="zh-TW" altLang="en-US" sz="2000" dirty="0"/>
             </a:br>
@@ -3963,10 +3979,6 @@
               <a:rPr lang="zh-TW" altLang="en-US" sz="2000" dirty="0"/>
               <a:t>用的是什麼標籤，</a:t>
             </a:r>
-            <a:r>
-              <a:rPr lang="zh-TW" altLang="en-US" sz="2000" dirty="0"/>
-              <a:t/>
-            </a:r>
             <a:br>
               <a:rPr lang="zh-TW" altLang="en-US" sz="2000" dirty="0"/>
             </a:br>
@@ -4042,7 +4054,6 @@
               <a:rPr lang="zh-TW" altLang="en-US" sz="2000" dirty="0"/>
               <a:t>就可以了。</a:t>
             </a:r>
-            <a:endParaRPr lang="zh-TW" altLang="en-US" sz="2000" dirty="0"/>
           </a:p>
         </p:txBody>
       </p:sp>
@@ -4834,7 +4845,6 @@
               <a:rPr lang="zh-TW" altLang="en-US" sz="1800" dirty="0"/>
               <a:t>應用程式 → 選擇位置並輸入名稱 → 然後按確定</a:t>
             </a:r>
-            <a:endParaRPr lang="zh-TW" altLang="en-US" sz="1800" dirty="0"/>
           </a:p>
         </p:txBody>
       </p:sp>
@@ -5058,7 +5068,6 @@
               <a:rPr lang="zh-TW" altLang="en-US" sz="2000" dirty="0"/>
               <a:t>登入等，不過那部份一開始是關閉的，需要去把那個功能打開才有。</a:t>
             </a:r>
-            <a:endParaRPr lang="zh-TW" altLang="en-US" sz="2000" dirty="0"/>
           </a:p>
         </p:txBody>
       </p:sp>
@@ -5179,7 +5188,6 @@
               <a:rPr lang="zh-TW" altLang="en-US" sz="2000" dirty="0"/>
               <a:t>那我們現在來看一下結構的部分，以下是專案的資料夾結構：</a:t>
             </a:r>
-            <a:endParaRPr lang="zh-TW" altLang="en-US" sz="2000" dirty="0"/>
           </a:p>
         </p:txBody>
       </p:sp>
@@ -6204,7 +6212,6 @@
               <a:rPr lang="zh-TW" altLang="en-US" dirty="0"/>
               <a:t>，就會顯示這個檔案的內容出來。</a:t>
             </a:r>
-            <a:endParaRPr lang="zh-TW" altLang="en-US" dirty="0"/>
           </a:p>
         </p:txBody>
       </p:sp>
@@ -6843,7 +6850,6 @@
               <a:rPr lang="zh-TW" altLang="en-US" sz="2400" dirty="0"/>
               <a:t>，否則將會出現問題，後面的值會把前面的值蓋過去，導致讀出來的資料是有問題的。</a:t>
             </a:r>
-            <a:endParaRPr lang="zh-TW" altLang="en-US" sz="2400" dirty="0"/>
           </a:p>
         </p:txBody>
       </p:sp>
@@ -7167,7 +7173,6 @@
               <a:rPr lang="zh-TW" altLang="en-US" sz="1800" dirty="0"/>
               <a:t>，這樣執行出來就只會是一個空白的網頁，目前的程式碼如下。</a:t>
             </a:r>
-            <a:endParaRPr lang="zh-TW" altLang="en-US" sz="1800" dirty="0"/>
           </a:p>
         </p:txBody>
       </p:sp>
@@ -7254,7 +7259,6 @@
               <a:rPr lang="zh-TW" altLang="en-US" dirty="0"/>
               <a:t>目前是用不到了，一般是用來顯示標題用的，不過我也不特別拿掉它。</a:t>
             </a:r>
-            <a:endParaRPr lang="zh-TW" altLang="en-US" dirty="0"/>
           </a:p>
         </p:txBody>
       </p:sp>
@@ -7517,11 +7521,6 @@
               </a:rPr>
               <a:t>的內容</a:t>
             </a:r>
-            <a:endParaRPr lang="zh-TW" altLang="en-US" dirty="0">
-              <a:solidFill>
-                <a:srgbClr val="FF0000"/>
-              </a:solidFill>
-            </a:endParaRPr>
           </a:p>
         </p:txBody>
       </p:sp>
@@ -7570,11 +7569,6 @@
               </a:rPr>
               <a:t>的內容</a:t>
             </a:r>
-            <a:endParaRPr lang="zh-TW" altLang="en-US" dirty="0">
-              <a:solidFill>
-                <a:srgbClr val="FF0000"/>
-              </a:solidFill>
-            </a:endParaRPr>
           </a:p>
         </p:txBody>
       </p:sp>
@@ -7702,11 +7696,6 @@
               </a:rPr>
               <a:t>網頁顯示的畫面</a:t>
             </a:r>
-            <a:endParaRPr lang="zh-TW" altLang="en-US" dirty="0">
-              <a:solidFill>
-                <a:srgbClr val="FF0000"/>
-              </a:solidFill>
-            </a:endParaRPr>
           </a:p>
         </p:txBody>
       </p:sp>
@@ -7724,6 +7713,6728 @@
 </file>
 
 <file path=ppt/slides/slide24.xml><?xml version="1.0" encoding="utf-8"?>
+<p:sld xmlns:a="http://schemas.openxmlformats.org/drawingml/2006/main" xmlns:r="http://schemas.openxmlformats.org/officeDocument/2006/relationships" xmlns:p="http://schemas.openxmlformats.org/presentationml/2006/main">
+  <p:cSld>
+    <p:spTree>
+      <p:nvGrpSpPr>
+        <p:cNvPr id="1" name=""/>
+        <p:cNvGrpSpPr/>
+        <p:nvPr/>
+      </p:nvGrpSpPr>
+      <p:grpSpPr>
+        <a:xfrm>
+          <a:off x="0" y="0"/>
+          <a:ext cx="0" cy="0"/>
+          <a:chOff x="0" y="0"/>
+          <a:chExt cx="0" cy="0"/>
+        </a:xfrm>
+      </p:grpSpPr>
+      <p:sp>
+        <p:nvSpPr>
+          <p:cNvPr id="4" name="標題 3"/>
+          <p:cNvSpPr>
+            <a:spLocks noGrp="1"/>
+          </p:cNvSpPr>
+          <p:nvPr>
+            <p:ph type="title"/>
+          </p:nvPr>
+        </p:nvSpPr>
+        <p:spPr/>
+        <p:txBody>
+          <a:bodyPr>
+            <a:normAutofit/>
+          </a:bodyPr>
+          <a:lstStyle/>
+          <a:p>
+            <a:r>
+              <a:rPr lang="en-US" altLang="zh-TW" dirty="0"/>
+              <a:t>[Day 06] ASP.NET MVC</a:t>
+            </a:r>
+            <a:r>
+              <a:rPr lang="zh-TW" altLang="en-US" dirty="0"/>
+              <a:t>後端傳資料到前端介紹</a:t>
+            </a:r>
+            <a:r>
+              <a:rPr lang="en-US" altLang="zh-TW" dirty="0"/>
+              <a:t>(</a:t>
+            </a:r>
+            <a:r>
+              <a:rPr lang="zh-TW" altLang="en-US" dirty="0"/>
+              <a:t>二</a:t>
+            </a:r>
+            <a:r>
+              <a:rPr lang="en-US" altLang="zh-TW" dirty="0" smtClean="0"/>
+              <a:t>)</a:t>
+            </a:r>
+            <a:endParaRPr lang="zh-TW" altLang="en-US" dirty="0"/>
+          </a:p>
+        </p:txBody>
+      </p:sp>
+      <p:sp>
+        <p:nvSpPr>
+          <p:cNvPr id="5" name="文字版面配置區 4"/>
+          <p:cNvSpPr>
+            <a:spLocks noGrp="1"/>
+          </p:cNvSpPr>
+          <p:nvPr>
+            <p:ph type="body" idx="1"/>
+          </p:nvPr>
+        </p:nvSpPr>
+        <p:spPr/>
+        <p:txBody>
+          <a:bodyPr/>
+          <a:lstStyle/>
+          <a:p>
+            <a:r>
+              <a:rPr lang="en-US" altLang="zh-TW" dirty="0"/>
+              <a:t>https://ithelp.ithome.com.tw/articles/10191784</a:t>
+            </a:r>
+            <a:endParaRPr lang="zh-TW" altLang="en-US" dirty="0"/>
+          </a:p>
+        </p:txBody>
+      </p:sp>
+    </p:spTree>
+    <p:extLst>
+      <p:ext uri="{BB962C8B-B14F-4D97-AF65-F5344CB8AC3E}">
+        <p14:creationId xmlns:p14="http://schemas.microsoft.com/office/powerpoint/2010/main" val="303535705"/>
+      </p:ext>
+    </p:extLst>
+  </p:cSld>
+  <p:clrMapOvr>
+    <a:masterClrMapping/>
+  </p:clrMapOvr>
+</p:sld>
+</file>
+
+<file path=ppt/slides/slide25.xml><?xml version="1.0" encoding="utf-8"?>
+<p:sld xmlns:a="http://schemas.openxmlformats.org/drawingml/2006/main" xmlns:r="http://schemas.openxmlformats.org/officeDocument/2006/relationships" xmlns:p="http://schemas.openxmlformats.org/presentationml/2006/main">
+  <p:cSld>
+    <p:spTree>
+      <p:nvGrpSpPr>
+        <p:cNvPr id="1" name=""/>
+        <p:cNvGrpSpPr/>
+        <p:nvPr/>
+      </p:nvGrpSpPr>
+      <p:grpSpPr>
+        <a:xfrm>
+          <a:off x="0" y="0"/>
+          <a:ext cx="0" cy="0"/>
+          <a:chOff x="0" y="0"/>
+          <a:chExt cx="0" cy="0"/>
+        </a:xfrm>
+      </p:grpSpPr>
+      <p:sp>
+        <p:nvSpPr>
+          <p:cNvPr id="2" name="標題 1"/>
+          <p:cNvSpPr>
+            <a:spLocks noGrp="1"/>
+          </p:cNvSpPr>
+          <p:nvPr>
+            <p:ph type="title"/>
+          </p:nvPr>
+        </p:nvSpPr>
+        <p:spPr/>
+        <p:txBody>
+          <a:bodyPr/>
+          <a:lstStyle/>
+          <a:p>
+            <a:r>
+              <a:rPr lang="en-US" altLang="zh-TW" dirty="0" smtClean="0"/>
+              <a:t>Model</a:t>
+            </a:r>
+            <a:endParaRPr lang="zh-TW" altLang="en-US" dirty="0"/>
+          </a:p>
+        </p:txBody>
+      </p:sp>
+      <p:sp>
+        <p:nvSpPr>
+          <p:cNvPr id="3" name="內容版面配置區 2"/>
+          <p:cNvSpPr>
+            <a:spLocks noGrp="1"/>
+          </p:cNvSpPr>
+          <p:nvPr>
+            <p:ph idx="1"/>
+          </p:nvPr>
+        </p:nvSpPr>
+        <p:spPr/>
+        <p:txBody>
+          <a:bodyPr>
+            <a:normAutofit/>
+          </a:bodyPr>
+          <a:lstStyle/>
+          <a:p>
+            <a:r>
+              <a:rPr lang="zh-TW" altLang="en-US" sz="2000" dirty="0"/>
+              <a:t>銜接昨天的例子，首先看</a:t>
+            </a:r>
+            <a:r>
+              <a:rPr lang="en-US" altLang="zh-TW" sz="2000" dirty="0"/>
+              <a:t>Student</a:t>
+            </a:r>
+            <a:r>
+              <a:rPr lang="zh-TW" altLang="en-US" sz="2000" dirty="0"/>
+              <a:t>就是一個</a:t>
+            </a:r>
+            <a:r>
+              <a:rPr lang="en-US" altLang="zh-TW" sz="2000" dirty="0"/>
+              <a:t>Model</a:t>
+            </a:r>
+            <a:r>
+              <a:rPr lang="zh-TW" altLang="en-US" sz="2000" dirty="0"/>
+              <a:t>，當然它不是</a:t>
+            </a:r>
+            <a:r>
+              <a:rPr lang="en-US" altLang="zh-TW" sz="2000" dirty="0"/>
+              <a:t>MVC</a:t>
+            </a:r>
+            <a:r>
+              <a:rPr lang="zh-TW" altLang="en-US" sz="2000" dirty="0"/>
+              <a:t>所謂的</a:t>
+            </a:r>
+            <a:r>
+              <a:rPr lang="en-US" altLang="zh-TW" sz="2000" dirty="0"/>
+              <a:t>Model</a:t>
+            </a:r>
+            <a:r>
+              <a:rPr lang="zh-TW" altLang="en-US" sz="2000" dirty="0"/>
+              <a:t>的全貌，應該說只是</a:t>
+            </a:r>
+            <a:r>
+              <a:rPr lang="en-US" altLang="zh-TW" sz="2000" dirty="0"/>
+              <a:t>Model</a:t>
+            </a:r>
+            <a:r>
+              <a:rPr lang="zh-TW" altLang="en-US" sz="2000" dirty="0"/>
+              <a:t>的一種，關於名詞在此就不深究</a:t>
+            </a:r>
+            <a:endParaRPr lang="zh-TW" altLang="en-US" sz="2000" dirty="0"/>
+          </a:p>
+        </p:txBody>
+      </p:sp>
+      <p:pic>
+        <p:nvPicPr>
+          <p:cNvPr id="1026" name="Picture 2"/>
+          <p:cNvPicPr>
+            <a:picLocks noChangeAspect="1" noChangeArrowheads="1"/>
+          </p:cNvPicPr>
+          <p:nvPr/>
+        </p:nvPicPr>
+        <p:blipFill>
+          <a:blip r:embed="rId2">
+            <a:extLst>
+              <a:ext uri="{28A0092B-C50C-407E-A947-70E740481C1C}">
+                <a14:useLocalDpi xmlns:a14="http://schemas.microsoft.com/office/drawing/2010/main" val="0"/>
+              </a:ext>
+            </a:extLst>
+          </a:blip>
+          <a:srcRect/>
+          <a:stretch>
+            <a:fillRect/>
+          </a:stretch>
+        </p:blipFill>
+        <p:spPr bwMode="auto">
+          <a:xfrm>
+            <a:off x="467544" y="2379408"/>
+            <a:ext cx="5040560" cy="4269553"/>
+          </a:xfrm>
+          <a:prstGeom prst="rect">
+            <a:avLst/>
+          </a:prstGeom>
+          <a:noFill/>
+          <a:ln>
+            <a:noFill/>
+          </a:ln>
+          <a:extLst>
+            <a:ext uri="{909E8E84-426E-40DD-AFC4-6F175D3DCCD1}">
+              <a14:hiddenFill xmlns:a14="http://schemas.microsoft.com/office/drawing/2010/main">
+                <a:solidFill>
+                  <a:schemeClr val="accent1"/>
+                </a:solidFill>
+              </a14:hiddenFill>
+            </a:ext>
+            <a:ext uri="{91240B29-F687-4F45-9708-019B960494DF}">
+              <a14:hiddenLine xmlns:a14="http://schemas.microsoft.com/office/drawing/2010/main" w="9525">
+                <a:solidFill>
+                  <a:schemeClr val="tx1"/>
+                </a:solidFill>
+                <a:miter lim="800000"/>
+                <a:headEnd/>
+                <a:tailEnd/>
+              </a14:hiddenLine>
+            </a:ext>
+          </a:extLst>
+        </p:spPr>
+      </p:pic>
+      <p:sp>
+        <p:nvSpPr>
+          <p:cNvPr id="4" name="矩形 3"/>
+          <p:cNvSpPr/>
+          <p:nvPr/>
+        </p:nvSpPr>
+        <p:spPr>
+          <a:xfrm>
+            <a:off x="5580112" y="2379408"/>
+            <a:ext cx="3024336" cy="1477328"/>
+          </a:xfrm>
+          <a:prstGeom prst="rect">
+            <a:avLst/>
+          </a:prstGeom>
+        </p:spPr>
+        <p:txBody>
+          <a:bodyPr wrap="square">
+            <a:spAutoFit/>
+          </a:bodyPr>
+          <a:lstStyle/>
+          <a:p>
+            <a:r>
+              <a:rPr lang="zh-TW" altLang="en-US" dirty="0">
+                <a:solidFill>
+                  <a:srgbClr val="FF0000"/>
+                </a:solidFill>
+              </a:rPr>
+              <a:t>通常應該是在</a:t>
+            </a:r>
+            <a:r>
+              <a:rPr lang="en-US" altLang="zh-TW" dirty="0">
+                <a:solidFill>
+                  <a:srgbClr val="FF0000"/>
+                </a:solidFill>
+              </a:rPr>
+              <a:t>Models</a:t>
+            </a:r>
+            <a:r>
+              <a:rPr lang="zh-TW" altLang="en-US" dirty="0">
+                <a:solidFill>
+                  <a:srgbClr val="FF0000"/>
+                </a:solidFill>
+              </a:rPr>
+              <a:t>資料夾另外建立一個</a:t>
+            </a:r>
+            <a:r>
+              <a:rPr lang="en-US" altLang="zh-TW" dirty="0" err="1">
+                <a:solidFill>
+                  <a:srgbClr val="FF0000"/>
+                </a:solidFill>
+              </a:rPr>
+              <a:t>cs</a:t>
+            </a:r>
+            <a:r>
+              <a:rPr lang="zh-TW" altLang="en-US" dirty="0">
+                <a:solidFill>
+                  <a:srgbClr val="FF0000"/>
+                </a:solidFill>
+              </a:rPr>
+              <a:t>檔案來放這個</a:t>
+            </a:r>
+            <a:r>
+              <a:rPr lang="en-US" altLang="zh-TW" dirty="0">
+                <a:solidFill>
+                  <a:srgbClr val="FF0000"/>
+                </a:solidFill>
+              </a:rPr>
+              <a:t>Model</a:t>
+            </a:r>
+            <a:r>
+              <a:rPr lang="zh-TW" altLang="en-US" dirty="0">
+                <a:solidFill>
+                  <a:srgbClr val="FF0000"/>
+                </a:solidFill>
+              </a:rPr>
+              <a:t>，不過在此就先偷懶一下直接跟</a:t>
+            </a:r>
+            <a:r>
+              <a:rPr lang="en-US" altLang="zh-TW" dirty="0">
+                <a:solidFill>
+                  <a:srgbClr val="FF0000"/>
+                </a:solidFill>
+              </a:rPr>
+              <a:t>Controller</a:t>
+            </a:r>
+            <a:r>
+              <a:rPr lang="zh-TW" altLang="en-US" dirty="0">
+                <a:solidFill>
+                  <a:srgbClr val="FF0000"/>
+                </a:solidFill>
+              </a:rPr>
+              <a:t>放在一起。</a:t>
+            </a:r>
+          </a:p>
+        </p:txBody>
+      </p:sp>
+      <p:sp>
+        <p:nvSpPr>
+          <p:cNvPr id="5" name="矩形 4"/>
+          <p:cNvSpPr/>
+          <p:nvPr/>
+        </p:nvSpPr>
+        <p:spPr>
+          <a:xfrm>
+            <a:off x="5580112" y="3828642"/>
+            <a:ext cx="3168352" cy="2585323"/>
+          </a:xfrm>
+          <a:prstGeom prst="rect">
+            <a:avLst/>
+          </a:prstGeom>
+        </p:spPr>
+        <p:txBody>
+          <a:bodyPr wrap="square">
+            <a:spAutoFit/>
+          </a:bodyPr>
+          <a:lstStyle/>
+          <a:p>
+            <a:r>
+              <a:rPr lang="zh-TW" altLang="en-US" dirty="0"/>
+              <a:t>先看</a:t>
+            </a:r>
+            <a:r>
+              <a:rPr lang="en-US" altLang="zh-TW" dirty="0"/>
+              <a:t>public string id { get; set; }</a:t>
+            </a:r>
+            <a:r>
+              <a:rPr lang="zh-TW" altLang="en-US" dirty="0"/>
+              <a:t>這一行，這是</a:t>
+            </a:r>
+            <a:r>
+              <a:rPr lang="en-US" altLang="zh-TW" dirty="0"/>
+              <a:t>C#</a:t>
+            </a:r>
+            <a:r>
+              <a:rPr lang="zh-TW" altLang="en-US" dirty="0"/>
+              <a:t>提供的基本的</a:t>
+            </a:r>
+            <a:r>
+              <a:rPr lang="en-US" altLang="zh-TW" dirty="0">
+                <a:solidFill>
+                  <a:srgbClr val="FF0000"/>
+                </a:solidFill>
+              </a:rPr>
+              <a:t>Get(</a:t>
+            </a:r>
+            <a:r>
+              <a:rPr lang="zh-TW" altLang="en-US" dirty="0">
+                <a:solidFill>
+                  <a:srgbClr val="FF0000"/>
+                </a:solidFill>
+              </a:rPr>
+              <a:t>取資料</a:t>
+            </a:r>
+            <a:r>
+              <a:rPr lang="en-US" altLang="zh-TW" dirty="0">
+                <a:solidFill>
+                  <a:srgbClr val="FF0000"/>
+                </a:solidFill>
+              </a:rPr>
+              <a:t>)</a:t>
+            </a:r>
+            <a:r>
+              <a:rPr lang="zh-TW" altLang="en-US" dirty="0"/>
+              <a:t>跟</a:t>
+            </a:r>
+            <a:r>
+              <a:rPr lang="en-US" altLang="zh-TW" dirty="0">
+                <a:solidFill>
+                  <a:srgbClr val="FF0000"/>
+                </a:solidFill>
+              </a:rPr>
+              <a:t>Set(</a:t>
+            </a:r>
+            <a:r>
+              <a:rPr lang="zh-TW" altLang="en-US" dirty="0">
+                <a:solidFill>
+                  <a:srgbClr val="FF0000"/>
+                </a:solidFill>
+              </a:rPr>
+              <a:t>設定資料</a:t>
+            </a:r>
+            <a:r>
+              <a:rPr lang="en-US" altLang="zh-TW" dirty="0">
+                <a:solidFill>
+                  <a:srgbClr val="FF0000"/>
+                </a:solidFill>
+              </a:rPr>
+              <a:t>)</a:t>
+            </a:r>
+            <a:r>
+              <a:rPr lang="zh-TW" altLang="en-US" dirty="0"/>
+              <a:t>的方法，也有人會先定義一個</a:t>
+            </a:r>
+            <a:r>
+              <a:rPr lang="en-US" altLang="zh-TW" dirty="0"/>
+              <a:t>private</a:t>
+            </a:r>
+            <a:r>
+              <a:rPr lang="zh-TW" altLang="en-US" dirty="0"/>
+              <a:t>物件，再用</a:t>
+            </a:r>
+            <a:r>
+              <a:rPr lang="en-US" altLang="zh-TW" dirty="0"/>
+              <a:t>public</a:t>
+            </a:r>
+            <a:r>
+              <a:rPr lang="zh-TW" altLang="en-US" dirty="0"/>
+              <a:t>物件對這個</a:t>
+            </a:r>
+            <a:r>
+              <a:rPr lang="en-US" altLang="zh-TW" dirty="0"/>
+              <a:t>private</a:t>
+            </a:r>
+            <a:r>
+              <a:rPr lang="zh-TW" altLang="en-US" dirty="0"/>
+              <a:t>物件做</a:t>
+            </a:r>
+            <a:r>
+              <a:rPr lang="en-US" altLang="zh-TW" dirty="0"/>
+              <a:t>Get</a:t>
+            </a:r>
+            <a:r>
+              <a:rPr lang="zh-TW" altLang="en-US" dirty="0"/>
+              <a:t>跟</a:t>
+            </a:r>
+            <a:r>
+              <a:rPr lang="en-US" altLang="zh-TW" dirty="0"/>
+              <a:t>Set</a:t>
+            </a:r>
+            <a:r>
+              <a:rPr lang="zh-TW" altLang="en-US" dirty="0"/>
+              <a:t>，其實</a:t>
+            </a:r>
+            <a:r>
+              <a:rPr lang="en-US" altLang="zh-TW" dirty="0"/>
+              <a:t>Get</a:t>
+            </a:r>
+            <a:r>
+              <a:rPr lang="zh-TW" altLang="en-US" dirty="0"/>
+              <a:t>跟</a:t>
+            </a:r>
+            <a:r>
+              <a:rPr lang="en-US" altLang="zh-TW" dirty="0"/>
+              <a:t>Set</a:t>
+            </a:r>
+            <a:r>
+              <a:rPr lang="zh-TW" altLang="en-US" dirty="0"/>
+              <a:t>的方法可以有很多，不過沒時間去找這方面的資料，在此先不深究。</a:t>
+            </a:r>
+            <a:endParaRPr lang="zh-TW" altLang="en-US" dirty="0"/>
+          </a:p>
+        </p:txBody>
+      </p:sp>
+    </p:spTree>
+    <p:extLst>
+      <p:ext uri="{BB962C8B-B14F-4D97-AF65-F5344CB8AC3E}">
+        <p14:creationId xmlns:p14="http://schemas.microsoft.com/office/powerpoint/2010/main" val="3358522360"/>
+      </p:ext>
+    </p:extLst>
+  </p:cSld>
+  <p:clrMapOvr>
+    <a:masterClrMapping/>
+  </p:clrMapOvr>
+</p:sld>
+</file>
+
+<file path=ppt/slides/slide26.xml><?xml version="1.0" encoding="utf-8"?>
+<p:sld xmlns:a="http://schemas.openxmlformats.org/drawingml/2006/main" xmlns:r="http://schemas.openxmlformats.org/officeDocument/2006/relationships" xmlns:p="http://schemas.openxmlformats.org/presentationml/2006/main">
+  <p:cSld>
+    <p:spTree>
+      <p:nvGrpSpPr>
+        <p:cNvPr id="1" name=""/>
+        <p:cNvGrpSpPr/>
+        <p:nvPr/>
+      </p:nvGrpSpPr>
+      <p:grpSpPr>
+        <a:xfrm>
+          <a:off x="0" y="0"/>
+          <a:ext cx="0" cy="0"/>
+          <a:chOff x="0" y="0"/>
+          <a:chExt cx="0" cy="0"/>
+        </a:xfrm>
+      </p:grpSpPr>
+      <p:sp>
+        <p:nvSpPr>
+          <p:cNvPr id="2" name="標題 1"/>
+          <p:cNvSpPr>
+            <a:spLocks noGrp="1"/>
+          </p:cNvSpPr>
+          <p:nvPr>
+            <p:ph type="title"/>
+          </p:nvPr>
+        </p:nvSpPr>
+        <p:spPr/>
+        <p:txBody>
+          <a:bodyPr/>
+          <a:lstStyle/>
+          <a:p>
+            <a:r>
+              <a:rPr lang="en-US" altLang="zh-TW" dirty="0" smtClean="0"/>
+              <a:t>Model</a:t>
+            </a:r>
+            <a:endParaRPr lang="zh-TW" altLang="en-US" dirty="0"/>
+          </a:p>
+        </p:txBody>
+      </p:sp>
+      <p:sp>
+        <p:nvSpPr>
+          <p:cNvPr id="3" name="內容版面配置區 2"/>
+          <p:cNvSpPr>
+            <a:spLocks noGrp="1"/>
+          </p:cNvSpPr>
+          <p:nvPr>
+            <p:ph idx="1"/>
+          </p:nvPr>
+        </p:nvSpPr>
+        <p:spPr/>
+        <p:txBody>
+          <a:bodyPr>
+            <a:normAutofit/>
+          </a:bodyPr>
+          <a:lstStyle/>
+          <a:p>
+            <a:r>
+              <a:rPr lang="zh-TW" altLang="en-US" sz="2000" dirty="0"/>
+              <a:t>然後一般來說我們定義了一個</a:t>
+            </a:r>
+            <a:r>
+              <a:rPr lang="en-US" altLang="zh-TW" sz="2000" dirty="0"/>
+              <a:t>class</a:t>
+            </a:r>
+            <a:r>
+              <a:rPr lang="zh-TW" altLang="en-US" sz="2000" dirty="0"/>
+              <a:t>，比較好的習慣是要先給它預設值，所以我定義了兩個建構子</a:t>
+            </a:r>
+            <a:endParaRPr lang="zh-TW" altLang="en-US" sz="2000" dirty="0"/>
+          </a:p>
+        </p:txBody>
+      </p:sp>
+      <p:pic>
+        <p:nvPicPr>
+          <p:cNvPr id="2050" name="Picture 2"/>
+          <p:cNvPicPr>
+            <a:picLocks noChangeAspect="1" noChangeArrowheads="1"/>
+          </p:cNvPicPr>
+          <p:nvPr/>
+        </p:nvPicPr>
+        <p:blipFill>
+          <a:blip r:embed="rId2">
+            <a:extLst>
+              <a:ext uri="{28A0092B-C50C-407E-A947-70E740481C1C}">
+                <a14:useLocalDpi xmlns:a14="http://schemas.microsoft.com/office/drawing/2010/main" val="0"/>
+              </a:ext>
+            </a:extLst>
+          </a:blip>
+          <a:srcRect/>
+          <a:stretch>
+            <a:fillRect/>
+          </a:stretch>
+        </p:blipFill>
+        <p:spPr bwMode="auto">
+          <a:xfrm>
+            <a:off x="1115616" y="2363828"/>
+            <a:ext cx="2314575" cy="1371600"/>
+          </a:xfrm>
+          <a:prstGeom prst="rect">
+            <a:avLst/>
+          </a:prstGeom>
+          <a:noFill/>
+          <a:ln>
+            <a:noFill/>
+          </a:ln>
+          <a:extLst>
+            <a:ext uri="{909E8E84-426E-40DD-AFC4-6F175D3DCCD1}">
+              <a14:hiddenFill xmlns:a14="http://schemas.microsoft.com/office/drawing/2010/main">
+                <a:solidFill>
+                  <a:schemeClr val="accent1"/>
+                </a:solidFill>
+              </a14:hiddenFill>
+            </a:ext>
+            <a:ext uri="{91240B29-F687-4F45-9708-019B960494DF}">
+              <a14:hiddenLine xmlns:a14="http://schemas.microsoft.com/office/drawing/2010/main" w="9525">
+                <a:solidFill>
+                  <a:schemeClr val="tx1"/>
+                </a:solidFill>
+                <a:miter lim="800000"/>
+                <a:headEnd/>
+                <a:tailEnd/>
+              </a14:hiddenLine>
+            </a:ext>
+          </a:extLst>
+        </p:spPr>
+      </p:pic>
+      <p:sp>
+        <p:nvSpPr>
+          <p:cNvPr id="4" name="矩形 3"/>
+          <p:cNvSpPr/>
+          <p:nvPr/>
+        </p:nvSpPr>
+        <p:spPr>
+          <a:xfrm>
+            <a:off x="3429055" y="2348880"/>
+            <a:ext cx="4572000" cy="1200329"/>
+          </a:xfrm>
+          <a:prstGeom prst="rect">
+            <a:avLst/>
+          </a:prstGeom>
+        </p:spPr>
+        <p:txBody>
+          <a:bodyPr>
+            <a:spAutoFit/>
+          </a:bodyPr>
+          <a:lstStyle/>
+          <a:p>
+            <a:r>
+              <a:rPr lang="zh-TW" altLang="en-US" dirty="0"/>
+              <a:t>這個建構子是預設的建構子，如果完全不定義任何建構子，</a:t>
+            </a:r>
+            <a:r>
+              <a:rPr lang="en-US" altLang="zh-TW" dirty="0"/>
+              <a:t>C#</a:t>
+            </a:r>
+            <a:r>
+              <a:rPr lang="zh-TW" altLang="en-US" dirty="0"/>
+              <a:t>好像也會給它預設值，而且印象中跟我的預設值是一樣的，</a:t>
+            </a:r>
+            <a:r>
+              <a:rPr lang="en-US" altLang="zh-TW" dirty="0"/>
+              <a:t>C#</a:t>
+            </a:r>
+            <a:r>
+              <a:rPr lang="zh-TW" altLang="en-US" dirty="0"/>
+              <a:t>比較不會像</a:t>
+            </a:r>
+            <a:r>
+              <a:rPr lang="en-US" altLang="zh-TW" dirty="0"/>
+              <a:t>C++</a:t>
+            </a:r>
+            <a:r>
+              <a:rPr lang="zh-TW" altLang="en-US" dirty="0"/>
+              <a:t>會給一個奇怪的預設值</a:t>
+            </a:r>
+            <a:endParaRPr lang="zh-TW" altLang="en-US" dirty="0"/>
+          </a:p>
+        </p:txBody>
+      </p:sp>
+      <p:pic>
+        <p:nvPicPr>
+          <p:cNvPr id="2051" name="Picture 3"/>
+          <p:cNvPicPr>
+            <a:picLocks noChangeAspect="1" noChangeArrowheads="1"/>
+          </p:cNvPicPr>
+          <p:nvPr/>
+        </p:nvPicPr>
+        <p:blipFill>
+          <a:blip r:embed="rId3">
+            <a:extLst>
+              <a:ext uri="{28A0092B-C50C-407E-A947-70E740481C1C}">
+                <a14:useLocalDpi xmlns:a14="http://schemas.microsoft.com/office/drawing/2010/main" val="0"/>
+              </a:ext>
+            </a:extLst>
+          </a:blip>
+          <a:srcRect/>
+          <a:stretch>
+            <a:fillRect/>
+          </a:stretch>
+        </p:blipFill>
+        <p:spPr bwMode="auto">
+          <a:xfrm>
+            <a:off x="1115616" y="3861048"/>
+            <a:ext cx="4810125" cy="1400175"/>
+          </a:xfrm>
+          <a:prstGeom prst="rect">
+            <a:avLst/>
+          </a:prstGeom>
+          <a:noFill/>
+          <a:ln>
+            <a:noFill/>
+          </a:ln>
+          <a:extLst>
+            <a:ext uri="{909E8E84-426E-40DD-AFC4-6F175D3DCCD1}">
+              <a14:hiddenFill xmlns:a14="http://schemas.microsoft.com/office/drawing/2010/main">
+                <a:solidFill>
+                  <a:schemeClr val="accent1"/>
+                </a:solidFill>
+              </a14:hiddenFill>
+            </a:ext>
+            <a:ext uri="{91240B29-F687-4F45-9708-019B960494DF}">
+              <a14:hiddenLine xmlns:a14="http://schemas.microsoft.com/office/drawing/2010/main" w="9525">
+                <a:solidFill>
+                  <a:schemeClr val="tx1"/>
+                </a:solidFill>
+                <a:miter lim="800000"/>
+                <a:headEnd/>
+                <a:tailEnd/>
+              </a14:hiddenLine>
+            </a:ext>
+          </a:extLst>
+        </p:spPr>
+      </p:pic>
+      <p:sp>
+        <p:nvSpPr>
+          <p:cNvPr id="5" name="矩形 4"/>
+          <p:cNvSpPr/>
+          <p:nvPr/>
+        </p:nvSpPr>
+        <p:spPr>
+          <a:xfrm>
+            <a:off x="5925741" y="3861048"/>
+            <a:ext cx="3038747" cy="1200329"/>
+          </a:xfrm>
+          <a:prstGeom prst="rect">
+            <a:avLst/>
+          </a:prstGeom>
+        </p:spPr>
+        <p:txBody>
+          <a:bodyPr wrap="square">
+            <a:spAutoFit/>
+          </a:bodyPr>
+          <a:lstStyle/>
+          <a:p>
+            <a:r>
+              <a:rPr lang="zh-TW" altLang="en-US" dirty="0"/>
+              <a:t>這個建構子讓我可以直接在宣告物件的時候就帶入我要的值，可以把好幾行的程式縮在一行</a:t>
+            </a:r>
+            <a:r>
+              <a:rPr lang="zh-TW" altLang="en-US"/>
+              <a:t>呼叫</a:t>
+            </a:r>
+            <a:r>
+              <a:rPr lang="zh-TW" altLang="en-US" smtClean="0"/>
+              <a:t>即可</a:t>
+            </a:r>
+            <a:r>
+              <a:rPr lang="zh-TW" altLang="en-US"/>
+              <a:t>。</a:t>
+            </a:r>
+            <a:endParaRPr lang="zh-TW" altLang="en-US" dirty="0"/>
+          </a:p>
+        </p:txBody>
+      </p:sp>
+      <p:sp>
+        <p:nvSpPr>
+          <p:cNvPr id="6" name="矩形 5"/>
+          <p:cNvSpPr/>
+          <p:nvPr/>
+        </p:nvSpPr>
+        <p:spPr>
+          <a:xfrm>
+            <a:off x="1084784" y="5373216"/>
+            <a:ext cx="4927376" cy="369332"/>
+          </a:xfrm>
+          <a:prstGeom prst="rect">
+            <a:avLst/>
+          </a:prstGeom>
+        </p:spPr>
+        <p:txBody>
+          <a:bodyPr wrap="square">
+            <a:spAutoFit/>
+          </a:bodyPr>
+          <a:lstStyle/>
+          <a:p>
+            <a:r>
+              <a:rPr lang="zh-TW" altLang="en-US" dirty="0"/>
+              <a:t>如果沒有宣告這個建構子，原本應該是要</a:t>
+            </a:r>
+            <a:r>
+              <a:rPr lang="zh-TW" altLang="en-US" dirty="0" smtClean="0"/>
+              <a:t>這樣</a:t>
+            </a:r>
+            <a:r>
+              <a:rPr lang="en-US" altLang="zh-TW" dirty="0" smtClean="0"/>
+              <a:t>:</a:t>
+            </a:r>
+            <a:endParaRPr lang="zh-TW" altLang="en-US" dirty="0"/>
+          </a:p>
+        </p:txBody>
+      </p:sp>
+      <p:pic>
+        <p:nvPicPr>
+          <p:cNvPr id="2052" name="Picture 4"/>
+          <p:cNvPicPr>
+            <a:picLocks noChangeAspect="1" noChangeArrowheads="1"/>
+          </p:cNvPicPr>
+          <p:nvPr/>
+        </p:nvPicPr>
+        <p:blipFill>
+          <a:blip r:embed="rId4">
+            <a:extLst>
+              <a:ext uri="{28A0092B-C50C-407E-A947-70E740481C1C}">
+                <a14:useLocalDpi xmlns:a14="http://schemas.microsoft.com/office/drawing/2010/main" val="0"/>
+              </a:ext>
+            </a:extLst>
+          </a:blip>
+          <a:srcRect/>
+          <a:stretch>
+            <a:fillRect/>
+          </a:stretch>
+        </p:blipFill>
+        <p:spPr bwMode="auto">
+          <a:xfrm>
+            <a:off x="1084784" y="5742548"/>
+            <a:ext cx="3067050" cy="1028700"/>
+          </a:xfrm>
+          <a:prstGeom prst="rect">
+            <a:avLst/>
+          </a:prstGeom>
+          <a:noFill/>
+          <a:ln>
+            <a:noFill/>
+          </a:ln>
+          <a:extLst>
+            <a:ext uri="{909E8E84-426E-40DD-AFC4-6F175D3DCCD1}">
+              <a14:hiddenFill xmlns:a14="http://schemas.microsoft.com/office/drawing/2010/main">
+                <a:solidFill>
+                  <a:schemeClr val="accent1"/>
+                </a:solidFill>
+              </a14:hiddenFill>
+            </a:ext>
+            <a:ext uri="{91240B29-F687-4F45-9708-019B960494DF}">
+              <a14:hiddenLine xmlns:a14="http://schemas.microsoft.com/office/drawing/2010/main" w="9525">
+                <a:solidFill>
+                  <a:schemeClr val="tx1"/>
+                </a:solidFill>
+                <a:miter lim="800000"/>
+                <a:headEnd/>
+                <a:tailEnd/>
+              </a14:hiddenLine>
+            </a:ext>
+          </a:extLst>
+        </p:spPr>
+      </p:pic>
+      <p:sp>
+        <p:nvSpPr>
+          <p:cNvPr id="7" name="矩形 6"/>
+          <p:cNvSpPr/>
+          <p:nvPr/>
+        </p:nvSpPr>
+        <p:spPr>
+          <a:xfrm>
+            <a:off x="4860032" y="5742548"/>
+            <a:ext cx="3647152" cy="369332"/>
+          </a:xfrm>
+          <a:prstGeom prst="rect">
+            <a:avLst/>
+          </a:prstGeom>
+        </p:spPr>
+        <p:txBody>
+          <a:bodyPr wrap="none">
+            <a:spAutoFit/>
+          </a:bodyPr>
+          <a:lstStyle/>
+          <a:p>
+            <a:r>
+              <a:rPr lang="zh-TW" altLang="en-US" dirty="0"/>
+              <a:t>有了這個建構子只要一行就可以了</a:t>
+            </a:r>
+            <a:endParaRPr lang="zh-TW" altLang="en-US" dirty="0"/>
+          </a:p>
+        </p:txBody>
+      </p:sp>
+      <p:pic>
+        <p:nvPicPr>
+          <p:cNvPr id="2053" name="Picture 5"/>
+          <p:cNvPicPr>
+            <a:picLocks noChangeAspect="1" noChangeArrowheads="1"/>
+          </p:cNvPicPr>
+          <p:nvPr/>
+        </p:nvPicPr>
+        <p:blipFill>
+          <a:blip r:embed="rId5">
+            <a:extLst>
+              <a:ext uri="{28A0092B-C50C-407E-A947-70E740481C1C}">
+                <a14:useLocalDpi xmlns:a14="http://schemas.microsoft.com/office/drawing/2010/main" val="0"/>
+              </a:ext>
+            </a:extLst>
+          </a:blip>
+          <a:srcRect/>
+          <a:stretch>
+            <a:fillRect/>
+          </a:stretch>
+        </p:blipFill>
+        <p:spPr bwMode="auto">
+          <a:xfrm>
+            <a:off x="4860032" y="6123548"/>
+            <a:ext cx="4210050" cy="266700"/>
+          </a:xfrm>
+          <a:prstGeom prst="rect">
+            <a:avLst/>
+          </a:prstGeom>
+          <a:noFill/>
+          <a:ln>
+            <a:noFill/>
+          </a:ln>
+          <a:extLst>
+            <a:ext uri="{909E8E84-426E-40DD-AFC4-6F175D3DCCD1}">
+              <a14:hiddenFill xmlns:a14="http://schemas.microsoft.com/office/drawing/2010/main">
+                <a:solidFill>
+                  <a:schemeClr val="accent1"/>
+                </a:solidFill>
+              </a14:hiddenFill>
+            </a:ext>
+            <a:ext uri="{91240B29-F687-4F45-9708-019B960494DF}">
+              <a14:hiddenLine xmlns:a14="http://schemas.microsoft.com/office/drawing/2010/main" w="9525">
+                <a:solidFill>
+                  <a:schemeClr val="tx1"/>
+                </a:solidFill>
+                <a:miter lim="800000"/>
+                <a:headEnd/>
+                <a:tailEnd/>
+              </a14:hiddenLine>
+            </a:ext>
+          </a:extLst>
+        </p:spPr>
+      </p:pic>
+      <p:cxnSp>
+        <p:nvCxnSpPr>
+          <p:cNvPr id="9" name="直線單箭頭接點 8"/>
+          <p:cNvCxnSpPr/>
+          <p:nvPr/>
+        </p:nvCxnSpPr>
+        <p:spPr>
+          <a:xfrm>
+            <a:off x="4283968" y="6256898"/>
+            <a:ext cx="504056" cy="0"/>
+          </a:xfrm>
+          <a:prstGeom prst="straightConnector1">
+            <a:avLst/>
+          </a:prstGeom>
+          <a:ln w="57150">
+            <a:tailEnd type="arrow"/>
+          </a:ln>
+        </p:spPr>
+        <p:style>
+          <a:lnRef idx="1">
+            <a:schemeClr val="accent1"/>
+          </a:lnRef>
+          <a:fillRef idx="0">
+            <a:schemeClr val="accent1"/>
+          </a:fillRef>
+          <a:effectRef idx="0">
+            <a:schemeClr val="accent1"/>
+          </a:effectRef>
+          <a:fontRef idx="minor">
+            <a:schemeClr val="tx1"/>
+          </a:fontRef>
+        </p:style>
+      </p:cxnSp>
+    </p:spTree>
+    <p:extLst>
+      <p:ext uri="{BB962C8B-B14F-4D97-AF65-F5344CB8AC3E}">
+        <p14:creationId xmlns:p14="http://schemas.microsoft.com/office/powerpoint/2010/main" val="3720382598"/>
+      </p:ext>
+    </p:extLst>
+  </p:cSld>
+  <p:clrMapOvr>
+    <a:masterClrMapping/>
+  </p:clrMapOvr>
+</p:sld>
+</file>
+
+<file path=ppt/slides/slide27.xml><?xml version="1.0" encoding="utf-8"?>
+<p:sld xmlns:a="http://schemas.openxmlformats.org/drawingml/2006/main" xmlns:r="http://schemas.openxmlformats.org/officeDocument/2006/relationships" xmlns:p="http://schemas.openxmlformats.org/presentationml/2006/main">
+  <p:cSld>
+    <p:spTree>
+      <p:nvGrpSpPr>
+        <p:cNvPr id="1" name=""/>
+        <p:cNvGrpSpPr/>
+        <p:nvPr/>
+      </p:nvGrpSpPr>
+      <p:grpSpPr>
+        <a:xfrm>
+          <a:off x="0" y="0"/>
+          <a:ext cx="0" cy="0"/>
+          <a:chOff x="0" y="0"/>
+          <a:chExt cx="0" cy="0"/>
+        </a:xfrm>
+      </p:grpSpPr>
+      <p:sp>
+        <p:nvSpPr>
+          <p:cNvPr id="2" name="標題 1"/>
+          <p:cNvSpPr>
+            <a:spLocks noGrp="1"/>
+          </p:cNvSpPr>
+          <p:nvPr>
+            <p:ph type="title"/>
+          </p:nvPr>
+        </p:nvSpPr>
+        <p:spPr/>
+        <p:txBody>
+          <a:bodyPr/>
+          <a:lstStyle/>
+          <a:p>
+            <a:r>
+              <a:rPr lang="en-US" altLang="zh-TW" dirty="0" smtClean="0"/>
+              <a:t>Model</a:t>
+            </a:r>
+            <a:endParaRPr lang="zh-TW" altLang="en-US" dirty="0"/>
+          </a:p>
+        </p:txBody>
+      </p:sp>
+      <p:sp>
+        <p:nvSpPr>
+          <p:cNvPr id="3" name="內容版面配置區 2"/>
+          <p:cNvSpPr>
+            <a:spLocks noGrp="1"/>
+          </p:cNvSpPr>
+          <p:nvPr>
+            <p:ph idx="1"/>
+          </p:nvPr>
+        </p:nvSpPr>
+        <p:spPr/>
+        <p:txBody>
+          <a:bodyPr>
+            <a:normAutofit/>
+          </a:bodyPr>
+          <a:lstStyle/>
+          <a:p>
+            <a:r>
+              <a:rPr lang="zh-TW" altLang="en-US" sz="1800" dirty="0"/>
+              <a:t>那後面又宣告了一個</a:t>
+            </a:r>
+            <a:r>
+              <a:rPr lang="en-US" altLang="zh-TW" sz="1800" dirty="0" err="1"/>
+              <a:t>ToString</a:t>
+            </a:r>
+            <a:r>
+              <a:rPr lang="en-US" altLang="zh-TW" sz="1800" dirty="0"/>
+              <a:t>()</a:t>
+            </a:r>
+            <a:r>
+              <a:rPr lang="zh-TW" altLang="en-US" sz="1800" dirty="0"/>
+              <a:t>方法</a:t>
+            </a:r>
+            <a:endParaRPr lang="zh-TW" altLang="en-US" sz="1800" dirty="0"/>
+          </a:p>
+        </p:txBody>
+      </p:sp>
+      <p:pic>
+        <p:nvPicPr>
+          <p:cNvPr id="3074" name="Picture 2"/>
+          <p:cNvPicPr>
+            <a:picLocks noChangeAspect="1" noChangeArrowheads="1"/>
+          </p:cNvPicPr>
+          <p:nvPr/>
+        </p:nvPicPr>
+        <p:blipFill>
+          <a:blip r:embed="rId2">
+            <a:extLst>
+              <a:ext uri="{28A0092B-C50C-407E-A947-70E740481C1C}">
+                <a14:useLocalDpi xmlns:a14="http://schemas.microsoft.com/office/drawing/2010/main" val="0"/>
+              </a:ext>
+            </a:extLst>
+          </a:blip>
+          <a:srcRect/>
+          <a:stretch>
+            <a:fillRect/>
+          </a:stretch>
+        </p:blipFill>
+        <p:spPr bwMode="auto">
+          <a:xfrm>
+            <a:off x="539552" y="2032825"/>
+            <a:ext cx="4514850" cy="923925"/>
+          </a:xfrm>
+          <a:prstGeom prst="rect">
+            <a:avLst/>
+          </a:prstGeom>
+          <a:noFill/>
+          <a:ln>
+            <a:noFill/>
+          </a:ln>
+          <a:extLst>
+            <a:ext uri="{909E8E84-426E-40DD-AFC4-6F175D3DCCD1}">
+              <a14:hiddenFill xmlns:a14="http://schemas.microsoft.com/office/drawing/2010/main">
+                <a:solidFill>
+                  <a:schemeClr val="accent1"/>
+                </a:solidFill>
+              </a14:hiddenFill>
+            </a:ext>
+            <a:ext uri="{91240B29-F687-4F45-9708-019B960494DF}">
+              <a14:hiddenLine xmlns:a14="http://schemas.microsoft.com/office/drawing/2010/main" w="9525">
+                <a:solidFill>
+                  <a:schemeClr val="tx1"/>
+                </a:solidFill>
+                <a:miter lim="800000"/>
+                <a:headEnd/>
+                <a:tailEnd/>
+              </a14:hiddenLine>
+            </a:ext>
+          </a:extLst>
+        </p:spPr>
+      </p:pic>
+      <p:sp>
+        <p:nvSpPr>
+          <p:cNvPr id="4" name="矩形 3"/>
+          <p:cNvSpPr/>
+          <p:nvPr/>
+        </p:nvSpPr>
+        <p:spPr>
+          <a:xfrm>
+            <a:off x="539552" y="2956750"/>
+            <a:ext cx="8064896" cy="1200329"/>
+          </a:xfrm>
+          <a:prstGeom prst="rect">
+            <a:avLst/>
+          </a:prstGeom>
+        </p:spPr>
+        <p:txBody>
+          <a:bodyPr wrap="square">
+            <a:spAutoFit/>
+          </a:bodyPr>
+          <a:lstStyle/>
+          <a:p>
+            <a:r>
+              <a:rPr lang="zh-TW" altLang="en-US" dirty="0"/>
+              <a:t>在</a:t>
+            </a:r>
+            <a:r>
+              <a:rPr lang="en-US" altLang="zh-TW" dirty="0"/>
+              <a:t>C#</a:t>
+            </a:r>
+            <a:r>
+              <a:rPr lang="zh-TW" altLang="en-US" dirty="0"/>
+              <a:t>當中所有的物件都可以使用</a:t>
+            </a:r>
+            <a:r>
+              <a:rPr lang="en-US" altLang="zh-TW" dirty="0" err="1"/>
+              <a:t>ToString</a:t>
+            </a:r>
+            <a:r>
+              <a:rPr lang="en-US" altLang="zh-TW" dirty="0"/>
+              <a:t>()</a:t>
+            </a:r>
+            <a:r>
+              <a:rPr lang="zh-TW" altLang="en-US" dirty="0"/>
+              <a:t>方法，但是一般預設的</a:t>
+            </a:r>
+            <a:r>
+              <a:rPr lang="en-US" altLang="zh-TW" dirty="0" err="1"/>
+              <a:t>ToString</a:t>
+            </a:r>
+            <a:r>
+              <a:rPr lang="zh-TW" altLang="en-US" dirty="0"/>
+              <a:t>出來的一定不是我想要的，所以在這裡可以將原本定義的</a:t>
+            </a:r>
+            <a:r>
+              <a:rPr lang="en-US" altLang="zh-TW" dirty="0" err="1"/>
+              <a:t>ToString</a:t>
+            </a:r>
+            <a:r>
+              <a:rPr lang="en-US" altLang="zh-TW" dirty="0"/>
+              <a:t>()</a:t>
+            </a:r>
+            <a:r>
+              <a:rPr lang="zh-TW" altLang="en-US" dirty="0"/>
+              <a:t>覆蓋過去，就可以按自己要的方式來顯示內容，如果沒有定義</a:t>
+            </a:r>
+            <a:r>
+              <a:rPr lang="en-US" altLang="zh-TW" dirty="0" err="1"/>
+              <a:t>ToString</a:t>
+            </a:r>
+            <a:r>
+              <a:rPr lang="zh-TW" altLang="en-US" dirty="0"/>
+              <a:t>方法，原本出來的畫面會變成</a:t>
+            </a:r>
+            <a:r>
+              <a:rPr lang="zh-TW" altLang="en-US" dirty="0" smtClean="0"/>
+              <a:t>這樣</a:t>
+            </a:r>
+            <a:r>
+              <a:rPr lang="en-US" altLang="zh-TW" dirty="0" smtClean="0"/>
+              <a:t>:</a:t>
+            </a:r>
+            <a:endParaRPr lang="zh-TW" altLang="en-US" dirty="0"/>
+          </a:p>
+        </p:txBody>
+      </p:sp>
+      <p:pic>
+        <p:nvPicPr>
+          <p:cNvPr id="3076" name="Picture 4" descr="https://ithelp.ithome.com.tw/upload/images/20171215/20105694zKbDwCZs1g.jpg"/>
+          <p:cNvPicPr>
+            <a:picLocks noChangeAspect="1" noChangeArrowheads="1"/>
+          </p:cNvPicPr>
+          <p:nvPr/>
+        </p:nvPicPr>
+        <p:blipFill>
+          <a:blip r:embed="rId3">
+            <a:extLst>
+              <a:ext uri="{28A0092B-C50C-407E-A947-70E740481C1C}">
+                <a14:useLocalDpi xmlns:a14="http://schemas.microsoft.com/office/drawing/2010/main" val="0"/>
+              </a:ext>
+            </a:extLst>
+          </a:blip>
+          <a:srcRect/>
+          <a:stretch>
+            <a:fillRect/>
+          </a:stretch>
+        </p:blipFill>
+        <p:spPr bwMode="auto">
+          <a:xfrm>
+            <a:off x="539552" y="4157079"/>
+            <a:ext cx="3752850" cy="2181226"/>
+          </a:xfrm>
+          <a:prstGeom prst="rect">
+            <a:avLst/>
+          </a:prstGeom>
+          <a:noFill/>
+          <a:extLst>
+            <a:ext uri="{909E8E84-426E-40DD-AFC4-6F175D3DCCD1}">
+              <a14:hiddenFill xmlns:a14="http://schemas.microsoft.com/office/drawing/2010/main">
+                <a:solidFill>
+                  <a:srgbClr val="FFFFFF"/>
+                </a:solidFill>
+              </a14:hiddenFill>
+            </a:ext>
+          </a:extLst>
+        </p:spPr>
+      </p:pic>
+      <p:sp>
+        <p:nvSpPr>
+          <p:cNvPr id="5" name="矩形 4"/>
+          <p:cNvSpPr/>
+          <p:nvPr/>
+        </p:nvSpPr>
+        <p:spPr>
+          <a:xfrm>
+            <a:off x="4427984" y="4157079"/>
+            <a:ext cx="4572000" cy="646331"/>
+          </a:xfrm>
+          <a:prstGeom prst="rect">
+            <a:avLst/>
+          </a:prstGeom>
+        </p:spPr>
+        <p:txBody>
+          <a:bodyPr>
+            <a:spAutoFit/>
+          </a:bodyPr>
+          <a:lstStyle/>
+          <a:p>
+            <a:r>
+              <a:rPr lang="en-US" altLang="zh-TW" dirty="0" smtClean="0"/>
+              <a:t>&lt;-</a:t>
+            </a:r>
+            <a:r>
+              <a:rPr lang="zh-TW" altLang="en-US" dirty="0" smtClean="0"/>
+              <a:t>連</a:t>
+            </a:r>
+            <a:r>
+              <a:rPr lang="zh-TW" altLang="en-US" dirty="0"/>
+              <a:t>專案的路徑都寫進去了，如果定義了以上的</a:t>
+            </a:r>
+            <a:r>
+              <a:rPr lang="en-US" altLang="zh-TW" dirty="0" err="1"/>
+              <a:t>ToString</a:t>
+            </a:r>
+            <a:r>
+              <a:rPr lang="zh-TW" altLang="en-US" dirty="0"/>
+              <a:t>方法，就會顯示出昨天那個</a:t>
+            </a:r>
+            <a:r>
+              <a:rPr lang="zh-TW" altLang="en-US" dirty="0" smtClean="0"/>
+              <a:t>圖</a:t>
+            </a:r>
+            <a:r>
+              <a:rPr lang="en-US" altLang="zh-TW" dirty="0" smtClean="0"/>
+              <a:t>:</a:t>
+            </a:r>
+            <a:endParaRPr lang="zh-TW" altLang="en-US" dirty="0"/>
+          </a:p>
+        </p:txBody>
+      </p:sp>
+      <p:pic>
+        <p:nvPicPr>
+          <p:cNvPr id="3078" name="Picture 6" descr="https://ithelp.ithome.com.tw/upload/images/20171215/20105694ZCBWcbw8ek.jpg"/>
+          <p:cNvPicPr>
+            <a:picLocks noChangeAspect="1" noChangeArrowheads="1"/>
+          </p:cNvPicPr>
+          <p:nvPr/>
+        </p:nvPicPr>
+        <p:blipFill>
+          <a:blip r:embed="rId4">
+            <a:extLst>
+              <a:ext uri="{28A0092B-C50C-407E-A947-70E740481C1C}">
+                <a14:useLocalDpi xmlns:a14="http://schemas.microsoft.com/office/drawing/2010/main" val="0"/>
+              </a:ext>
+            </a:extLst>
+          </a:blip>
+          <a:srcRect/>
+          <a:stretch>
+            <a:fillRect/>
+          </a:stretch>
+        </p:blipFill>
+        <p:spPr bwMode="auto">
+          <a:xfrm>
+            <a:off x="7236296" y="4803410"/>
+            <a:ext cx="1714212" cy="1757068"/>
+          </a:xfrm>
+          <a:prstGeom prst="rect">
+            <a:avLst/>
+          </a:prstGeom>
+          <a:noFill/>
+          <a:extLst>
+            <a:ext uri="{909E8E84-426E-40DD-AFC4-6F175D3DCCD1}">
+              <a14:hiddenFill xmlns:a14="http://schemas.microsoft.com/office/drawing/2010/main">
+                <a:solidFill>
+                  <a:srgbClr val="FFFFFF"/>
+                </a:solidFill>
+              </a14:hiddenFill>
+            </a:ext>
+          </a:extLst>
+        </p:spPr>
+      </p:pic>
+    </p:spTree>
+    <p:extLst>
+      <p:ext uri="{BB962C8B-B14F-4D97-AF65-F5344CB8AC3E}">
+        <p14:creationId xmlns:p14="http://schemas.microsoft.com/office/powerpoint/2010/main" val="3339591160"/>
+      </p:ext>
+    </p:extLst>
+  </p:cSld>
+  <p:clrMapOvr>
+    <a:masterClrMapping/>
+  </p:clrMapOvr>
+</p:sld>
+</file>
+
+<file path=ppt/slides/slide28.xml><?xml version="1.0" encoding="utf-8"?>
+<p:sld xmlns:a="http://schemas.openxmlformats.org/drawingml/2006/main" xmlns:r="http://schemas.openxmlformats.org/officeDocument/2006/relationships" xmlns:p="http://schemas.openxmlformats.org/presentationml/2006/main">
+  <p:cSld>
+    <p:spTree>
+      <p:nvGrpSpPr>
+        <p:cNvPr id="1" name=""/>
+        <p:cNvGrpSpPr/>
+        <p:nvPr/>
+      </p:nvGrpSpPr>
+      <p:grpSpPr>
+        <a:xfrm>
+          <a:off x="0" y="0"/>
+          <a:ext cx="0" cy="0"/>
+          <a:chOff x="0" y="0"/>
+          <a:chExt cx="0" cy="0"/>
+        </a:xfrm>
+      </p:grpSpPr>
+      <p:sp>
+        <p:nvSpPr>
+          <p:cNvPr id="4" name="標題 3"/>
+          <p:cNvSpPr>
+            <a:spLocks noGrp="1"/>
+          </p:cNvSpPr>
+          <p:nvPr>
+            <p:ph type="title"/>
+          </p:nvPr>
+        </p:nvSpPr>
+        <p:spPr/>
+        <p:txBody>
+          <a:bodyPr>
+            <a:normAutofit/>
+          </a:bodyPr>
+          <a:lstStyle/>
+          <a:p>
+            <a:r>
+              <a:rPr lang="en-US" altLang="zh-TW" dirty="0"/>
+              <a:t>[Day 07] ASP.NET MVC</a:t>
+            </a:r>
+            <a:r>
+              <a:rPr lang="zh-TW" altLang="en-US" dirty="0"/>
+              <a:t>後端傳資料到前端介紹</a:t>
+            </a:r>
+            <a:r>
+              <a:rPr lang="en-US" altLang="zh-TW" dirty="0"/>
+              <a:t>(</a:t>
+            </a:r>
+            <a:r>
+              <a:rPr lang="zh-TW" altLang="en-US" dirty="0"/>
+              <a:t>三</a:t>
+            </a:r>
+            <a:r>
+              <a:rPr lang="en-US" altLang="zh-TW" dirty="0" smtClean="0"/>
+              <a:t>)</a:t>
+            </a:r>
+            <a:endParaRPr lang="zh-TW" altLang="en-US" dirty="0"/>
+          </a:p>
+        </p:txBody>
+      </p:sp>
+      <p:sp>
+        <p:nvSpPr>
+          <p:cNvPr id="5" name="文字版面配置區 4"/>
+          <p:cNvSpPr>
+            <a:spLocks noGrp="1"/>
+          </p:cNvSpPr>
+          <p:nvPr>
+            <p:ph type="body" idx="1"/>
+          </p:nvPr>
+        </p:nvSpPr>
+        <p:spPr/>
+        <p:txBody>
+          <a:bodyPr/>
+          <a:lstStyle/>
+          <a:p>
+            <a:r>
+              <a:rPr lang="en-US" altLang="zh-TW" dirty="0"/>
+              <a:t>https://ithelp.ithome.com.tw/articles/10191827</a:t>
+            </a:r>
+            <a:endParaRPr lang="zh-TW" altLang="en-US" dirty="0"/>
+          </a:p>
+        </p:txBody>
+      </p:sp>
+    </p:spTree>
+    <p:extLst>
+      <p:ext uri="{BB962C8B-B14F-4D97-AF65-F5344CB8AC3E}">
+        <p14:creationId xmlns:p14="http://schemas.microsoft.com/office/powerpoint/2010/main" val="2931464312"/>
+      </p:ext>
+    </p:extLst>
+  </p:cSld>
+  <p:clrMapOvr>
+    <a:masterClrMapping/>
+  </p:clrMapOvr>
+</p:sld>
+</file>
+
+<file path=ppt/slides/slide29.xml><?xml version="1.0" encoding="utf-8"?>
+<p:sld xmlns:a="http://schemas.openxmlformats.org/drawingml/2006/main" xmlns:r="http://schemas.openxmlformats.org/officeDocument/2006/relationships" xmlns:p="http://schemas.openxmlformats.org/presentationml/2006/main">
+  <p:cSld>
+    <p:spTree>
+      <p:nvGrpSpPr>
+        <p:cNvPr id="1" name=""/>
+        <p:cNvGrpSpPr/>
+        <p:nvPr/>
+      </p:nvGrpSpPr>
+      <p:grpSpPr>
+        <a:xfrm>
+          <a:off x="0" y="0"/>
+          <a:ext cx="0" cy="0"/>
+          <a:chOff x="0" y="0"/>
+          <a:chExt cx="0" cy="0"/>
+        </a:xfrm>
+      </p:grpSpPr>
+      <p:sp>
+        <p:nvSpPr>
+          <p:cNvPr id="2" name="標題 1"/>
+          <p:cNvSpPr>
+            <a:spLocks noGrp="1"/>
+          </p:cNvSpPr>
+          <p:nvPr>
+            <p:ph type="title"/>
+          </p:nvPr>
+        </p:nvSpPr>
+        <p:spPr/>
+        <p:txBody>
+          <a:bodyPr/>
+          <a:lstStyle/>
+          <a:p>
+            <a:endParaRPr lang="zh-TW" altLang="en-US"/>
+          </a:p>
+        </p:txBody>
+      </p:sp>
+      <p:sp>
+        <p:nvSpPr>
+          <p:cNvPr id="3" name="內容版面配置區 2"/>
+          <p:cNvSpPr>
+            <a:spLocks noGrp="1"/>
+          </p:cNvSpPr>
+          <p:nvPr>
+            <p:ph idx="1"/>
+          </p:nvPr>
+        </p:nvSpPr>
+        <p:spPr/>
+        <p:txBody>
+          <a:bodyPr>
+            <a:normAutofit/>
+          </a:bodyPr>
+          <a:lstStyle/>
+          <a:p>
+            <a:r>
+              <a:rPr lang="zh-TW" altLang="en-US" sz="2400" dirty="0"/>
+              <a:t>今天繼續前兩天的話題，我們用</a:t>
+            </a:r>
+            <a:r>
+              <a:rPr lang="en-US" altLang="zh-TW" sz="2400" dirty="0" err="1"/>
+              <a:t>ViewBag</a:t>
+            </a:r>
+            <a:r>
+              <a:rPr lang="zh-TW" altLang="en-US" sz="2400" dirty="0"/>
+              <a:t>總共傳了三個物件，第一個是</a:t>
+            </a:r>
+            <a:r>
+              <a:rPr lang="en-US" altLang="zh-TW" sz="2400" dirty="0"/>
+              <a:t>C#</a:t>
+            </a:r>
+            <a:r>
+              <a:rPr lang="zh-TW" altLang="en-US" sz="2400" dirty="0"/>
+              <a:t>預設的</a:t>
+            </a:r>
+            <a:r>
+              <a:rPr lang="en-US" altLang="zh-TW" sz="2400" dirty="0" err="1"/>
+              <a:t>DateTime</a:t>
+            </a:r>
+            <a:r>
+              <a:rPr lang="zh-TW" altLang="en-US" sz="2400" dirty="0"/>
+              <a:t>物件</a:t>
+            </a:r>
+            <a:r>
+              <a:rPr lang="zh-TW" altLang="en-US" sz="2400" dirty="0" smtClean="0"/>
+              <a:t>，</a:t>
+            </a:r>
+            <a:endParaRPr lang="en-US" altLang="zh-TW" sz="2400" dirty="0" smtClean="0"/>
+          </a:p>
+          <a:p>
+            <a:pPr lvl="1"/>
+            <a:r>
+              <a:rPr lang="en-US" altLang="zh-TW" sz="2000" dirty="0" err="1" smtClean="0"/>
+              <a:t>cs</a:t>
+            </a:r>
+            <a:r>
+              <a:rPr lang="zh-TW" altLang="en-US" sz="2000" dirty="0" smtClean="0"/>
+              <a:t>檔案</a:t>
+            </a:r>
+            <a:endParaRPr lang="en-US" altLang="zh-TW" sz="2000" dirty="0" smtClean="0"/>
+          </a:p>
+          <a:p>
+            <a:pPr lvl="1"/>
+            <a:endParaRPr lang="en-US" altLang="zh-TW" sz="2000" dirty="0"/>
+          </a:p>
+          <a:p>
+            <a:pPr marL="457200" lvl="1" indent="0">
+              <a:buNone/>
+            </a:pPr>
+            <a:endParaRPr lang="en-US" altLang="zh-TW" sz="2000" dirty="0" smtClean="0"/>
+          </a:p>
+          <a:p>
+            <a:pPr lvl="1"/>
+            <a:r>
+              <a:rPr lang="en-US" altLang="zh-TW" sz="2000" dirty="0" err="1" smtClean="0"/>
+              <a:t>cshtml</a:t>
+            </a:r>
+            <a:r>
+              <a:rPr lang="zh-TW" altLang="en-US" sz="2000" dirty="0"/>
+              <a:t>檔案</a:t>
+            </a:r>
+            <a:endParaRPr lang="zh-TW" altLang="en-US" sz="2000" dirty="0"/>
+          </a:p>
+        </p:txBody>
+      </p:sp>
+      <p:pic>
+        <p:nvPicPr>
+          <p:cNvPr id="4098" name="Picture 2"/>
+          <p:cNvPicPr>
+            <a:picLocks noChangeAspect="1" noChangeArrowheads="1"/>
+          </p:cNvPicPr>
+          <p:nvPr/>
+        </p:nvPicPr>
+        <p:blipFill>
+          <a:blip r:embed="rId2">
+            <a:extLst>
+              <a:ext uri="{28A0092B-C50C-407E-A947-70E740481C1C}">
+                <a14:useLocalDpi xmlns:a14="http://schemas.microsoft.com/office/drawing/2010/main" val="0"/>
+              </a:ext>
+            </a:extLst>
+          </a:blip>
+          <a:srcRect/>
+          <a:stretch>
+            <a:fillRect/>
+          </a:stretch>
+        </p:blipFill>
+        <p:spPr bwMode="auto">
+          <a:xfrm>
+            <a:off x="1043608" y="2780928"/>
+            <a:ext cx="2724150" cy="561975"/>
+          </a:xfrm>
+          <a:prstGeom prst="rect">
+            <a:avLst/>
+          </a:prstGeom>
+          <a:noFill/>
+          <a:ln>
+            <a:noFill/>
+          </a:ln>
+          <a:extLst>
+            <a:ext uri="{909E8E84-426E-40DD-AFC4-6F175D3DCCD1}">
+              <a14:hiddenFill xmlns:a14="http://schemas.microsoft.com/office/drawing/2010/main">
+                <a:solidFill>
+                  <a:schemeClr val="accent1"/>
+                </a:solidFill>
+              </a14:hiddenFill>
+            </a:ext>
+            <a:ext uri="{91240B29-F687-4F45-9708-019B960494DF}">
+              <a14:hiddenLine xmlns:a14="http://schemas.microsoft.com/office/drawing/2010/main" w="9525">
+                <a:solidFill>
+                  <a:schemeClr val="tx1"/>
+                </a:solidFill>
+                <a:miter lim="800000"/>
+                <a:headEnd/>
+                <a:tailEnd/>
+              </a14:hiddenLine>
+            </a:ext>
+          </a:extLst>
+        </p:spPr>
+      </p:pic>
+      <p:pic>
+        <p:nvPicPr>
+          <p:cNvPr id="4099" name="Picture 3"/>
+          <p:cNvPicPr>
+            <a:picLocks noChangeAspect="1" noChangeArrowheads="1"/>
+          </p:cNvPicPr>
+          <p:nvPr/>
+        </p:nvPicPr>
+        <p:blipFill>
+          <a:blip r:embed="rId3">
+            <a:extLst>
+              <a:ext uri="{28A0092B-C50C-407E-A947-70E740481C1C}">
+                <a14:useLocalDpi xmlns:a14="http://schemas.microsoft.com/office/drawing/2010/main" val="0"/>
+              </a:ext>
+            </a:extLst>
+          </a:blip>
+          <a:srcRect/>
+          <a:stretch>
+            <a:fillRect/>
+          </a:stretch>
+        </p:blipFill>
+        <p:spPr bwMode="auto">
+          <a:xfrm>
+            <a:off x="1043608" y="3861048"/>
+            <a:ext cx="4591050" cy="1514475"/>
+          </a:xfrm>
+          <a:prstGeom prst="rect">
+            <a:avLst/>
+          </a:prstGeom>
+          <a:noFill/>
+          <a:ln>
+            <a:noFill/>
+          </a:ln>
+          <a:extLst>
+            <a:ext uri="{909E8E84-426E-40DD-AFC4-6F175D3DCCD1}">
+              <a14:hiddenFill xmlns:a14="http://schemas.microsoft.com/office/drawing/2010/main">
+                <a:solidFill>
+                  <a:schemeClr val="accent1"/>
+                </a:solidFill>
+              </a14:hiddenFill>
+            </a:ext>
+            <a:ext uri="{91240B29-F687-4F45-9708-019B960494DF}">
+              <a14:hiddenLine xmlns:a14="http://schemas.microsoft.com/office/drawing/2010/main" w="9525">
+                <a:solidFill>
+                  <a:schemeClr val="tx1"/>
+                </a:solidFill>
+                <a:miter lim="800000"/>
+                <a:headEnd/>
+                <a:tailEnd/>
+              </a14:hiddenLine>
+            </a:ext>
+          </a:extLst>
+        </p:spPr>
+      </p:pic>
+      <p:sp>
+        <p:nvSpPr>
+          <p:cNvPr id="4" name="矩形 3"/>
+          <p:cNvSpPr/>
+          <p:nvPr/>
+        </p:nvSpPr>
+        <p:spPr>
+          <a:xfrm>
+            <a:off x="1043608" y="5373523"/>
+            <a:ext cx="7200800" cy="923330"/>
+          </a:xfrm>
+          <a:prstGeom prst="rect">
+            <a:avLst/>
+          </a:prstGeom>
+        </p:spPr>
+        <p:txBody>
+          <a:bodyPr wrap="square">
+            <a:spAutoFit/>
+          </a:bodyPr>
+          <a:lstStyle/>
+          <a:p>
+            <a:r>
+              <a:rPr lang="zh-TW" altLang="en-US" dirty="0"/>
+              <a:t>在</a:t>
+            </a:r>
+            <a:r>
+              <a:rPr lang="en-US" altLang="zh-TW" dirty="0"/>
+              <a:t>MVC</a:t>
+            </a:r>
+            <a:r>
+              <a:rPr lang="zh-TW" altLang="en-US" dirty="0"/>
+              <a:t>中要呼叫後端的物件，就要使用</a:t>
+            </a:r>
+            <a:r>
+              <a:rPr lang="en-US" altLang="zh-TW" dirty="0"/>
+              <a:t>@</a:t>
+            </a:r>
+            <a:r>
+              <a:rPr lang="zh-TW" altLang="en-US" dirty="0"/>
+              <a:t>這個標記，在最前面的</a:t>
+            </a:r>
+            <a:r>
+              <a:rPr lang="en-US" altLang="zh-TW" dirty="0"/>
+              <a:t>@ { }</a:t>
+            </a:r>
+            <a:r>
+              <a:rPr lang="zh-TW" altLang="en-US" dirty="0"/>
+              <a:t>跟呼叫物件時的</a:t>
+            </a:r>
+            <a:r>
+              <a:rPr lang="en-US" altLang="zh-TW" dirty="0"/>
+              <a:t>@date</a:t>
+            </a:r>
+            <a:r>
+              <a:rPr lang="zh-TW" altLang="en-US" dirty="0"/>
+              <a:t>都是如此，</a:t>
+            </a:r>
+            <a:r>
+              <a:rPr lang="en-US" altLang="zh-TW" dirty="0"/>
+              <a:t>MVC</a:t>
+            </a:r>
+            <a:r>
+              <a:rPr lang="zh-TW" altLang="en-US" dirty="0"/>
+              <a:t>前端是使用</a:t>
+            </a:r>
+            <a:r>
+              <a:rPr lang="en-US" altLang="zh-TW" dirty="0"/>
+              <a:t>Razor</a:t>
+            </a:r>
+            <a:r>
+              <a:rPr lang="zh-TW" altLang="en-US" dirty="0"/>
+              <a:t>的語法，不過基本上可以將</a:t>
+            </a:r>
+            <a:r>
+              <a:rPr lang="en-US" altLang="zh-TW" dirty="0"/>
+              <a:t>C#</a:t>
+            </a:r>
+            <a:r>
+              <a:rPr lang="zh-TW" altLang="en-US" dirty="0"/>
+              <a:t>的語法完全搬到前端來使用，只是要記得加上</a:t>
+            </a:r>
+            <a:r>
+              <a:rPr lang="en-US" altLang="zh-TW" dirty="0"/>
+              <a:t>@</a:t>
+            </a:r>
+            <a:endParaRPr lang="zh-TW" altLang="en-US" dirty="0"/>
+          </a:p>
+        </p:txBody>
+      </p:sp>
+    </p:spTree>
+    <p:extLst>
+      <p:ext uri="{BB962C8B-B14F-4D97-AF65-F5344CB8AC3E}">
+        <p14:creationId xmlns:p14="http://schemas.microsoft.com/office/powerpoint/2010/main" val="3333714572"/>
+      </p:ext>
+    </p:extLst>
+  </p:cSld>
+  <p:clrMapOvr>
+    <a:masterClrMapping/>
+  </p:clrMapOvr>
+</p:sld>
+</file>
+
+<file path=ppt/slides/slide3.xml><?xml version="1.0" encoding="utf-8"?>
+<p:sld xmlns:a="http://schemas.openxmlformats.org/drawingml/2006/main" xmlns:r="http://schemas.openxmlformats.org/officeDocument/2006/relationships" xmlns:p="http://schemas.openxmlformats.org/presentationml/2006/main">
+  <p:cSld>
+    <p:spTree>
+      <p:nvGrpSpPr>
+        <p:cNvPr id="1" name=""/>
+        <p:cNvGrpSpPr/>
+        <p:nvPr/>
+      </p:nvGrpSpPr>
+      <p:grpSpPr>
+        <a:xfrm>
+          <a:off x="0" y="0"/>
+          <a:ext cx="0" cy="0"/>
+          <a:chOff x="0" y="0"/>
+          <a:chExt cx="0" cy="0"/>
+        </a:xfrm>
+      </p:grpSpPr>
+      <p:sp>
+        <p:nvSpPr>
+          <p:cNvPr id="2" name="標題 1"/>
+          <p:cNvSpPr>
+            <a:spLocks noGrp="1"/>
+          </p:cNvSpPr>
+          <p:nvPr>
+            <p:ph type="title"/>
+          </p:nvPr>
+        </p:nvSpPr>
+        <p:spPr/>
+        <p:txBody>
+          <a:bodyPr/>
+          <a:lstStyle/>
+          <a:p>
+            <a:r>
+              <a:rPr lang="en-US" altLang="zh-TW" dirty="0" smtClean="0"/>
+              <a:t>MVC</a:t>
+            </a:r>
+            <a:endParaRPr lang="zh-TW" altLang="en-US" dirty="0"/>
+          </a:p>
+        </p:txBody>
+      </p:sp>
+      <p:sp>
+        <p:nvSpPr>
+          <p:cNvPr id="3" name="內容版面配置區 2"/>
+          <p:cNvSpPr>
+            <a:spLocks noGrp="1"/>
+          </p:cNvSpPr>
+          <p:nvPr>
+            <p:ph idx="1"/>
+          </p:nvPr>
+        </p:nvSpPr>
+        <p:spPr>
+          <a:xfrm>
+            <a:off x="467544" y="1556792"/>
+            <a:ext cx="8229600" cy="4525963"/>
+          </a:xfrm>
+        </p:spPr>
+        <p:txBody>
+          <a:bodyPr>
+            <a:normAutofit/>
+          </a:bodyPr>
+          <a:lstStyle/>
+          <a:p>
+            <a:r>
+              <a:rPr lang="en-US" altLang="zh-TW" sz="2800" dirty="0"/>
+              <a:t>Model-View-Controller(MVC)</a:t>
+            </a:r>
+            <a:r>
+              <a:rPr lang="zh-TW" altLang="en-US" sz="2800" dirty="0"/>
+              <a:t>是一種設計模式</a:t>
+            </a:r>
+            <a:r>
+              <a:rPr lang="en-US" altLang="zh-TW" sz="2800" dirty="0"/>
+              <a:t>(design pattern), </a:t>
+            </a:r>
+            <a:r>
+              <a:rPr lang="zh-TW" altLang="en-US" sz="2800" dirty="0"/>
+              <a:t>主要目的是用來簡化應用程式的開發與增強程式的可維護性</a:t>
+            </a:r>
+            <a:r>
+              <a:rPr lang="en-US" altLang="zh-TW" sz="2800" dirty="0"/>
+              <a:t>, </a:t>
+            </a:r>
+            <a:r>
+              <a:rPr lang="zh-TW" altLang="en-US" sz="2800" dirty="0"/>
+              <a:t>其做法是將應用程式分割成以下三個邏輯的元件 </a:t>
+            </a:r>
+            <a:r>
+              <a:rPr lang="en-US" altLang="zh-TW" sz="2800" dirty="0"/>
+              <a:t>:</a:t>
+            </a:r>
+            <a:endParaRPr lang="zh-TW" altLang="en-US" sz="2800" dirty="0"/>
+          </a:p>
+        </p:txBody>
+      </p:sp>
+      <p:pic>
+        <p:nvPicPr>
+          <p:cNvPr id="4" name="Picture 2"/>
+          <p:cNvPicPr>
+            <a:picLocks noChangeAspect="1" noChangeArrowheads="1"/>
+          </p:cNvPicPr>
+          <p:nvPr/>
+        </p:nvPicPr>
+        <p:blipFill>
+          <a:blip r:embed="rId2">
+            <a:extLst>
+              <a:ext uri="{28A0092B-C50C-407E-A947-70E740481C1C}">
+                <a14:useLocalDpi xmlns:a14="http://schemas.microsoft.com/office/drawing/2010/main" val="0"/>
+              </a:ext>
+            </a:extLst>
+          </a:blip>
+          <a:srcRect/>
+          <a:stretch>
+            <a:fillRect/>
+          </a:stretch>
+        </p:blipFill>
+        <p:spPr bwMode="auto">
+          <a:xfrm>
+            <a:off x="323528" y="3573016"/>
+            <a:ext cx="3152775" cy="2600325"/>
+          </a:xfrm>
+          <a:prstGeom prst="rect">
+            <a:avLst/>
+          </a:prstGeom>
+          <a:noFill/>
+          <a:ln>
+            <a:noFill/>
+          </a:ln>
+          <a:extLst>
+            <a:ext uri="{909E8E84-426E-40DD-AFC4-6F175D3DCCD1}">
+              <a14:hiddenFill xmlns:a14="http://schemas.microsoft.com/office/drawing/2010/main">
+                <a:solidFill>
+                  <a:schemeClr val="accent1"/>
+                </a:solidFill>
+              </a14:hiddenFill>
+            </a:ext>
+            <a:ext uri="{91240B29-F687-4F45-9708-019B960494DF}">
+              <a14:hiddenLine xmlns:a14="http://schemas.microsoft.com/office/drawing/2010/main" w="9525">
+                <a:solidFill>
+                  <a:schemeClr val="tx1"/>
+                </a:solidFill>
+                <a:miter lim="800000"/>
+                <a:headEnd/>
+                <a:tailEnd/>
+              </a14:hiddenLine>
+            </a:ext>
+          </a:extLst>
+        </p:spPr>
+      </p:pic>
+      <p:pic>
+        <p:nvPicPr>
+          <p:cNvPr id="5" name="Picture 3"/>
+          <p:cNvPicPr>
+            <a:picLocks noChangeAspect="1" noChangeArrowheads="1"/>
+          </p:cNvPicPr>
+          <p:nvPr/>
+        </p:nvPicPr>
+        <p:blipFill>
+          <a:blip r:embed="rId3">
+            <a:extLst>
+              <a:ext uri="{28A0092B-C50C-407E-A947-70E740481C1C}">
+                <a14:useLocalDpi xmlns:a14="http://schemas.microsoft.com/office/drawing/2010/main" val="0"/>
+              </a:ext>
+            </a:extLst>
+          </a:blip>
+          <a:srcRect/>
+          <a:stretch>
+            <a:fillRect/>
+          </a:stretch>
+        </p:blipFill>
+        <p:spPr bwMode="auto">
+          <a:xfrm>
+            <a:off x="3476303" y="3501008"/>
+            <a:ext cx="5527330" cy="1724769"/>
+          </a:xfrm>
+          <a:prstGeom prst="rect">
+            <a:avLst/>
+          </a:prstGeom>
+          <a:noFill/>
+          <a:ln>
+            <a:noFill/>
+          </a:ln>
+          <a:extLst>
+            <a:ext uri="{909E8E84-426E-40DD-AFC4-6F175D3DCCD1}">
+              <a14:hiddenFill xmlns:a14="http://schemas.microsoft.com/office/drawing/2010/main">
+                <a:solidFill>
+                  <a:schemeClr val="accent1"/>
+                </a:solidFill>
+              </a14:hiddenFill>
+            </a:ext>
+            <a:ext uri="{91240B29-F687-4F45-9708-019B960494DF}">
+              <a14:hiddenLine xmlns:a14="http://schemas.microsoft.com/office/drawing/2010/main" w="9525">
+                <a:solidFill>
+                  <a:schemeClr val="tx1"/>
+                </a:solidFill>
+                <a:miter lim="800000"/>
+                <a:headEnd/>
+                <a:tailEnd/>
+              </a14:hiddenLine>
+            </a:ext>
+          </a:extLst>
+        </p:spPr>
+      </p:pic>
+    </p:spTree>
+    <p:extLst>
+      <p:ext uri="{BB962C8B-B14F-4D97-AF65-F5344CB8AC3E}">
+        <p14:creationId xmlns:p14="http://schemas.microsoft.com/office/powerpoint/2010/main" val="4250686784"/>
+      </p:ext>
+    </p:extLst>
+  </p:cSld>
+  <p:clrMapOvr>
+    <a:masterClrMapping/>
+  </p:clrMapOvr>
+</p:sld>
+</file>
+
+<file path=ppt/slides/slide30.xml><?xml version="1.0" encoding="utf-8"?>
+<p:sld xmlns:a="http://schemas.openxmlformats.org/drawingml/2006/main" xmlns:r="http://schemas.openxmlformats.org/officeDocument/2006/relationships" xmlns:p="http://schemas.openxmlformats.org/presentationml/2006/main">
+  <p:cSld>
+    <p:spTree>
+      <p:nvGrpSpPr>
+        <p:cNvPr id="1" name=""/>
+        <p:cNvGrpSpPr/>
+        <p:nvPr/>
+      </p:nvGrpSpPr>
+      <p:grpSpPr>
+        <a:xfrm>
+          <a:off x="0" y="0"/>
+          <a:ext cx="0" cy="0"/>
+          <a:chOff x="0" y="0"/>
+          <a:chExt cx="0" cy="0"/>
+        </a:xfrm>
+      </p:grpSpPr>
+      <p:sp>
+        <p:nvSpPr>
+          <p:cNvPr id="2" name="標題 1"/>
+          <p:cNvSpPr>
+            <a:spLocks noGrp="1"/>
+          </p:cNvSpPr>
+          <p:nvPr>
+            <p:ph type="title"/>
+          </p:nvPr>
+        </p:nvSpPr>
+        <p:spPr/>
+        <p:txBody>
+          <a:bodyPr/>
+          <a:lstStyle/>
+          <a:p>
+            <a:endParaRPr lang="zh-TW" altLang="en-US"/>
+          </a:p>
+        </p:txBody>
+      </p:sp>
+      <p:sp>
+        <p:nvSpPr>
+          <p:cNvPr id="3" name="內容版面配置區 2"/>
+          <p:cNvSpPr>
+            <a:spLocks noGrp="1"/>
+          </p:cNvSpPr>
+          <p:nvPr>
+            <p:ph idx="1"/>
+          </p:nvPr>
+        </p:nvSpPr>
+        <p:spPr/>
+        <p:txBody>
+          <a:bodyPr>
+            <a:normAutofit/>
+          </a:bodyPr>
+          <a:lstStyle/>
+          <a:p>
+            <a:r>
+              <a:rPr lang="zh-TW" altLang="en-US" sz="2400" dirty="0"/>
+              <a:t>第二個傳的物件是一個自訂的物件</a:t>
+            </a:r>
+          </a:p>
+          <a:p>
+            <a:pPr lvl="1"/>
+            <a:r>
+              <a:rPr lang="en-US" altLang="zh-TW" sz="2000" dirty="0" err="1"/>
+              <a:t>cs</a:t>
+            </a:r>
+            <a:r>
+              <a:rPr lang="zh-TW" altLang="en-US" sz="2000" dirty="0" smtClean="0"/>
+              <a:t>檔案</a:t>
+            </a:r>
+            <a:endParaRPr lang="en-US" altLang="zh-TW" sz="2000" dirty="0" smtClean="0"/>
+          </a:p>
+          <a:p>
+            <a:pPr lvl="1"/>
+            <a:endParaRPr lang="en-US" altLang="zh-TW" sz="2000" dirty="0" smtClean="0"/>
+          </a:p>
+          <a:p>
+            <a:pPr lvl="1"/>
+            <a:r>
+              <a:rPr lang="en-US" altLang="zh-TW" sz="2000" dirty="0" err="1"/>
+              <a:t>cshtml</a:t>
+            </a:r>
+            <a:r>
+              <a:rPr lang="zh-TW" altLang="en-US" sz="2000" dirty="0" smtClean="0"/>
+              <a:t>檔案</a:t>
+            </a:r>
+            <a:endParaRPr lang="en-US" altLang="zh-TW" sz="2000" dirty="0" smtClean="0"/>
+          </a:p>
+          <a:p>
+            <a:pPr lvl="1"/>
+            <a:endParaRPr lang="en-US" altLang="zh-TW" sz="2000" dirty="0"/>
+          </a:p>
+          <a:p>
+            <a:pPr lvl="1"/>
+            <a:endParaRPr lang="en-US" altLang="zh-TW" sz="2000" dirty="0" smtClean="0"/>
+          </a:p>
+          <a:p>
+            <a:pPr marL="457200" lvl="1" indent="0">
+              <a:buNone/>
+            </a:pPr>
+            <a:endParaRPr lang="en-US" altLang="zh-TW" sz="2000" dirty="0" smtClean="0"/>
+          </a:p>
+          <a:p>
+            <a:pPr lvl="1"/>
+            <a:endParaRPr lang="zh-TW" altLang="en-US" sz="2000" dirty="0"/>
+          </a:p>
+        </p:txBody>
+      </p:sp>
+      <p:pic>
+        <p:nvPicPr>
+          <p:cNvPr id="5122" name="Picture 2"/>
+          <p:cNvPicPr>
+            <a:picLocks noChangeAspect="1" noChangeArrowheads="1"/>
+          </p:cNvPicPr>
+          <p:nvPr/>
+        </p:nvPicPr>
+        <p:blipFill>
+          <a:blip r:embed="rId2">
+            <a:extLst>
+              <a:ext uri="{28A0092B-C50C-407E-A947-70E740481C1C}">
+                <a14:useLocalDpi xmlns:a14="http://schemas.microsoft.com/office/drawing/2010/main" val="0"/>
+              </a:ext>
+            </a:extLst>
+          </a:blip>
+          <a:srcRect/>
+          <a:stretch>
+            <a:fillRect/>
+          </a:stretch>
+        </p:blipFill>
+        <p:spPr bwMode="auto">
+          <a:xfrm>
+            <a:off x="2630080" y="2116313"/>
+            <a:ext cx="2647950" cy="485775"/>
+          </a:xfrm>
+          <a:prstGeom prst="rect">
+            <a:avLst/>
+          </a:prstGeom>
+          <a:noFill/>
+          <a:ln>
+            <a:noFill/>
+          </a:ln>
+          <a:extLst>
+            <a:ext uri="{909E8E84-426E-40DD-AFC4-6F175D3DCCD1}">
+              <a14:hiddenFill xmlns:a14="http://schemas.microsoft.com/office/drawing/2010/main">
+                <a:solidFill>
+                  <a:schemeClr val="accent1"/>
+                </a:solidFill>
+              </a14:hiddenFill>
+            </a:ext>
+            <a:ext uri="{91240B29-F687-4F45-9708-019B960494DF}">
+              <a14:hiddenLine xmlns:a14="http://schemas.microsoft.com/office/drawing/2010/main" w="9525">
+                <a:solidFill>
+                  <a:schemeClr val="tx1"/>
+                </a:solidFill>
+                <a:miter lim="800000"/>
+                <a:headEnd/>
+                <a:tailEnd/>
+              </a14:hiddenLine>
+            </a:ext>
+          </a:extLst>
+        </p:spPr>
+      </p:pic>
+      <p:pic>
+        <p:nvPicPr>
+          <p:cNvPr id="5123" name="Picture 3"/>
+          <p:cNvPicPr>
+            <a:picLocks noChangeAspect="1" noChangeArrowheads="1"/>
+          </p:cNvPicPr>
+          <p:nvPr/>
+        </p:nvPicPr>
+        <p:blipFill>
+          <a:blip r:embed="rId3">
+            <a:extLst>
+              <a:ext uri="{28A0092B-C50C-407E-A947-70E740481C1C}">
+                <a14:useLocalDpi xmlns:a14="http://schemas.microsoft.com/office/drawing/2010/main" val="0"/>
+              </a:ext>
+            </a:extLst>
+          </a:blip>
+          <a:srcRect/>
+          <a:stretch>
+            <a:fillRect/>
+          </a:stretch>
+        </p:blipFill>
+        <p:spPr bwMode="auto">
+          <a:xfrm>
+            <a:off x="2627784" y="2780928"/>
+            <a:ext cx="3067050" cy="1400175"/>
+          </a:xfrm>
+          <a:prstGeom prst="rect">
+            <a:avLst/>
+          </a:prstGeom>
+          <a:noFill/>
+          <a:ln>
+            <a:noFill/>
+          </a:ln>
+          <a:extLst>
+            <a:ext uri="{909E8E84-426E-40DD-AFC4-6F175D3DCCD1}">
+              <a14:hiddenFill xmlns:a14="http://schemas.microsoft.com/office/drawing/2010/main">
+                <a:solidFill>
+                  <a:schemeClr val="accent1"/>
+                </a:solidFill>
+              </a14:hiddenFill>
+            </a:ext>
+            <a:ext uri="{91240B29-F687-4F45-9708-019B960494DF}">
+              <a14:hiddenLine xmlns:a14="http://schemas.microsoft.com/office/drawing/2010/main" w="9525">
+                <a:solidFill>
+                  <a:schemeClr val="tx1"/>
+                </a:solidFill>
+                <a:miter lim="800000"/>
+                <a:headEnd/>
+                <a:tailEnd/>
+              </a14:hiddenLine>
+            </a:ext>
+          </a:extLst>
+        </p:spPr>
+      </p:pic>
+      <p:pic>
+        <p:nvPicPr>
+          <p:cNvPr id="5124" name="Picture 4"/>
+          <p:cNvPicPr>
+            <a:picLocks noChangeAspect="1" noChangeArrowheads="1"/>
+          </p:cNvPicPr>
+          <p:nvPr/>
+        </p:nvPicPr>
+        <p:blipFill>
+          <a:blip r:embed="rId4">
+            <a:extLst>
+              <a:ext uri="{28A0092B-C50C-407E-A947-70E740481C1C}">
+                <a14:useLocalDpi xmlns:a14="http://schemas.microsoft.com/office/drawing/2010/main" val="0"/>
+              </a:ext>
+            </a:extLst>
+          </a:blip>
+          <a:srcRect/>
+          <a:stretch>
+            <a:fillRect/>
+          </a:stretch>
+        </p:blipFill>
+        <p:spPr bwMode="auto">
+          <a:xfrm>
+            <a:off x="251520" y="5043982"/>
+            <a:ext cx="3231987" cy="1497001"/>
+          </a:xfrm>
+          <a:prstGeom prst="rect">
+            <a:avLst/>
+          </a:prstGeom>
+          <a:noFill/>
+          <a:ln>
+            <a:noFill/>
+          </a:ln>
+          <a:extLst>
+            <a:ext uri="{909E8E84-426E-40DD-AFC4-6F175D3DCCD1}">
+              <a14:hiddenFill xmlns:a14="http://schemas.microsoft.com/office/drawing/2010/main">
+                <a:solidFill>
+                  <a:schemeClr val="accent1"/>
+                </a:solidFill>
+              </a14:hiddenFill>
+            </a:ext>
+            <a:ext uri="{91240B29-F687-4F45-9708-019B960494DF}">
+              <a14:hiddenLine xmlns:a14="http://schemas.microsoft.com/office/drawing/2010/main" w="9525">
+                <a:solidFill>
+                  <a:schemeClr val="tx1"/>
+                </a:solidFill>
+                <a:miter lim="800000"/>
+                <a:headEnd/>
+                <a:tailEnd/>
+              </a14:hiddenLine>
+            </a:ext>
+          </a:extLst>
+        </p:spPr>
+      </p:pic>
+      <p:pic>
+        <p:nvPicPr>
+          <p:cNvPr id="5125" name="Picture 5"/>
+          <p:cNvPicPr>
+            <a:picLocks noChangeAspect="1" noChangeArrowheads="1"/>
+          </p:cNvPicPr>
+          <p:nvPr/>
+        </p:nvPicPr>
+        <p:blipFill>
+          <a:blip r:embed="rId5">
+            <a:extLst>
+              <a:ext uri="{28A0092B-C50C-407E-A947-70E740481C1C}">
+                <a14:useLocalDpi xmlns:a14="http://schemas.microsoft.com/office/drawing/2010/main" val="0"/>
+              </a:ext>
+            </a:extLst>
+          </a:blip>
+          <a:srcRect/>
+          <a:stretch>
+            <a:fillRect/>
+          </a:stretch>
+        </p:blipFill>
+        <p:spPr bwMode="auto">
+          <a:xfrm>
+            <a:off x="4520692" y="4975009"/>
+            <a:ext cx="2348284" cy="1868103"/>
+          </a:xfrm>
+          <a:prstGeom prst="rect">
+            <a:avLst/>
+          </a:prstGeom>
+          <a:noFill/>
+          <a:ln>
+            <a:noFill/>
+          </a:ln>
+          <a:extLst>
+            <a:ext uri="{909E8E84-426E-40DD-AFC4-6F175D3DCCD1}">
+              <a14:hiddenFill xmlns:a14="http://schemas.microsoft.com/office/drawing/2010/main">
+                <a:solidFill>
+                  <a:schemeClr val="accent1"/>
+                </a:solidFill>
+              </a14:hiddenFill>
+            </a:ext>
+            <a:ext uri="{91240B29-F687-4F45-9708-019B960494DF}">
+              <a14:hiddenLine xmlns:a14="http://schemas.microsoft.com/office/drawing/2010/main" w="9525">
+                <a:solidFill>
+                  <a:schemeClr val="tx1"/>
+                </a:solidFill>
+                <a:miter lim="800000"/>
+                <a:headEnd/>
+                <a:tailEnd/>
+              </a14:hiddenLine>
+            </a:ext>
+          </a:extLst>
+        </p:spPr>
+      </p:pic>
+      <p:sp>
+        <p:nvSpPr>
+          <p:cNvPr id="4" name="矩形 3"/>
+          <p:cNvSpPr/>
+          <p:nvPr/>
+        </p:nvSpPr>
+        <p:spPr>
+          <a:xfrm>
+            <a:off x="107504" y="4130650"/>
+            <a:ext cx="9865096" cy="923330"/>
+          </a:xfrm>
+          <a:prstGeom prst="rect">
+            <a:avLst/>
+          </a:prstGeom>
+        </p:spPr>
+        <p:txBody>
+          <a:bodyPr wrap="square">
+            <a:spAutoFit/>
+          </a:bodyPr>
+          <a:lstStyle/>
+          <a:p>
+            <a:r>
+              <a:rPr lang="zh-TW" altLang="en-US" dirty="0"/>
+              <a:t>因為我們在宣告的時候沒帶任何參數進去，所以出來的結果就會是預設值：空字串跟</a:t>
+            </a:r>
+            <a:r>
+              <a:rPr lang="en-US" altLang="zh-TW" dirty="0"/>
+              <a:t>0</a:t>
+            </a:r>
+            <a:r>
+              <a:rPr lang="zh-TW" altLang="en-US" dirty="0"/>
+              <a:t>第三個傳的物件是自訂物件的</a:t>
+            </a:r>
+            <a:r>
+              <a:rPr lang="en-US" altLang="zh-TW" dirty="0"/>
+              <a:t>List</a:t>
+            </a:r>
+            <a:r>
+              <a:rPr lang="zh-TW" altLang="en-US" dirty="0"/>
+              <a:t>，</a:t>
+            </a:r>
+            <a:r>
+              <a:rPr lang="en-US" altLang="zh-TW" dirty="0"/>
+              <a:t>List</a:t>
+            </a:r>
+            <a:r>
+              <a:rPr lang="zh-TW" altLang="en-US" dirty="0"/>
+              <a:t>是</a:t>
+            </a:r>
+            <a:r>
+              <a:rPr lang="en-US" altLang="zh-TW" dirty="0"/>
+              <a:t>C#</a:t>
+            </a:r>
+            <a:r>
+              <a:rPr lang="zh-TW" altLang="en-US" dirty="0"/>
+              <a:t>預設的一個陣列，可以放任何物件</a:t>
+            </a:r>
+            <a:br>
+              <a:rPr lang="zh-TW" altLang="en-US" dirty="0"/>
+            </a:br>
+            <a:r>
+              <a:rPr lang="en-US" altLang="zh-TW" dirty="0" err="1"/>
+              <a:t>cs</a:t>
+            </a:r>
+            <a:r>
+              <a:rPr lang="zh-TW" altLang="en-US" dirty="0"/>
+              <a:t>檔案</a:t>
+            </a:r>
+            <a:endParaRPr lang="zh-TW" altLang="en-US" dirty="0"/>
+          </a:p>
+        </p:txBody>
+      </p:sp>
+      <p:sp>
+        <p:nvSpPr>
+          <p:cNvPr id="5" name="矩形 4"/>
+          <p:cNvSpPr/>
+          <p:nvPr/>
+        </p:nvSpPr>
+        <p:spPr>
+          <a:xfrm>
+            <a:off x="4427051" y="4684648"/>
+            <a:ext cx="1267783" cy="369332"/>
+          </a:xfrm>
+          <a:prstGeom prst="rect">
+            <a:avLst/>
+          </a:prstGeom>
+        </p:spPr>
+        <p:txBody>
+          <a:bodyPr wrap="none">
+            <a:spAutoFit/>
+          </a:bodyPr>
+          <a:lstStyle/>
+          <a:p>
+            <a:r>
+              <a:rPr lang="en-US" altLang="zh-TW" dirty="0" err="1"/>
+              <a:t>cshtml</a:t>
+            </a:r>
+            <a:r>
+              <a:rPr lang="zh-TW" altLang="en-US" dirty="0"/>
+              <a:t>檔案</a:t>
+            </a:r>
+            <a:endParaRPr lang="zh-TW" altLang="en-US" dirty="0"/>
+          </a:p>
+        </p:txBody>
+      </p:sp>
+    </p:spTree>
+    <p:extLst>
+      <p:ext uri="{BB962C8B-B14F-4D97-AF65-F5344CB8AC3E}">
+        <p14:creationId xmlns:p14="http://schemas.microsoft.com/office/powerpoint/2010/main" val="3473444615"/>
+      </p:ext>
+    </p:extLst>
+  </p:cSld>
+  <p:clrMapOvr>
+    <a:masterClrMapping/>
+  </p:clrMapOvr>
+  <p:timing>
+    <p:tnLst>
+      <p:par>
+        <p:cTn id="1" dur="indefinite" restart="never" nodeType="tmRoot"/>
+      </p:par>
+    </p:tnLst>
+  </p:timing>
+</p:sld>
+</file>
+
+<file path=ppt/slides/slide31.xml><?xml version="1.0" encoding="utf-8"?>
+<p:sld xmlns:a="http://schemas.openxmlformats.org/drawingml/2006/main" xmlns:r="http://schemas.openxmlformats.org/officeDocument/2006/relationships" xmlns:p="http://schemas.openxmlformats.org/presentationml/2006/main">
+  <p:cSld>
+    <p:spTree>
+      <p:nvGrpSpPr>
+        <p:cNvPr id="1" name=""/>
+        <p:cNvGrpSpPr/>
+        <p:nvPr/>
+      </p:nvGrpSpPr>
+      <p:grpSpPr>
+        <a:xfrm>
+          <a:off x="0" y="0"/>
+          <a:ext cx="0" cy="0"/>
+          <a:chOff x="0" y="0"/>
+          <a:chExt cx="0" cy="0"/>
+        </a:xfrm>
+      </p:grpSpPr>
+      <p:sp>
+        <p:nvSpPr>
+          <p:cNvPr id="6" name="標題 5"/>
+          <p:cNvSpPr>
+            <a:spLocks noGrp="1"/>
+          </p:cNvSpPr>
+          <p:nvPr>
+            <p:ph type="title"/>
+          </p:nvPr>
+        </p:nvSpPr>
+        <p:spPr/>
+        <p:txBody>
+          <a:bodyPr>
+            <a:normAutofit/>
+          </a:bodyPr>
+          <a:lstStyle/>
+          <a:p>
+            <a:r>
+              <a:rPr lang="en-US" altLang="zh-TW" dirty="0"/>
+              <a:t>[Day 08] ASP.NET MVC</a:t>
+            </a:r>
+            <a:r>
+              <a:rPr lang="zh-TW" altLang="en-US" dirty="0"/>
+              <a:t>後端傳資料到前端介紹</a:t>
+            </a:r>
+            <a:r>
+              <a:rPr lang="en-US" altLang="zh-TW" dirty="0"/>
+              <a:t>(</a:t>
+            </a:r>
+            <a:r>
+              <a:rPr lang="zh-TW" altLang="en-US" dirty="0"/>
+              <a:t>四</a:t>
+            </a:r>
+            <a:r>
+              <a:rPr lang="en-US" altLang="zh-TW" dirty="0" smtClean="0"/>
+              <a:t>)</a:t>
+            </a:r>
+            <a:endParaRPr lang="zh-TW" altLang="en-US" dirty="0"/>
+          </a:p>
+        </p:txBody>
+      </p:sp>
+      <p:sp>
+        <p:nvSpPr>
+          <p:cNvPr id="7" name="文字版面配置區 6"/>
+          <p:cNvSpPr>
+            <a:spLocks noGrp="1"/>
+          </p:cNvSpPr>
+          <p:nvPr>
+            <p:ph type="body" idx="1"/>
+          </p:nvPr>
+        </p:nvSpPr>
+        <p:spPr/>
+        <p:txBody>
+          <a:bodyPr/>
+          <a:lstStyle/>
+          <a:p>
+            <a:r>
+              <a:rPr lang="en-US" altLang="zh-TW" dirty="0"/>
+              <a:t>https://ithelp.ithome.com.tw/articles/10191926</a:t>
+            </a:r>
+            <a:endParaRPr lang="zh-TW" altLang="en-US" dirty="0"/>
+          </a:p>
+        </p:txBody>
+      </p:sp>
+    </p:spTree>
+    <p:extLst>
+      <p:ext uri="{BB962C8B-B14F-4D97-AF65-F5344CB8AC3E}">
+        <p14:creationId xmlns:p14="http://schemas.microsoft.com/office/powerpoint/2010/main" val="2856798051"/>
+      </p:ext>
+    </p:extLst>
+  </p:cSld>
+  <p:clrMapOvr>
+    <a:masterClrMapping/>
+  </p:clrMapOvr>
+  <p:timing>
+    <p:tnLst>
+      <p:par>
+        <p:cTn id="1" dur="indefinite" restart="never" nodeType="tmRoot"/>
+      </p:par>
+    </p:tnLst>
+  </p:timing>
+</p:sld>
+</file>
+
+<file path=ppt/slides/slide32.xml><?xml version="1.0" encoding="utf-8"?>
+<p:sld xmlns:a="http://schemas.openxmlformats.org/drawingml/2006/main" xmlns:r="http://schemas.openxmlformats.org/officeDocument/2006/relationships" xmlns:p="http://schemas.openxmlformats.org/presentationml/2006/main">
+  <p:cSld>
+    <p:spTree>
+      <p:nvGrpSpPr>
+        <p:cNvPr id="1" name=""/>
+        <p:cNvGrpSpPr/>
+        <p:nvPr/>
+      </p:nvGrpSpPr>
+      <p:grpSpPr>
+        <a:xfrm>
+          <a:off x="0" y="0"/>
+          <a:ext cx="0" cy="0"/>
+          <a:chOff x="0" y="0"/>
+          <a:chExt cx="0" cy="0"/>
+        </a:xfrm>
+      </p:grpSpPr>
+      <p:sp>
+        <p:nvSpPr>
+          <p:cNvPr id="2" name="標題 1"/>
+          <p:cNvSpPr>
+            <a:spLocks noGrp="1"/>
+          </p:cNvSpPr>
+          <p:nvPr>
+            <p:ph type="title"/>
+          </p:nvPr>
+        </p:nvSpPr>
+        <p:spPr/>
+        <p:txBody>
+          <a:bodyPr/>
+          <a:lstStyle/>
+          <a:p>
+            <a:endParaRPr lang="zh-TW" altLang="en-US"/>
+          </a:p>
+        </p:txBody>
+      </p:sp>
+      <p:sp>
+        <p:nvSpPr>
+          <p:cNvPr id="3" name="內容版面配置區 2"/>
+          <p:cNvSpPr>
+            <a:spLocks noGrp="1"/>
+          </p:cNvSpPr>
+          <p:nvPr>
+            <p:ph idx="1"/>
+          </p:nvPr>
+        </p:nvSpPr>
+        <p:spPr/>
+        <p:txBody>
+          <a:bodyPr>
+            <a:normAutofit fontScale="62500" lnSpcReduction="20000"/>
+          </a:bodyPr>
+          <a:lstStyle/>
+          <a:p>
+            <a:r>
+              <a:rPr lang="zh-TW" altLang="en-US" dirty="0"/>
+              <a:t>今天來分享使用</a:t>
+            </a:r>
+            <a:r>
+              <a:rPr lang="en-US" altLang="zh-TW" dirty="0"/>
+              <a:t>Model</a:t>
+            </a:r>
+            <a:r>
+              <a:rPr lang="zh-TW" altLang="en-US" dirty="0"/>
+              <a:t>的方式傳資料到前端，在此先說明，我這一篇所提到的</a:t>
+            </a:r>
+            <a:r>
+              <a:rPr lang="en-US" altLang="zh-TW" dirty="0"/>
+              <a:t>Model</a:t>
+            </a:r>
+            <a:r>
+              <a:rPr lang="zh-TW" altLang="en-US" dirty="0"/>
+              <a:t>，跟</a:t>
+            </a:r>
+            <a:r>
+              <a:rPr lang="en-US" altLang="zh-TW" dirty="0"/>
+              <a:t>MVC</a:t>
+            </a:r>
+            <a:r>
+              <a:rPr lang="zh-TW" altLang="en-US" dirty="0"/>
+              <a:t>的</a:t>
+            </a:r>
+            <a:r>
+              <a:rPr lang="en-US" altLang="zh-TW" dirty="0"/>
+              <a:t>M(Model)</a:t>
+            </a:r>
+            <a:r>
+              <a:rPr lang="zh-TW" altLang="en-US" dirty="0"/>
+              <a:t>的定義可能會有一些出入，畢竟</a:t>
+            </a:r>
+            <a:r>
+              <a:rPr lang="en-US" altLang="zh-TW" dirty="0"/>
+              <a:t>MVC</a:t>
+            </a:r>
+            <a:r>
+              <a:rPr lang="zh-TW" altLang="en-US" dirty="0"/>
+              <a:t>的</a:t>
+            </a:r>
+            <a:r>
+              <a:rPr lang="en-US" altLang="zh-TW" dirty="0"/>
+              <a:t>M</a:t>
+            </a:r>
+            <a:r>
+              <a:rPr lang="zh-TW" altLang="en-US" dirty="0"/>
+              <a:t>範圍太廣了，只是我習慣這樣子稱呼它了，不過</a:t>
+            </a:r>
+            <a:r>
+              <a:rPr lang="en-US" altLang="zh-TW" dirty="0"/>
+              <a:t>MVC</a:t>
+            </a:r>
+            <a:r>
+              <a:rPr lang="zh-TW" altLang="en-US" dirty="0"/>
+              <a:t>有一個預設的資料夾名稱叫</a:t>
+            </a:r>
+            <a:r>
+              <a:rPr lang="en-US" altLang="zh-TW" dirty="0"/>
+              <a:t>Models</a:t>
+            </a:r>
+            <a:r>
+              <a:rPr lang="zh-TW" altLang="en-US" dirty="0"/>
+              <a:t>，我所謂的</a:t>
+            </a:r>
+            <a:r>
+              <a:rPr lang="en-US" altLang="zh-TW" dirty="0">
+                <a:solidFill>
+                  <a:srgbClr val="FF0000"/>
+                </a:solidFill>
+              </a:rPr>
+              <a:t>Model</a:t>
+            </a:r>
+            <a:r>
+              <a:rPr lang="zh-TW" altLang="en-US" dirty="0">
+                <a:solidFill>
+                  <a:srgbClr val="FF0000"/>
+                </a:solidFill>
+              </a:rPr>
+              <a:t>通常是建在這個資料夾底下的</a:t>
+            </a:r>
+            <a:r>
+              <a:rPr lang="en-US" altLang="zh-TW" dirty="0">
+                <a:solidFill>
+                  <a:srgbClr val="FF0000"/>
+                </a:solidFill>
+              </a:rPr>
+              <a:t>class</a:t>
+            </a:r>
+            <a:r>
+              <a:rPr lang="zh-TW" altLang="en-US" dirty="0"/>
+              <a:t>，或是</a:t>
+            </a:r>
+            <a:r>
+              <a:rPr lang="en-US" altLang="zh-TW" dirty="0" err="1"/>
+              <a:t>ViewModel</a:t>
+            </a:r>
+            <a:r>
+              <a:rPr lang="en-US" altLang="zh-TW" dirty="0"/>
+              <a:t>(</a:t>
+            </a:r>
+            <a:r>
+              <a:rPr lang="zh-TW" altLang="en-US" dirty="0"/>
+              <a:t>用來傳遞給</a:t>
+            </a:r>
+            <a:r>
+              <a:rPr lang="en-US" altLang="zh-TW" dirty="0"/>
+              <a:t>View</a:t>
+            </a:r>
+            <a:r>
+              <a:rPr lang="zh-TW" altLang="en-US" dirty="0"/>
+              <a:t>或接收</a:t>
+            </a:r>
+            <a:r>
+              <a:rPr lang="en-US" altLang="zh-TW" dirty="0"/>
+              <a:t>View</a:t>
+            </a:r>
+            <a:r>
+              <a:rPr lang="zh-TW" altLang="en-US" dirty="0"/>
+              <a:t>資料的</a:t>
+            </a:r>
+            <a:r>
+              <a:rPr lang="en-US" altLang="zh-TW" dirty="0"/>
+              <a:t>Model)</a:t>
+            </a:r>
+            <a:r>
+              <a:rPr lang="zh-TW" altLang="en-US" dirty="0"/>
+              <a:t>，其實在我的想法</a:t>
+            </a:r>
+            <a:r>
+              <a:rPr lang="en-US" altLang="zh-TW" dirty="0"/>
+              <a:t>Model</a:t>
+            </a:r>
+            <a:r>
+              <a:rPr lang="zh-TW" altLang="en-US" dirty="0"/>
+              <a:t>和</a:t>
+            </a:r>
+            <a:r>
+              <a:rPr lang="en-US" altLang="zh-TW" dirty="0" err="1"/>
+              <a:t>ViewModel</a:t>
+            </a:r>
+            <a:r>
+              <a:rPr lang="zh-TW" altLang="en-US" dirty="0"/>
+              <a:t>基本上差別不大，只是有些人會習慣如此稱呼它。</a:t>
+            </a:r>
+          </a:p>
+          <a:p>
+            <a:endParaRPr lang="zh-TW" altLang="en-US" dirty="0"/>
+          </a:p>
+          <a:p>
+            <a:r>
+              <a:rPr lang="zh-TW" altLang="en-US" dirty="0"/>
+              <a:t>一般來說，如果要傳的資料是很簡單的，可以用</a:t>
+            </a:r>
+            <a:r>
+              <a:rPr lang="en-US" altLang="zh-TW" dirty="0" err="1"/>
+              <a:t>ViewBag</a:t>
+            </a:r>
+            <a:r>
+              <a:rPr lang="zh-TW" altLang="en-US" dirty="0"/>
+              <a:t>來傳遞，如果是比較複雜的，當然也可以用很多</a:t>
+            </a:r>
+            <a:r>
+              <a:rPr lang="en-US" altLang="zh-TW" dirty="0" err="1"/>
+              <a:t>ViewBag</a:t>
+            </a:r>
+            <a:r>
+              <a:rPr lang="zh-TW" altLang="en-US" dirty="0"/>
+              <a:t>，其實</a:t>
+            </a:r>
+            <a:r>
+              <a:rPr lang="en-US" altLang="zh-TW" dirty="0" err="1">
+                <a:solidFill>
+                  <a:srgbClr val="FF0000"/>
+                </a:solidFill>
+              </a:rPr>
+              <a:t>ViewBag</a:t>
+            </a:r>
+            <a:r>
+              <a:rPr lang="zh-TW" altLang="en-US" dirty="0">
+                <a:solidFill>
+                  <a:srgbClr val="FF0000"/>
+                </a:solidFill>
+              </a:rPr>
+              <a:t>也可以傳遞一個</a:t>
+            </a:r>
+            <a:r>
+              <a:rPr lang="en-US" altLang="zh-TW" dirty="0">
+                <a:solidFill>
+                  <a:srgbClr val="FF0000"/>
+                </a:solidFill>
+              </a:rPr>
+              <a:t>Model</a:t>
+            </a:r>
+            <a:r>
+              <a:rPr lang="zh-TW" altLang="en-US" dirty="0">
+                <a:solidFill>
+                  <a:srgbClr val="FF0000"/>
+                </a:solidFill>
+              </a:rPr>
+              <a:t>，甚至一個</a:t>
+            </a:r>
+            <a:r>
+              <a:rPr lang="en-US" altLang="zh-TW" dirty="0">
+                <a:solidFill>
+                  <a:srgbClr val="FF0000"/>
+                </a:solidFill>
+              </a:rPr>
+              <a:t>Model</a:t>
+            </a:r>
+            <a:r>
+              <a:rPr lang="zh-TW" altLang="en-US" dirty="0">
+                <a:solidFill>
+                  <a:srgbClr val="FF0000"/>
+                </a:solidFill>
+              </a:rPr>
+              <a:t>的</a:t>
+            </a:r>
+            <a:r>
+              <a:rPr lang="en-US" altLang="zh-TW" dirty="0">
+                <a:solidFill>
+                  <a:srgbClr val="FF0000"/>
+                </a:solidFill>
+              </a:rPr>
+              <a:t>List</a:t>
+            </a:r>
+            <a:r>
+              <a:rPr lang="zh-TW" altLang="en-US" dirty="0">
+                <a:solidFill>
+                  <a:srgbClr val="FF0000"/>
+                </a:solidFill>
+              </a:rPr>
+              <a:t>也是可以的，基本上</a:t>
+            </a:r>
+            <a:r>
+              <a:rPr lang="en-US" altLang="zh-TW" dirty="0" err="1">
+                <a:solidFill>
+                  <a:srgbClr val="FF0000"/>
+                </a:solidFill>
+              </a:rPr>
+              <a:t>ViewBag</a:t>
+            </a:r>
+            <a:r>
+              <a:rPr lang="zh-TW" altLang="en-US" dirty="0">
+                <a:solidFill>
+                  <a:srgbClr val="FF0000"/>
+                </a:solidFill>
+              </a:rPr>
+              <a:t>幾乎可以傳遞任何東西</a:t>
+            </a:r>
+            <a:r>
+              <a:rPr lang="zh-TW" altLang="en-US" dirty="0"/>
+              <a:t>，目前我在寫</a:t>
+            </a:r>
+            <a:r>
+              <a:rPr lang="en-US" altLang="zh-TW" dirty="0"/>
+              <a:t>MVC</a:t>
+            </a:r>
+            <a:r>
+              <a:rPr lang="zh-TW" altLang="en-US" dirty="0"/>
+              <a:t>還沒有遇過</a:t>
+            </a:r>
+            <a:r>
+              <a:rPr lang="en-US" altLang="zh-TW" dirty="0" err="1"/>
+              <a:t>ViewBag</a:t>
+            </a:r>
+            <a:r>
+              <a:rPr lang="zh-TW" altLang="en-US" dirty="0"/>
+              <a:t>不能傳遞的東西，但是在某些情況下，尤其是跟資料庫有關的部分，其實用</a:t>
+            </a:r>
+            <a:r>
+              <a:rPr lang="en-US" altLang="zh-TW" dirty="0"/>
+              <a:t>Model</a:t>
+            </a:r>
+            <a:r>
+              <a:rPr lang="zh-TW" altLang="en-US" dirty="0"/>
+              <a:t>來傳遞是很方便的，而且接收網頁的資料也可以用</a:t>
+            </a:r>
+            <a:r>
+              <a:rPr lang="en-US" altLang="zh-TW" dirty="0"/>
+              <a:t>Model</a:t>
+            </a:r>
+            <a:r>
+              <a:rPr lang="zh-TW" altLang="en-US" dirty="0"/>
+              <a:t>的方式接收，這一點就很方便，說實在用過</a:t>
+            </a:r>
+            <a:r>
+              <a:rPr lang="en-US" altLang="zh-TW" dirty="0"/>
+              <a:t>C#</a:t>
+            </a:r>
+            <a:r>
+              <a:rPr lang="zh-TW" altLang="en-US" dirty="0"/>
+              <a:t>的</a:t>
+            </a:r>
+            <a:r>
+              <a:rPr lang="en-US" altLang="zh-TW" dirty="0"/>
+              <a:t>Model</a:t>
+            </a:r>
+            <a:r>
+              <a:rPr lang="zh-TW" altLang="en-US" dirty="0"/>
+              <a:t>來寫</a:t>
+            </a:r>
+            <a:r>
+              <a:rPr lang="en-US" altLang="zh-TW" dirty="0"/>
+              <a:t>MVC</a:t>
+            </a:r>
+            <a:r>
+              <a:rPr lang="zh-TW" altLang="en-US" dirty="0"/>
+              <a:t>之後，現在很多東西都會用</a:t>
+            </a:r>
+            <a:r>
+              <a:rPr lang="en-US" altLang="zh-TW" dirty="0"/>
+              <a:t>Model</a:t>
+            </a:r>
+            <a:r>
+              <a:rPr lang="zh-TW" altLang="en-US" dirty="0"/>
+              <a:t>來處理，覺得還蠻方便的，當然</a:t>
+            </a:r>
+            <a:r>
+              <a:rPr lang="en-US" altLang="zh-TW" dirty="0" err="1"/>
+              <a:t>ViewBag</a:t>
+            </a:r>
+            <a:r>
+              <a:rPr lang="zh-TW" altLang="en-US" dirty="0"/>
+              <a:t>也是很常用到，而且用途比</a:t>
+            </a:r>
+            <a:r>
+              <a:rPr lang="en-US" altLang="zh-TW" dirty="0"/>
+              <a:t>Model</a:t>
+            </a:r>
+            <a:r>
+              <a:rPr lang="zh-TW" altLang="en-US" dirty="0"/>
+              <a:t>更廣。</a:t>
+            </a:r>
+          </a:p>
+          <a:p>
+            <a:endParaRPr lang="zh-TW" altLang="en-US" dirty="0"/>
+          </a:p>
+        </p:txBody>
+      </p:sp>
+    </p:spTree>
+    <p:extLst>
+      <p:ext uri="{BB962C8B-B14F-4D97-AF65-F5344CB8AC3E}">
+        <p14:creationId xmlns:p14="http://schemas.microsoft.com/office/powerpoint/2010/main" val="618668581"/>
+      </p:ext>
+    </p:extLst>
+  </p:cSld>
+  <p:clrMapOvr>
+    <a:masterClrMapping/>
+  </p:clrMapOvr>
+  <p:timing>
+    <p:tnLst>
+      <p:par>
+        <p:cTn id="1" dur="indefinite" restart="never" nodeType="tmRoot"/>
+      </p:par>
+    </p:tnLst>
+  </p:timing>
+</p:sld>
+</file>
+
+<file path=ppt/slides/slide33.xml><?xml version="1.0" encoding="utf-8"?>
+<p:sld xmlns:a="http://schemas.openxmlformats.org/drawingml/2006/main" xmlns:r="http://schemas.openxmlformats.org/officeDocument/2006/relationships" xmlns:p="http://schemas.openxmlformats.org/presentationml/2006/main">
+  <p:cSld>
+    <p:spTree>
+      <p:nvGrpSpPr>
+        <p:cNvPr id="1" name=""/>
+        <p:cNvGrpSpPr/>
+        <p:nvPr/>
+      </p:nvGrpSpPr>
+      <p:grpSpPr>
+        <a:xfrm>
+          <a:off x="0" y="0"/>
+          <a:ext cx="0" cy="0"/>
+          <a:chOff x="0" y="0"/>
+          <a:chExt cx="0" cy="0"/>
+        </a:xfrm>
+      </p:grpSpPr>
+      <p:sp>
+        <p:nvSpPr>
+          <p:cNvPr id="3" name="內容版面配置區 2"/>
+          <p:cNvSpPr>
+            <a:spLocks noGrp="1"/>
+          </p:cNvSpPr>
+          <p:nvPr>
+            <p:ph idx="1"/>
+          </p:nvPr>
+        </p:nvSpPr>
+        <p:spPr>
+          <a:xfrm>
+            <a:off x="457200" y="188640"/>
+            <a:ext cx="4258816" cy="5937523"/>
+          </a:xfrm>
+        </p:spPr>
+        <p:txBody>
+          <a:bodyPr>
+            <a:normAutofit/>
+          </a:bodyPr>
+          <a:lstStyle/>
+          <a:p>
+            <a:r>
+              <a:rPr lang="zh-TW" altLang="en-US" sz="1800" dirty="0"/>
+              <a:t>不囉嗦，下面就直接寫一個程式，當然還是用到我們之前的</a:t>
+            </a:r>
+            <a:r>
+              <a:rPr lang="en-US" altLang="zh-TW" sz="1800" dirty="0"/>
+              <a:t>Student</a:t>
+            </a:r>
+            <a:r>
+              <a:rPr lang="zh-TW" altLang="en-US" sz="1800" dirty="0"/>
+              <a:t>，不過這邊改用表單編輯的方式來呈現，</a:t>
+            </a:r>
+            <a:r>
+              <a:rPr lang="zh-TW" altLang="en-US" sz="1800" dirty="0">
+                <a:solidFill>
+                  <a:srgbClr val="0070C0"/>
+                </a:solidFill>
+              </a:rPr>
+              <a:t>從後端帶資料到前端</a:t>
+            </a:r>
+            <a:r>
+              <a:rPr lang="zh-TW" altLang="en-US" sz="1800" dirty="0"/>
+              <a:t>。至於從前端讀資料到後端的部分，則會跟</a:t>
+            </a:r>
+            <a:r>
+              <a:rPr lang="en-US" altLang="zh-TW" sz="1800" dirty="0"/>
+              <a:t>Get</a:t>
+            </a:r>
+            <a:r>
+              <a:rPr lang="zh-TW" altLang="en-US" sz="1800" dirty="0"/>
+              <a:t>和</a:t>
+            </a:r>
+            <a:r>
+              <a:rPr lang="en-US" altLang="zh-TW" sz="1800" dirty="0"/>
+              <a:t>Post</a:t>
+            </a:r>
+            <a:r>
+              <a:rPr lang="zh-TW" altLang="en-US" sz="1800" dirty="0"/>
+              <a:t>的方法一起講。</a:t>
+            </a:r>
+          </a:p>
+          <a:p>
+            <a:endParaRPr lang="zh-TW" altLang="en-US" sz="1800" dirty="0"/>
+          </a:p>
+        </p:txBody>
+      </p:sp>
+      <p:pic>
+        <p:nvPicPr>
+          <p:cNvPr id="6146" name="Picture 2"/>
+          <p:cNvPicPr>
+            <a:picLocks noChangeAspect="1" noChangeArrowheads="1"/>
+          </p:cNvPicPr>
+          <p:nvPr/>
+        </p:nvPicPr>
+        <p:blipFill>
+          <a:blip r:embed="rId2">
+            <a:extLst>
+              <a:ext uri="{28A0092B-C50C-407E-A947-70E740481C1C}">
+                <a14:useLocalDpi xmlns:a14="http://schemas.microsoft.com/office/drawing/2010/main" val="0"/>
+              </a:ext>
+            </a:extLst>
+          </a:blip>
+          <a:srcRect/>
+          <a:stretch>
+            <a:fillRect/>
+          </a:stretch>
+        </p:blipFill>
+        <p:spPr bwMode="auto">
+          <a:xfrm>
+            <a:off x="4807440" y="188640"/>
+            <a:ext cx="4029075" cy="2009775"/>
+          </a:xfrm>
+          <a:prstGeom prst="rect">
+            <a:avLst/>
+          </a:prstGeom>
+          <a:noFill/>
+          <a:ln>
+            <a:noFill/>
+          </a:ln>
+          <a:extLst>
+            <a:ext uri="{909E8E84-426E-40DD-AFC4-6F175D3DCCD1}">
+              <a14:hiddenFill xmlns:a14="http://schemas.microsoft.com/office/drawing/2010/main">
+                <a:solidFill>
+                  <a:schemeClr val="accent1"/>
+                </a:solidFill>
+              </a14:hiddenFill>
+            </a:ext>
+            <a:ext uri="{91240B29-F687-4F45-9708-019B960494DF}">
+              <a14:hiddenLine xmlns:a14="http://schemas.microsoft.com/office/drawing/2010/main" w="9525">
+                <a:solidFill>
+                  <a:schemeClr val="tx1"/>
+                </a:solidFill>
+                <a:miter lim="800000"/>
+                <a:headEnd/>
+                <a:tailEnd/>
+              </a14:hiddenLine>
+            </a:ext>
+          </a:extLst>
+        </p:spPr>
+      </p:pic>
+      <p:pic>
+        <p:nvPicPr>
+          <p:cNvPr id="6147" name="Picture 3"/>
+          <p:cNvPicPr>
+            <a:picLocks noChangeAspect="1" noChangeArrowheads="1"/>
+          </p:cNvPicPr>
+          <p:nvPr/>
+        </p:nvPicPr>
+        <p:blipFill>
+          <a:blip r:embed="rId3">
+            <a:extLst>
+              <a:ext uri="{28A0092B-C50C-407E-A947-70E740481C1C}">
+                <a14:useLocalDpi xmlns:a14="http://schemas.microsoft.com/office/drawing/2010/main" val="0"/>
+              </a:ext>
+            </a:extLst>
+          </a:blip>
+          <a:srcRect/>
+          <a:stretch>
+            <a:fillRect/>
+          </a:stretch>
+        </p:blipFill>
+        <p:spPr bwMode="auto">
+          <a:xfrm>
+            <a:off x="681654" y="2348880"/>
+            <a:ext cx="8157176" cy="3096344"/>
+          </a:xfrm>
+          <a:prstGeom prst="rect">
+            <a:avLst/>
+          </a:prstGeom>
+          <a:noFill/>
+          <a:ln>
+            <a:noFill/>
+          </a:ln>
+          <a:extLst>
+            <a:ext uri="{909E8E84-426E-40DD-AFC4-6F175D3DCCD1}">
+              <a14:hiddenFill xmlns:a14="http://schemas.microsoft.com/office/drawing/2010/main">
+                <a:solidFill>
+                  <a:schemeClr val="accent1"/>
+                </a:solidFill>
+              </a14:hiddenFill>
+            </a:ext>
+            <a:ext uri="{91240B29-F687-4F45-9708-019B960494DF}">
+              <a14:hiddenLine xmlns:a14="http://schemas.microsoft.com/office/drawing/2010/main" w="9525">
+                <a:solidFill>
+                  <a:schemeClr val="tx1"/>
+                </a:solidFill>
+                <a:miter lim="800000"/>
+                <a:headEnd/>
+                <a:tailEnd/>
+              </a14:hiddenLine>
+            </a:ext>
+          </a:extLst>
+        </p:spPr>
+      </p:pic>
+      <p:sp>
+        <p:nvSpPr>
+          <p:cNvPr id="4" name="文字方塊 3"/>
+          <p:cNvSpPr txBox="1"/>
+          <p:nvPr/>
+        </p:nvSpPr>
+        <p:spPr>
+          <a:xfrm>
+            <a:off x="681654" y="5551578"/>
+            <a:ext cx="8154861" cy="646331"/>
+          </a:xfrm>
+          <a:prstGeom prst="rect">
+            <a:avLst/>
+          </a:prstGeom>
+          <a:noFill/>
+        </p:spPr>
+        <p:txBody>
+          <a:bodyPr wrap="none" rtlCol="0">
+            <a:spAutoFit/>
+          </a:bodyPr>
+          <a:lstStyle/>
+          <a:p>
+            <a:r>
+              <a:rPr lang="en-US" altLang="zh-TW" dirty="0" err="1" smtClean="0"/>
+              <a:t>Styles.Render</a:t>
+            </a:r>
+            <a:r>
+              <a:rPr lang="en-US" altLang="zh-TW" dirty="0" smtClean="0"/>
+              <a:t> &amp; </a:t>
+            </a:r>
+            <a:r>
+              <a:rPr lang="en-US" altLang="zh-TW" dirty="0" err="1" smtClean="0"/>
+              <a:t>Scripts.Render</a:t>
+            </a:r>
+            <a:r>
+              <a:rPr lang="en-US" altLang="zh-TW" dirty="0" smtClean="0"/>
+              <a:t> </a:t>
+            </a:r>
+            <a:r>
+              <a:rPr lang="zh-TW" altLang="en-US" dirty="0" smtClean="0"/>
+              <a:t>為</a:t>
+            </a:r>
+            <a:r>
+              <a:rPr lang="en-US" altLang="zh-TW" dirty="0" smtClean="0"/>
+              <a:t>MVC</a:t>
+            </a:r>
+            <a:r>
+              <a:rPr lang="zh-TW" altLang="en-US" dirty="0" smtClean="0"/>
+              <a:t>中自動將一系列的</a:t>
+            </a:r>
+            <a:r>
+              <a:rPr lang="en-US" altLang="zh-TW" dirty="0" err="1" smtClean="0"/>
+              <a:t>css</a:t>
+            </a:r>
+            <a:r>
+              <a:rPr lang="zh-TW" altLang="en-US" dirty="0" smtClean="0"/>
+              <a:t>和</a:t>
+            </a:r>
+            <a:r>
+              <a:rPr lang="en-US" altLang="zh-TW" dirty="0" err="1" smtClean="0"/>
+              <a:t>js</a:t>
+            </a:r>
+            <a:r>
+              <a:rPr lang="zh-TW" altLang="en-US" dirty="0" smtClean="0"/>
+              <a:t>一次</a:t>
+            </a:r>
+            <a:r>
+              <a:rPr lang="en-US" altLang="zh-TW" dirty="0" smtClean="0"/>
+              <a:t>include</a:t>
+            </a:r>
+            <a:r>
+              <a:rPr lang="zh-TW" altLang="en-US" dirty="0" smtClean="0"/>
+              <a:t>的語法</a:t>
+            </a:r>
+            <a:endParaRPr lang="en-US" altLang="zh-TW" dirty="0" smtClean="0"/>
+          </a:p>
+          <a:p>
+            <a:r>
+              <a:rPr lang="zh-TW" altLang="en-US" dirty="0"/>
+              <a:t>可</a:t>
+            </a:r>
+            <a:r>
+              <a:rPr lang="zh-TW" altLang="en-US" dirty="0" smtClean="0"/>
+              <a:t>參考</a:t>
+            </a:r>
+            <a:r>
+              <a:rPr lang="en-US" altLang="zh-TW" dirty="0"/>
+              <a:t>:https://</a:t>
+            </a:r>
+            <a:r>
+              <a:rPr lang="en-US" altLang="zh-TW" dirty="0" smtClean="0"/>
+              <a:t>dotblogs.com.tw/</a:t>
+            </a:r>
+            <a:r>
+              <a:rPr lang="en-US" altLang="zh-TW" dirty="0" err="1" smtClean="0"/>
+              <a:t>kevinya</a:t>
+            </a:r>
+            <a:r>
+              <a:rPr lang="en-US" altLang="zh-TW" dirty="0" smtClean="0"/>
+              <a:t>/2015/10/30/153741</a:t>
+            </a:r>
+          </a:p>
+        </p:txBody>
+      </p:sp>
+    </p:spTree>
+    <p:extLst>
+      <p:ext uri="{BB962C8B-B14F-4D97-AF65-F5344CB8AC3E}">
+        <p14:creationId xmlns:p14="http://schemas.microsoft.com/office/powerpoint/2010/main" val="2629435899"/>
+      </p:ext>
+    </p:extLst>
+  </p:cSld>
+  <p:clrMapOvr>
+    <a:masterClrMapping/>
+  </p:clrMapOvr>
+  <p:timing>
+    <p:tnLst>
+      <p:par>
+        <p:cTn id="1" dur="indefinite" restart="never" nodeType="tmRoot"/>
+      </p:par>
+    </p:tnLst>
+  </p:timing>
+</p:sld>
+</file>
+
+<file path=ppt/slides/slide34.xml><?xml version="1.0" encoding="utf-8"?>
+<p:sld xmlns:a="http://schemas.openxmlformats.org/drawingml/2006/main" xmlns:r="http://schemas.openxmlformats.org/officeDocument/2006/relationships" xmlns:p="http://schemas.openxmlformats.org/presentationml/2006/main">
+  <p:cSld>
+    <p:spTree>
+      <p:nvGrpSpPr>
+        <p:cNvPr id="1" name=""/>
+        <p:cNvGrpSpPr/>
+        <p:nvPr/>
+      </p:nvGrpSpPr>
+      <p:grpSpPr>
+        <a:xfrm>
+          <a:off x="0" y="0"/>
+          <a:ext cx="0" cy="0"/>
+          <a:chOff x="0" y="0"/>
+          <a:chExt cx="0" cy="0"/>
+        </a:xfrm>
+      </p:grpSpPr>
+      <p:sp>
+        <p:nvSpPr>
+          <p:cNvPr id="2" name="標題 1"/>
+          <p:cNvSpPr>
+            <a:spLocks noGrp="1"/>
+          </p:cNvSpPr>
+          <p:nvPr>
+            <p:ph type="title"/>
+          </p:nvPr>
+        </p:nvSpPr>
+        <p:spPr/>
+        <p:txBody>
+          <a:bodyPr/>
+          <a:lstStyle/>
+          <a:p>
+            <a:endParaRPr lang="zh-TW" altLang="en-US"/>
+          </a:p>
+        </p:txBody>
+      </p:sp>
+      <p:sp>
+        <p:nvSpPr>
+          <p:cNvPr id="5" name="矩形 4"/>
+          <p:cNvSpPr/>
+          <p:nvPr/>
+        </p:nvSpPr>
+        <p:spPr>
+          <a:xfrm>
+            <a:off x="467544" y="1556792"/>
+            <a:ext cx="1107996" cy="369332"/>
+          </a:xfrm>
+          <a:prstGeom prst="rect">
+            <a:avLst/>
+          </a:prstGeom>
+        </p:spPr>
+        <p:txBody>
+          <a:bodyPr wrap="none">
+            <a:spAutoFit/>
+          </a:bodyPr>
+          <a:lstStyle/>
+          <a:p>
+            <a:r>
+              <a:rPr lang="zh-TW" altLang="en-US" dirty="0"/>
+              <a:t>畫面呈現</a:t>
+            </a:r>
+            <a:endParaRPr lang="zh-TW" altLang="en-US" dirty="0"/>
+          </a:p>
+        </p:txBody>
+      </p:sp>
+      <p:pic>
+        <p:nvPicPr>
+          <p:cNvPr id="7170" name="Picture 2" descr="https://ithelp.ithome.com.tw/upload/images/20171217/20105694C3NVpaeHlP.jpg"/>
+          <p:cNvPicPr>
+            <a:picLocks noChangeAspect="1" noChangeArrowheads="1"/>
+          </p:cNvPicPr>
+          <p:nvPr/>
+        </p:nvPicPr>
+        <p:blipFill>
+          <a:blip r:embed="rId2">
+            <a:extLst>
+              <a:ext uri="{28A0092B-C50C-407E-A947-70E740481C1C}">
+                <a14:useLocalDpi xmlns:a14="http://schemas.microsoft.com/office/drawing/2010/main" val="0"/>
+              </a:ext>
+            </a:extLst>
+          </a:blip>
+          <a:srcRect/>
+          <a:stretch>
+            <a:fillRect/>
+          </a:stretch>
+        </p:blipFill>
+        <p:spPr bwMode="auto">
+          <a:xfrm>
+            <a:off x="461864" y="2060848"/>
+            <a:ext cx="3000375" cy="2867025"/>
+          </a:xfrm>
+          <a:prstGeom prst="rect">
+            <a:avLst/>
+          </a:prstGeom>
+          <a:noFill/>
+          <a:extLst>
+            <a:ext uri="{909E8E84-426E-40DD-AFC4-6F175D3DCCD1}">
+              <a14:hiddenFill xmlns:a14="http://schemas.microsoft.com/office/drawing/2010/main">
+                <a:solidFill>
+                  <a:srgbClr val="FFFFFF"/>
+                </a:solidFill>
+              </a14:hiddenFill>
+            </a:ext>
+          </a:extLst>
+        </p:spPr>
+      </p:pic>
+      <p:sp>
+        <p:nvSpPr>
+          <p:cNvPr id="6" name="矩形 5"/>
+          <p:cNvSpPr/>
+          <p:nvPr/>
+        </p:nvSpPr>
+        <p:spPr>
+          <a:xfrm>
+            <a:off x="3563888" y="1556792"/>
+            <a:ext cx="2640466" cy="369332"/>
+          </a:xfrm>
+          <a:prstGeom prst="rect">
+            <a:avLst/>
+          </a:prstGeom>
+        </p:spPr>
+        <p:txBody>
+          <a:bodyPr wrap="none">
+            <a:spAutoFit/>
+          </a:bodyPr>
+          <a:lstStyle/>
+          <a:p>
+            <a:r>
+              <a:rPr lang="zh-TW" altLang="en-US" dirty="0"/>
+              <a:t>後端的地方幫</a:t>
+            </a:r>
+            <a:r>
+              <a:rPr lang="en-US" altLang="zh-TW" dirty="0"/>
+              <a:t>Model</a:t>
+            </a:r>
+            <a:r>
+              <a:rPr lang="zh-TW" altLang="en-US" dirty="0" smtClean="0"/>
+              <a:t>帶入</a:t>
+            </a:r>
+            <a:endParaRPr lang="zh-TW" altLang="en-US" dirty="0"/>
+          </a:p>
+        </p:txBody>
+      </p:sp>
+      <p:pic>
+        <p:nvPicPr>
+          <p:cNvPr id="7171" name="Picture 3"/>
+          <p:cNvPicPr>
+            <a:picLocks noChangeAspect="1" noChangeArrowheads="1"/>
+          </p:cNvPicPr>
+          <p:nvPr/>
+        </p:nvPicPr>
+        <p:blipFill>
+          <a:blip r:embed="rId3">
+            <a:extLst>
+              <a:ext uri="{28A0092B-C50C-407E-A947-70E740481C1C}">
+                <a14:useLocalDpi xmlns:a14="http://schemas.microsoft.com/office/drawing/2010/main" val="0"/>
+              </a:ext>
+            </a:extLst>
+          </a:blip>
+          <a:srcRect/>
+          <a:stretch>
+            <a:fillRect/>
+          </a:stretch>
+        </p:blipFill>
+        <p:spPr bwMode="auto">
+          <a:xfrm>
+            <a:off x="6204354" y="1554649"/>
+            <a:ext cx="1724025" cy="371475"/>
+          </a:xfrm>
+          <a:prstGeom prst="rect">
+            <a:avLst/>
+          </a:prstGeom>
+          <a:noFill/>
+          <a:ln>
+            <a:noFill/>
+          </a:ln>
+          <a:extLst>
+            <a:ext uri="{909E8E84-426E-40DD-AFC4-6F175D3DCCD1}">
+              <a14:hiddenFill xmlns:a14="http://schemas.microsoft.com/office/drawing/2010/main">
+                <a:solidFill>
+                  <a:schemeClr val="accent1"/>
+                </a:solidFill>
+              </a14:hiddenFill>
+            </a:ext>
+            <a:ext uri="{91240B29-F687-4F45-9708-019B960494DF}">
+              <a14:hiddenLine xmlns:a14="http://schemas.microsoft.com/office/drawing/2010/main" w="9525">
+                <a:solidFill>
+                  <a:schemeClr val="tx1"/>
+                </a:solidFill>
+                <a:miter lim="800000"/>
+                <a:headEnd/>
+                <a:tailEnd/>
+              </a14:hiddenLine>
+            </a:ext>
+          </a:extLst>
+        </p:spPr>
+      </p:pic>
+      <p:pic>
+        <p:nvPicPr>
+          <p:cNvPr id="7172" name="Picture 4"/>
+          <p:cNvPicPr>
+            <a:picLocks noChangeAspect="1" noChangeArrowheads="1"/>
+          </p:cNvPicPr>
+          <p:nvPr/>
+        </p:nvPicPr>
+        <p:blipFill>
+          <a:blip r:embed="rId4">
+            <a:extLst>
+              <a:ext uri="{28A0092B-C50C-407E-A947-70E740481C1C}">
+                <a14:useLocalDpi xmlns:a14="http://schemas.microsoft.com/office/drawing/2010/main" val="0"/>
+              </a:ext>
+            </a:extLst>
+          </a:blip>
+          <a:srcRect/>
+          <a:stretch>
+            <a:fillRect/>
+          </a:stretch>
+        </p:blipFill>
+        <p:spPr bwMode="auto">
+          <a:xfrm>
+            <a:off x="4901367" y="2531926"/>
+            <a:ext cx="2762250" cy="247650"/>
+          </a:xfrm>
+          <a:prstGeom prst="rect">
+            <a:avLst/>
+          </a:prstGeom>
+          <a:noFill/>
+          <a:ln>
+            <a:noFill/>
+          </a:ln>
+          <a:extLst>
+            <a:ext uri="{909E8E84-426E-40DD-AFC4-6F175D3DCCD1}">
+              <a14:hiddenFill xmlns:a14="http://schemas.microsoft.com/office/drawing/2010/main">
+                <a:solidFill>
+                  <a:schemeClr val="accent1"/>
+                </a:solidFill>
+              </a14:hiddenFill>
+            </a:ext>
+            <a:ext uri="{91240B29-F687-4F45-9708-019B960494DF}">
+              <a14:hiddenLine xmlns:a14="http://schemas.microsoft.com/office/drawing/2010/main" w="9525">
+                <a:solidFill>
+                  <a:schemeClr val="tx1"/>
+                </a:solidFill>
+                <a:miter lim="800000"/>
+                <a:headEnd/>
+                <a:tailEnd/>
+              </a14:hiddenLine>
+            </a:ext>
+          </a:extLst>
+        </p:spPr>
+      </p:pic>
+      <p:sp>
+        <p:nvSpPr>
+          <p:cNvPr id="7" name="矩形 6"/>
+          <p:cNvSpPr/>
+          <p:nvPr/>
+        </p:nvSpPr>
+        <p:spPr>
+          <a:xfrm>
+            <a:off x="3591320" y="2060848"/>
+            <a:ext cx="5382344" cy="369332"/>
+          </a:xfrm>
+          <a:prstGeom prst="rect">
+            <a:avLst/>
+          </a:prstGeom>
+        </p:spPr>
+        <p:txBody>
+          <a:bodyPr wrap="square">
+            <a:spAutoFit/>
+          </a:bodyPr>
+          <a:lstStyle/>
+          <a:p>
+            <a:r>
+              <a:rPr lang="zh-TW" altLang="en-US" dirty="0"/>
+              <a:t>前端的地方接收</a:t>
+            </a:r>
+            <a:r>
+              <a:rPr lang="en-US" altLang="zh-TW" dirty="0"/>
+              <a:t>Model</a:t>
+            </a:r>
+            <a:r>
+              <a:rPr lang="zh-TW" altLang="en-US" dirty="0"/>
+              <a:t>，這邊要將專案路徑都列出來</a:t>
+            </a:r>
+            <a:endParaRPr lang="zh-TW" altLang="en-US" dirty="0"/>
+          </a:p>
+        </p:txBody>
+      </p:sp>
+      <p:sp>
+        <p:nvSpPr>
+          <p:cNvPr id="8" name="矩形 7"/>
+          <p:cNvSpPr/>
+          <p:nvPr/>
+        </p:nvSpPr>
+        <p:spPr>
+          <a:xfrm>
+            <a:off x="3610172" y="3140968"/>
+            <a:ext cx="4572000" cy="2031325"/>
+          </a:xfrm>
+          <a:prstGeom prst="rect">
+            <a:avLst/>
+          </a:prstGeom>
+        </p:spPr>
+        <p:txBody>
+          <a:bodyPr>
+            <a:spAutoFit/>
+          </a:bodyPr>
+          <a:lstStyle/>
+          <a:p>
+            <a:r>
+              <a:rPr lang="zh-TW" altLang="en-US" dirty="0"/>
+              <a:t>這裡有用到</a:t>
+            </a:r>
+            <a:r>
+              <a:rPr lang="en-US" altLang="zh-TW" dirty="0" err="1"/>
+              <a:t>BootStrap</a:t>
+            </a:r>
+            <a:r>
+              <a:rPr lang="zh-TW" altLang="en-US" dirty="0"/>
+              <a:t>的框架，在</a:t>
+            </a:r>
+            <a:r>
+              <a:rPr lang="en-US" altLang="zh-TW" dirty="0" err="1"/>
+              <a:t>cshtml</a:t>
+            </a:r>
+            <a:r>
+              <a:rPr lang="zh-TW" altLang="en-US" dirty="0"/>
+              <a:t>檔案中的</a:t>
+            </a:r>
+            <a:r>
+              <a:rPr lang="en-US" altLang="zh-TW" dirty="0" err="1"/>
+              <a:t>Styles.Render</a:t>
+            </a:r>
+            <a:r>
+              <a:rPr lang="zh-TW" altLang="en-US" dirty="0"/>
+              <a:t>跟</a:t>
+            </a:r>
+            <a:r>
+              <a:rPr lang="en-US" altLang="zh-TW" dirty="0" err="1"/>
+              <a:t>Scripts.Render</a:t>
+            </a:r>
+            <a:r>
+              <a:rPr lang="zh-TW" altLang="en-US" dirty="0"/>
+              <a:t>是</a:t>
+            </a:r>
+            <a:r>
+              <a:rPr lang="en-US" altLang="zh-TW" dirty="0"/>
+              <a:t>ASP.NET MVC</a:t>
+            </a:r>
+            <a:r>
+              <a:rPr lang="zh-TW" altLang="en-US" dirty="0"/>
+              <a:t>用來載入</a:t>
+            </a:r>
+            <a:r>
+              <a:rPr lang="en-US" altLang="zh-TW" dirty="0"/>
+              <a:t>CSS</a:t>
+            </a:r>
+            <a:r>
+              <a:rPr lang="zh-TW" altLang="en-US" dirty="0"/>
+              <a:t>檔案跟</a:t>
+            </a:r>
+            <a:r>
+              <a:rPr lang="en-US" altLang="zh-TW" dirty="0"/>
+              <a:t>JavaScript</a:t>
+            </a:r>
+            <a:r>
+              <a:rPr lang="zh-TW" altLang="en-US" dirty="0"/>
+              <a:t>的方式，不過我很少在用，一方面全部載入會讓網頁速度變慢，只載入需要的就好了，另外一方面這種方式也無法自動更新，感覺實用性不大。</a:t>
+            </a:r>
+          </a:p>
+        </p:txBody>
+      </p:sp>
+    </p:spTree>
+    <p:extLst>
+      <p:ext uri="{BB962C8B-B14F-4D97-AF65-F5344CB8AC3E}">
+        <p14:creationId xmlns:p14="http://schemas.microsoft.com/office/powerpoint/2010/main" val="3014537986"/>
+      </p:ext>
+    </p:extLst>
+  </p:cSld>
+  <p:clrMapOvr>
+    <a:masterClrMapping/>
+  </p:clrMapOvr>
+  <p:timing>
+    <p:tnLst>
+      <p:par>
+        <p:cTn id="1" dur="indefinite" restart="never" nodeType="tmRoot"/>
+      </p:par>
+    </p:tnLst>
+  </p:timing>
+</p:sld>
+</file>
+
+<file path=ppt/slides/slide35.xml><?xml version="1.0" encoding="utf-8"?>
+<p:sld xmlns:a="http://schemas.openxmlformats.org/drawingml/2006/main" xmlns:r="http://schemas.openxmlformats.org/officeDocument/2006/relationships" xmlns:p="http://schemas.openxmlformats.org/presentationml/2006/main">
+  <p:cSld>
+    <p:spTree>
+      <p:nvGrpSpPr>
+        <p:cNvPr id="1" name=""/>
+        <p:cNvGrpSpPr/>
+        <p:nvPr/>
+      </p:nvGrpSpPr>
+      <p:grpSpPr>
+        <a:xfrm>
+          <a:off x="0" y="0"/>
+          <a:ext cx="0" cy="0"/>
+          <a:chOff x="0" y="0"/>
+          <a:chExt cx="0" cy="0"/>
+        </a:xfrm>
+      </p:grpSpPr>
+      <p:sp>
+        <p:nvSpPr>
+          <p:cNvPr id="4" name="標題 3"/>
+          <p:cNvSpPr>
+            <a:spLocks noGrp="1"/>
+          </p:cNvSpPr>
+          <p:nvPr>
+            <p:ph type="title"/>
+          </p:nvPr>
+        </p:nvSpPr>
+        <p:spPr/>
+        <p:txBody>
+          <a:bodyPr/>
+          <a:lstStyle/>
+          <a:p>
+            <a:r>
+              <a:rPr lang="en-US" altLang="zh-TW" dirty="0"/>
+              <a:t>[Day 09] </a:t>
+            </a:r>
+            <a:r>
+              <a:rPr lang="zh-TW" altLang="en-US" dirty="0"/>
+              <a:t>表單中的 </a:t>
+            </a:r>
+            <a:r>
+              <a:rPr lang="en-US" altLang="zh-TW" dirty="0"/>
+              <a:t>GET </a:t>
+            </a:r>
+            <a:r>
+              <a:rPr lang="zh-TW" altLang="en-US" dirty="0"/>
+              <a:t>與 </a:t>
+            </a:r>
+            <a:r>
+              <a:rPr lang="en-US" altLang="zh-TW" dirty="0" smtClean="0"/>
+              <a:t>POST</a:t>
+            </a:r>
+            <a:endParaRPr lang="zh-TW" altLang="en-US" dirty="0"/>
+          </a:p>
+        </p:txBody>
+      </p:sp>
+      <p:sp>
+        <p:nvSpPr>
+          <p:cNvPr id="5" name="文字版面配置區 4"/>
+          <p:cNvSpPr>
+            <a:spLocks noGrp="1"/>
+          </p:cNvSpPr>
+          <p:nvPr>
+            <p:ph type="body" idx="1"/>
+          </p:nvPr>
+        </p:nvSpPr>
+        <p:spPr/>
+        <p:txBody>
+          <a:bodyPr/>
+          <a:lstStyle/>
+          <a:p>
+            <a:r>
+              <a:rPr lang="en-US" altLang="zh-TW" dirty="0"/>
+              <a:t>https://ithelp.ithome.com.tw/articles/10192095</a:t>
+            </a:r>
+            <a:endParaRPr lang="zh-TW" altLang="en-US" dirty="0"/>
+          </a:p>
+        </p:txBody>
+      </p:sp>
+    </p:spTree>
+    <p:extLst>
+      <p:ext uri="{BB962C8B-B14F-4D97-AF65-F5344CB8AC3E}">
+        <p14:creationId xmlns:p14="http://schemas.microsoft.com/office/powerpoint/2010/main" val="35121406"/>
+      </p:ext>
+    </p:extLst>
+  </p:cSld>
+  <p:clrMapOvr>
+    <a:masterClrMapping/>
+  </p:clrMapOvr>
+  <p:timing>
+    <p:tnLst>
+      <p:par>
+        <p:cTn id="1" dur="indefinite" restart="never" nodeType="tmRoot"/>
+      </p:par>
+    </p:tnLst>
+  </p:timing>
+</p:sld>
+</file>
+
+<file path=ppt/slides/slide36.xml><?xml version="1.0" encoding="utf-8"?>
+<p:sld xmlns:a="http://schemas.openxmlformats.org/drawingml/2006/main" xmlns:r="http://schemas.openxmlformats.org/officeDocument/2006/relationships" xmlns:p="http://schemas.openxmlformats.org/presentationml/2006/main">
+  <p:cSld>
+    <p:spTree>
+      <p:nvGrpSpPr>
+        <p:cNvPr id="1" name=""/>
+        <p:cNvGrpSpPr/>
+        <p:nvPr/>
+      </p:nvGrpSpPr>
+      <p:grpSpPr>
+        <a:xfrm>
+          <a:off x="0" y="0"/>
+          <a:ext cx="0" cy="0"/>
+          <a:chOff x="0" y="0"/>
+          <a:chExt cx="0" cy="0"/>
+        </a:xfrm>
+      </p:grpSpPr>
+      <p:sp>
+        <p:nvSpPr>
+          <p:cNvPr id="2" name="標題 1"/>
+          <p:cNvSpPr>
+            <a:spLocks noGrp="1"/>
+          </p:cNvSpPr>
+          <p:nvPr>
+            <p:ph type="title"/>
+          </p:nvPr>
+        </p:nvSpPr>
+        <p:spPr/>
+        <p:txBody>
+          <a:bodyPr/>
+          <a:lstStyle/>
+          <a:p>
+            <a:r>
+              <a:rPr lang="zh-TW" altLang="en-US" dirty="0" smtClean="0"/>
+              <a:t>前言</a:t>
+            </a:r>
+            <a:endParaRPr lang="zh-TW" altLang="en-US" dirty="0"/>
+          </a:p>
+        </p:txBody>
+      </p:sp>
+      <p:sp>
+        <p:nvSpPr>
+          <p:cNvPr id="3" name="內容版面配置區 2"/>
+          <p:cNvSpPr>
+            <a:spLocks noGrp="1"/>
+          </p:cNvSpPr>
+          <p:nvPr>
+            <p:ph idx="1"/>
+          </p:nvPr>
+        </p:nvSpPr>
+        <p:spPr/>
+        <p:txBody>
+          <a:bodyPr>
+            <a:normAutofit lnSpcReduction="10000"/>
+          </a:bodyPr>
+          <a:lstStyle/>
+          <a:p>
+            <a:r>
+              <a:rPr lang="en-US" altLang="zh-TW" sz="1800" dirty="0"/>
+              <a:t>GET </a:t>
+            </a:r>
+            <a:r>
+              <a:rPr lang="zh-TW" altLang="en-US" sz="1800" dirty="0"/>
+              <a:t>與 </a:t>
+            </a:r>
+            <a:r>
+              <a:rPr lang="en-US" altLang="zh-TW" sz="1800" dirty="0"/>
+              <a:t>POST </a:t>
+            </a:r>
+            <a:r>
+              <a:rPr lang="zh-TW" altLang="en-US" sz="1800" dirty="0"/>
+              <a:t>有寫過網頁表單的人一定不陌生，但你了解什麼是 </a:t>
+            </a:r>
+            <a:r>
+              <a:rPr lang="en-US" altLang="zh-TW" sz="1800" dirty="0"/>
+              <a:t>GET </a:t>
+            </a:r>
+            <a:r>
+              <a:rPr lang="zh-TW" altLang="en-US" sz="1800" dirty="0"/>
+              <a:t>與 </a:t>
+            </a:r>
+            <a:r>
+              <a:rPr lang="en-US" altLang="zh-TW" sz="1800" dirty="0"/>
+              <a:t>POST </a:t>
+            </a:r>
+            <a:r>
+              <a:rPr lang="zh-TW" altLang="en-US" sz="1800" dirty="0"/>
+              <a:t>嗎</a:t>
+            </a:r>
+            <a:r>
+              <a:rPr lang="en-US" altLang="zh-TW" sz="1800" dirty="0"/>
+              <a:t>!? </a:t>
+            </a:r>
+            <a:r>
+              <a:rPr lang="zh-TW" altLang="en-US" sz="1800" dirty="0"/>
+              <a:t>現今的網頁設計工具相當的發達，甚至不需要接觸 </a:t>
+            </a:r>
+            <a:r>
+              <a:rPr lang="en-US" altLang="zh-TW" sz="1800" dirty="0"/>
+              <a:t>HTML </a:t>
+            </a:r>
+            <a:r>
+              <a:rPr lang="zh-TW" altLang="en-US" sz="1800" dirty="0"/>
+              <a:t>語法就能完成一個規模不小的網站，漸漸地很多人都忘記了 </a:t>
+            </a:r>
+            <a:r>
+              <a:rPr lang="en-US" altLang="zh-TW" sz="1800" dirty="0"/>
+              <a:t>HTTP </a:t>
+            </a:r>
+            <a:r>
+              <a:rPr lang="zh-TW" altLang="en-US" sz="1800" dirty="0"/>
+              <a:t>底層的實作原理，造成在發生錯誤的情況下無法正確進行偵錯</a:t>
+            </a:r>
+            <a:r>
+              <a:rPr lang="zh-TW" altLang="en-US" sz="1800" dirty="0" smtClean="0"/>
+              <a:t>。</a:t>
+            </a:r>
+            <a:endParaRPr lang="en-US" altLang="zh-TW" sz="1800" dirty="0" smtClean="0"/>
+          </a:p>
+          <a:p>
+            <a:pPr marL="0" indent="0">
+              <a:buNone/>
+            </a:pPr>
+            <a:endParaRPr lang="en-US" altLang="zh-TW" sz="1800" dirty="0" smtClean="0"/>
+          </a:p>
+          <a:p>
+            <a:r>
+              <a:rPr lang="zh-TW" altLang="en-US" sz="1800" dirty="0"/>
+              <a:t>早期在撰寫 </a:t>
+            </a:r>
+            <a:r>
+              <a:rPr lang="en-US" altLang="zh-TW" sz="1800" dirty="0"/>
+              <a:t>HTML </a:t>
+            </a:r>
+            <a:r>
+              <a:rPr lang="zh-TW" altLang="en-US" sz="1800" dirty="0"/>
+              <a:t>表單語法時，都會寫到以下的寫法，然而大部分的程式設計師都會採用 </a:t>
+            </a:r>
+            <a:r>
+              <a:rPr lang="en-US" altLang="zh-TW" sz="1800" dirty="0"/>
+              <a:t>POST </a:t>
+            </a:r>
+            <a:r>
+              <a:rPr lang="zh-TW" altLang="en-US" sz="1800" dirty="0"/>
+              <a:t>進行表單傳送</a:t>
+            </a:r>
+            <a:r>
+              <a:rPr lang="zh-TW" altLang="en-US" sz="1800" dirty="0" smtClean="0"/>
+              <a:t>。</a:t>
+            </a:r>
+            <a:endParaRPr lang="en-US" altLang="zh-TW" sz="1800" dirty="0" smtClean="0"/>
+          </a:p>
+          <a:p>
+            <a:endParaRPr lang="en-US" altLang="zh-TW" sz="1800" dirty="0"/>
+          </a:p>
+          <a:p>
+            <a:r>
+              <a:rPr lang="zh-TW" altLang="en-US" sz="1800" dirty="0"/>
+              <a:t>然而在我們的網頁程式中要獲取表單的變數只需要呼叫系統已經封裝好的方法即可，像是 </a:t>
+            </a:r>
+            <a:r>
+              <a:rPr lang="en-US" altLang="zh-TW" sz="1800" dirty="0"/>
+              <a:t>PHP </a:t>
+            </a:r>
+            <a:r>
+              <a:rPr lang="zh-TW" altLang="en-US" sz="1800" dirty="0"/>
+              <a:t>使用 </a:t>
+            </a:r>
+            <a:r>
+              <a:rPr lang="en-US" altLang="zh-TW" sz="1800" dirty="0"/>
+              <a:t>$_REQUEST</a:t>
+            </a:r>
+            <a:r>
+              <a:rPr lang="zh-TW" altLang="en-US" sz="1800" dirty="0"/>
+              <a:t>、</a:t>
+            </a:r>
+            <a:r>
+              <a:rPr lang="en-US" altLang="zh-TW" sz="1800" dirty="0"/>
+              <a:t>JAVA </a:t>
+            </a:r>
+            <a:r>
+              <a:rPr lang="zh-TW" altLang="en-US" sz="1800" dirty="0"/>
+              <a:t>使用 </a:t>
+            </a:r>
+            <a:r>
+              <a:rPr lang="en-US" altLang="zh-TW" sz="1800" dirty="0" err="1"/>
+              <a:t>getParameter</a:t>
+            </a:r>
+            <a:r>
+              <a:rPr lang="en-US" altLang="zh-TW" sz="1800" dirty="0"/>
+              <a:t>()</a:t>
+            </a:r>
+            <a:r>
+              <a:rPr lang="zh-TW" altLang="en-US" sz="1800" dirty="0"/>
+              <a:t>、</a:t>
+            </a:r>
+            <a:r>
+              <a:rPr lang="en-US" altLang="zh-TW" sz="1800" dirty="0"/>
+              <a:t>ASP </a:t>
+            </a:r>
+            <a:r>
+              <a:rPr lang="zh-TW" altLang="en-US" sz="1800" dirty="0"/>
+              <a:t>使用 </a:t>
+            </a:r>
+            <a:r>
+              <a:rPr lang="en-US" altLang="zh-TW" sz="1800" dirty="0" err="1"/>
+              <a:t>Request.Form</a:t>
+            </a:r>
+            <a:r>
+              <a:rPr lang="en-US" altLang="zh-TW" sz="1800" dirty="0"/>
+              <a:t>() </a:t>
+            </a:r>
+            <a:r>
+              <a:rPr lang="zh-TW" altLang="en-US" sz="1800" dirty="0"/>
+              <a:t>這些方法等等</a:t>
+            </a:r>
+            <a:r>
+              <a:rPr lang="zh-TW" altLang="en-US" sz="1800" dirty="0" smtClean="0"/>
+              <a:t>。</a:t>
+            </a:r>
+            <a:endParaRPr lang="en-US" altLang="zh-TW" sz="1800" dirty="0" smtClean="0"/>
+          </a:p>
+          <a:p>
+            <a:endParaRPr lang="zh-TW" altLang="en-US" sz="1800" dirty="0"/>
+          </a:p>
+          <a:p>
+            <a:r>
+              <a:rPr lang="zh-TW" altLang="en-US" sz="1800" dirty="0"/>
+              <a:t>由上述的方法看來，似乎用 </a:t>
+            </a:r>
+            <a:r>
+              <a:rPr lang="en-US" altLang="zh-TW" sz="1800" dirty="0"/>
+              <a:t>POST </a:t>
+            </a:r>
+            <a:r>
+              <a:rPr lang="zh-TW" altLang="en-US" sz="1800" dirty="0"/>
+              <a:t>或 </a:t>
+            </a:r>
+            <a:r>
+              <a:rPr lang="en-US" altLang="zh-TW" sz="1800" dirty="0"/>
+              <a:t>GET </a:t>
+            </a:r>
+            <a:r>
+              <a:rPr lang="zh-TW" altLang="en-US" sz="1800" dirty="0"/>
+              <a:t>好像不是很重要。許多網頁程式設計師對於表單 </a:t>
+            </a:r>
+            <a:r>
+              <a:rPr lang="en-US" altLang="zh-TW" sz="1800" dirty="0"/>
+              <a:t>method </a:t>
+            </a:r>
+            <a:r>
+              <a:rPr lang="zh-TW" altLang="en-US" sz="1800" dirty="0"/>
+              <a:t>用法的記憶為</a:t>
+            </a:r>
+            <a:r>
+              <a:rPr lang="en-US" altLang="zh-TW" sz="1800" dirty="0"/>
+              <a:t>"POST</a:t>
+            </a:r>
+            <a:r>
+              <a:rPr lang="zh-TW" altLang="en-US" sz="1800" dirty="0"/>
+              <a:t>可以傳送比較多的資料</a:t>
+            </a:r>
+            <a:r>
+              <a:rPr lang="en-US" altLang="zh-TW" sz="1800" dirty="0"/>
+              <a:t>"</a:t>
+            </a:r>
+            <a:r>
+              <a:rPr lang="zh-TW" altLang="en-US" sz="1800" dirty="0"/>
+              <a:t>、</a:t>
+            </a:r>
+            <a:r>
+              <a:rPr lang="en-US" altLang="zh-TW" sz="1800" dirty="0"/>
+              <a:t>"</a:t>
+            </a:r>
+            <a:r>
+              <a:rPr lang="zh-TW" altLang="en-US" sz="1800" dirty="0"/>
+              <a:t>表單傳送檔案的時候要使用 </a:t>
+            </a:r>
+            <a:r>
+              <a:rPr lang="en-US" altLang="zh-TW" sz="1800" dirty="0"/>
+              <a:t>POST"</a:t>
+            </a:r>
+            <a:r>
+              <a:rPr lang="zh-TW" altLang="en-US" sz="1800" dirty="0"/>
+              <a:t>、</a:t>
+            </a:r>
+            <a:r>
+              <a:rPr lang="en-US" altLang="zh-TW" sz="1800" dirty="0"/>
+              <a:t>"POST</a:t>
+            </a:r>
+            <a:r>
+              <a:rPr lang="zh-TW" altLang="en-US" sz="1800" dirty="0"/>
+              <a:t>比</a:t>
+            </a:r>
+            <a:r>
+              <a:rPr lang="en-US" altLang="zh-TW" sz="1800" dirty="0"/>
+              <a:t>GET</a:t>
+            </a:r>
+            <a:r>
+              <a:rPr lang="zh-TW" altLang="en-US" sz="1800" dirty="0"/>
+              <a:t>安全</a:t>
+            </a:r>
+            <a:r>
+              <a:rPr lang="en-US" altLang="zh-TW" sz="1800" dirty="0"/>
+              <a:t>"</a:t>
+            </a:r>
+            <a:r>
+              <a:rPr lang="zh-TW" altLang="en-US" sz="1800" dirty="0"/>
+              <a:t>等等奇怪的概念</a:t>
+            </a:r>
+            <a:r>
+              <a:rPr lang="zh-TW" altLang="en-US" sz="1800" dirty="0" smtClean="0"/>
+              <a:t>。</a:t>
+            </a:r>
+            <a:endParaRPr lang="zh-TW" altLang="en-US" sz="1800" dirty="0"/>
+          </a:p>
+        </p:txBody>
+      </p:sp>
+      <p:pic>
+        <p:nvPicPr>
+          <p:cNvPr id="8194" name="Picture 2"/>
+          <p:cNvPicPr>
+            <a:picLocks noChangeAspect="1" noChangeArrowheads="1"/>
+          </p:cNvPicPr>
+          <p:nvPr/>
+        </p:nvPicPr>
+        <p:blipFill>
+          <a:blip r:embed="rId2">
+            <a:extLst>
+              <a:ext uri="{28A0092B-C50C-407E-A947-70E740481C1C}">
+                <a14:useLocalDpi xmlns:a14="http://schemas.microsoft.com/office/drawing/2010/main" val="0"/>
+              </a:ext>
+            </a:extLst>
+          </a:blip>
+          <a:srcRect/>
+          <a:stretch>
+            <a:fillRect/>
+          </a:stretch>
+        </p:blipFill>
+        <p:spPr bwMode="auto">
+          <a:xfrm>
+            <a:off x="4499991" y="3227065"/>
+            <a:ext cx="3152775" cy="561975"/>
+          </a:xfrm>
+          <a:prstGeom prst="rect">
+            <a:avLst/>
+          </a:prstGeom>
+          <a:noFill/>
+          <a:ln>
+            <a:noFill/>
+          </a:ln>
+          <a:extLst>
+            <a:ext uri="{909E8E84-426E-40DD-AFC4-6F175D3DCCD1}">
+              <a14:hiddenFill xmlns:a14="http://schemas.microsoft.com/office/drawing/2010/main">
+                <a:solidFill>
+                  <a:schemeClr val="accent1"/>
+                </a:solidFill>
+              </a14:hiddenFill>
+            </a:ext>
+            <a:ext uri="{91240B29-F687-4F45-9708-019B960494DF}">
+              <a14:hiddenLine xmlns:a14="http://schemas.microsoft.com/office/drawing/2010/main" w="9525">
+                <a:solidFill>
+                  <a:schemeClr val="tx1"/>
+                </a:solidFill>
+                <a:miter lim="800000"/>
+                <a:headEnd/>
+                <a:tailEnd/>
+              </a14:hiddenLine>
+            </a:ext>
+          </a:extLst>
+        </p:spPr>
+      </p:pic>
+    </p:spTree>
+    <p:extLst>
+      <p:ext uri="{BB962C8B-B14F-4D97-AF65-F5344CB8AC3E}">
+        <p14:creationId xmlns:p14="http://schemas.microsoft.com/office/powerpoint/2010/main" val="287618996"/>
+      </p:ext>
+    </p:extLst>
+  </p:cSld>
+  <p:clrMapOvr>
+    <a:masterClrMapping/>
+  </p:clrMapOvr>
+  <p:timing>
+    <p:tnLst>
+      <p:par>
+        <p:cTn id="1" dur="indefinite" restart="never" nodeType="tmRoot"/>
+      </p:par>
+    </p:tnLst>
+  </p:timing>
+</p:sld>
+</file>
+
+<file path=ppt/slides/slide37.xml><?xml version="1.0" encoding="utf-8"?>
+<p:sld xmlns:a="http://schemas.openxmlformats.org/drawingml/2006/main" xmlns:r="http://schemas.openxmlformats.org/officeDocument/2006/relationships" xmlns:p="http://schemas.openxmlformats.org/presentationml/2006/main">
+  <p:cSld>
+    <p:spTree>
+      <p:nvGrpSpPr>
+        <p:cNvPr id="1" name=""/>
+        <p:cNvGrpSpPr/>
+        <p:nvPr/>
+      </p:nvGrpSpPr>
+      <p:grpSpPr>
+        <a:xfrm>
+          <a:off x="0" y="0"/>
+          <a:ext cx="0" cy="0"/>
+          <a:chOff x="0" y="0"/>
+          <a:chExt cx="0" cy="0"/>
+        </a:xfrm>
+      </p:grpSpPr>
+      <p:sp>
+        <p:nvSpPr>
+          <p:cNvPr id="2" name="標題 1"/>
+          <p:cNvSpPr>
+            <a:spLocks noGrp="1"/>
+          </p:cNvSpPr>
+          <p:nvPr>
+            <p:ph type="title"/>
+          </p:nvPr>
+        </p:nvSpPr>
+        <p:spPr/>
+        <p:txBody>
+          <a:bodyPr/>
+          <a:lstStyle/>
+          <a:p>
+            <a:r>
+              <a:rPr lang="en-US" altLang="zh-TW" dirty="0"/>
+              <a:t>What's HTTP Method ??</a:t>
+            </a:r>
+            <a:endParaRPr lang="zh-TW" altLang="en-US" dirty="0"/>
+          </a:p>
+        </p:txBody>
+      </p:sp>
+      <p:sp>
+        <p:nvSpPr>
+          <p:cNvPr id="3" name="內容版面配置區 2"/>
+          <p:cNvSpPr>
+            <a:spLocks noGrp="1"/>
+          </p:cNvSpPr>
+          <p:nvPr>
+            <p:ph idx="1"/>
+          </p:nvPr>
+        </p:nvSpPr>
+        <p:spPr/>
+        <p:txBody>
+          <a:bodyPr>
+            <a:normAutofit/>
+          </a:bodyPr>
+          <a:lstStyle/>
+          <a:p>
+            <a:r>
+              <a:rPr lang="zh-TW" altLang="en-US" sz="2000" dirty="0"/>
+              <a:t>其實使用 </a:t>
+            </a:r>
+            <a:r>
+              <a:rPr lang="en-US" altLang="zh-TW" sz="2000" dirty="0"/>
+              <a:t>POST </a:t>
+            </a:r>
+            <a:r>
+              <a:rPr lang="zh-TW" altLang="en-US" sz="2000" dirty="0"/>
+              <a:t>或 </a:t>
+            </a:r>
+            <a:r>
+              <a:rPr lang="en-US" altLang="zh-TW" sz="2000" dirty="0"/>
+              <a:t>GET </a:t>
+            </a:r>
+            <a:r>
+              <a:rPr lang="zh-TW" altLang="en-US" sz="2000" dirty="0"/>
+              <a:t>其實是有差別的，我們先說明一下 </a:t>
+            </a:r>
+            <a:r>
+              <a:rPr lang="en-US" altLang="zh-TW" sz="2000" dirty="0"/>
+              <a:t>HTTP Method</a:t>
+            </a:r>
+            <a:r>
+              <a:rPr lang="zh-TW" altLang="en-US" sz="2000" dirty="0"/>
+              <a:t>，在 </a:t>
+            </a:r>
+            <a:r>
+              <a:rPr lang="en-US" altLang="zh-TW" sz="2000" dirty="0"/>
+              <a:t>HTTP 1.1 </a:t>
+            </a:r>
+            <a:r>
+              <a:rPr lang="zh-TW" altLang="en-US" sz="2000" dirty="0"/>
+              <a:t>的版本中定義了八種 </a:t>
+            </a:r>
+            <a:r>
+              <a:rPr lang="en-US" altLang="zh-TW" sz="2000" dirty="0"/>
+              <a:t>Method (</a:t>
+            </a:r>
+            <a:r>
+              <a:rPr lang="zh-TW" altLang="en-US" sz="2000" dirty="0"/>
+              <a:t>方法</a:t>
+            </a:r>
+            <a:r>
+              <a:rPr lang="en-US" altLang="zh-TW" sz="2000" dirty="0"/>
+              <a:t>)</a:t>
+            </a:r>
+            <a:r>
+              <a:rPr lang="zh-TW" altLang="en-US" sz="2000" dirty="0"/>
+              <a:t>，如下所示</a:t>
+            </a:r>
+            <a:r>
+              <a:rPr lang="zh-TW" altLang="en-US" sz="2000" dirty="0" smtClean="0"/>
+              <a:t>：</a:t>
+            </a:r>
+            <a:endParaRPr lang="en-US" altLang="zh-TW" sz="2000" dirty="0" smtClean="0"/>
+          </a:p>
+          <a:p>
+            <a:endParaRPr lang="en-US" altLang="zh-TW" sz="2000" dirty="0" smtClean="0"/>
+          </a:p>
+          <a:p>
+            <a:pPr marL="0" indent="0" algn="ctr">
+              <a:buNone/>
+            </a:pPr>
+            <a:r>
+              <a:rPr lang="en-US" altLang="zh-TW" sz="2000" dirty="0" smtClean="0"/>
+              <a:t>OPTIONS</a:t>
+            </a:r>
+            <a:r>
+              <a:rPr lang="zh-TW" altLang="en-US" sz="2000" dirty="0" smtClean="0"/>
+              <a:t>、</a:t>
+            </a:r>
+            <a:r>
+              <a:rPr lang="en-US" altLang="zh-TW" sz="2000" dirty="0" smtClean="0"/>
+              <a:t>GET</a:t>
+            </a:r>
+            <a:r>
+              <a:rPr lang="zh-TW" altLang="en-US" sz="2000" dirty="0" smtClean="0"/>
+              <a:t>、</a:t>
+            </a:r>
+            <a:r>
+              <a:rPr lang="en-US" altLang="zh-TW" sz="2000" dirty="0" smtClean="0"/>
+              <a:t>HEAD</a:t>
+            </a:r>
+            <a:r>
+              <a:rPr lang="zh-TW" altLang="en-US" sz="2000" dirty="0" smtClean="0"/>
+              <a:t>、</a:t>
+            </a:r>
+            <a:r>
+              <a:rPr lang="en-US" altLang="zh-TW" sz="2000" dirty="0" smtClean="0"/>
+              <a:t>POST</a:t>
+            </a:r>
+            <a:r>
+              <a:rPr lang="zh-TW" altLang="en-US" sz="2000" dirty="0" smtClean="0"/>
+              <a:t>、</a:t>
+            </a:r>
+            <a:endParaRPr lang="en-US" altLang="zh-TW" sz="2000" dirty="0" smtClean="0"/>
+          </a:p>
+          <a:p>
+            <a:pPr marL="0" indent="0" algn="ctr">
+              <a:buNone/>
+            </a:pPr>
+            <a:r>
+              <a:rPr lang="en-US" altLang="zh-TW" sz="2000" dirty="0" smtClean="0"/>
+              <a:t>PUT</a:t>
+            </a:r>
+            <a:r>
+              <a:rPr lang="zh-TW" altLang="en-US" sz="2000" dirty="0" smtClean="0"/>
+              <a:t>、</a:t>
+            </a:r>
+            <a:r>
+              <a:rPr lang="en-US" altLang="zh-TW" sz="2000" dirty="0" smtClean="0"/>
+              <a:t>DELETE</a:t>
+            </a:r>
+            <a:r>
+              <a:rPr lang="zh-TW" altLang="en-US" sz="2000" dirty="0" smtClean="0"/>
+              <a:t>、</a:t>
+            </a:r>
+            <a:r>
+              <a:rPr lang="en-US" altLang="zh-TW" sz="2000" dirty="0" smtClean="0"/>
+              <a:t>TRACE</a:t>
+            </a:r>
+            <a:r>
+              <a:rPr lang="zh-TW" altLang="en-US" sz="2000" dirty="0" smtClean="0"/>
+              <a:t>、</a:t>
+            </a:r>
+            <a:r>
+              <a:rPr lang="en-US" altLang="zh-TW" sz="2000" dirty="0" smtClean="0"/>
+              <a:t>CONNECT</a:t>
+            </a:r>
+          </a:p>
+          <a:p>
+            <a:endParaRPr lang="en-US" altLang="zh-TW" sz="2000" dirty="0" smtClean="0"/>
+          </a:p>
+          <a:p>
+            <a:r>
+              <a:rPr lang="zh-TW" altLang="en-US" sz="2000" dirty="0"/>
+              <a:t>天阿，這些方法看起來真是陌生。而我們使用的表單只用了其中兩個方法 </a:t>
+            </a:r>
+            <a:r>
+              <a:rPr lang="en-US" altLang="zh-TW" sz="2000" dirty="0"/>
+              <a:t>(GET/POST)</a:t>
+            </a:r>
+            <a:r>
+              <a:rPr lang="zh-TW" altLang="en-US" sz="2000" dirty="0"/>
+              <a:t>，其他的方法確實很少用到，但是在 </a:t>
+            </a:r>
+            <a:r>
+              <a:rPr lang="en-US" altLang="zh-TW" sz="2000" dirty="0"/>
+              <a:t>RESTful </a:t>
+            </a:r>
+            <a:r>
+              <a:rPr lang="zh-TW" altLang="en-US" sz="2000" dirty="0"/>
+              <a:t>的設計架構中就會使用到更多的 </a:t>
+            </a:r>
+            <a:r>
+              <a:rPr lang="en-US" altLang="zh-TW" sz="2000" dirty="0"/>
+              <a:t>Method </a:t>
+            </a:r>
+            <a:r>
+              <a:rPr lang="zh-TW" altLang="en-US" sz="2000" dirty="0"/>
+              <a:t>來簡化設計。</a:t>
+            </a:r>
+            <a:endParaRPr lang="zh-TW" altLang="en-US" sz="2000" dirty="0"/>
+          </a:p>
+        </p:txBody>
+      </p:sp>
+    </p:spTree>
+    <p:extLst>
+      <p:ext uri="{BB962C8B-B14F-4D97-AF65-F5344CB8AC3E}">
+        <p14:creationId xmlns:p14="http://schemas.microsoft.com/office/powerpoint/2010/main" val="4022542172"/>
+      </p:ext>
+    </p:extLst>
+  </p:cSld>
+  <p:clrMapOvr>
+    <a:masterClrMapping/>
+  </p:clrMapOvr>
+  <p:timing>
+    <p:tnLst>
+      <p:par>
+        <p:cTn id="1" dur="indefinite" restart="never" nodeType="tmRoot"/>
+      </p:par>
+    </p:tnLst>
+  </p:timing>
+</p:sld>
+</file>
+
+<file path=ppt/slides/slide38.xml><?xml version="1.0" encoding="utf-8"?>
+<p:sld xmlns:a="http://schemas.openxmlformats.org/drawingml/2006/main" xmlns:r="http://schemas.openxmlformats.org/officeDocument/2006/relationships" xmlns:p="http://schemas.openxmlformats.org/presentationml/2006/main">
+  <p:cSld>
+    <p:spTree>
+      <p:nvGrpSpPr>
+        <p:cNvPr id="1" name=""/>
+        <p:cNvGrpSpPr/>
+        <p:nvPr/>
+      </p:nvGrpSpPr>
+      <p:grpSpPr>
+        <a:xfrm>
+          <a:off x="0" y="0"/>
+          <a:ext cx="0" cy="0"/>
+          <a:chOff x="0" y="0"/>
+          <a:chExt cx="0" cy="0"/>
+        </a:xfrm>
+      </p:grpSpPr>
+      <p:sp>
+        <p:nvSpPr>
+          <p:cNvPr id="2" name="標題 1"/>
+          <p:cNvSpPr>
+            <a:spLocks noGrp="1"/>
+          </p:cNvSpPr>
+          <p:nvPr>
+            <p:ph type="title"/>
+          </p:nvPr>
+        </p:nvSpPr>
+        <p:spPr/>
+        <p:txBody>
+          <a:bodyPr/>
+          <a:lstStyle/>
+          <a:p>
+            <a:r>
+              <a:rPr lang="en-US" altLang="zh-TW" dirty="0"/>
+              <a:t>GET vs POST Method</a:t>
+            </a:r>
+            <a:endParaRPr lang="zh-TW" altLang="en-US" dirty="0"/>
+          </a:p>
+        </p:txBody>
+      </p:sp>
+      <p:sp>
+        <p:nvSpPr>
+          <p:cNvPr id="3" name="內容版面配置區 2"/>
+          <p:cNvSpPr>
+            <a:spLocks noGrp="1"/>
+          </p:cNvSpPr>
+          <p:nvPr>
+            <p:ph idx="1"/>
+          </p:nvPr>
+        </p:nvSpPr>
+        <p:spPr/>
+        <p:txBody>
+          <a:bodyPr>
+            <a:normAutofit fontScale="62500" lnSpcReduction="20000"/>
+          </a:bodyPr>
+          <a:lstStyle/>
+          <a:p>
+            <a:r>
+              <a:rPr lang="zh-TW" altLang="en-US" dirty="0"/>
+              <a:t>先舉個例子，如果 </a:t>
+            </a:r>
+            <a:r>
+              <a:rPr lang="en-US" altLang="zh-TW" dirty="0"/>
+              <a:t>HTTP </a:t>
+            </a:r>
+            <a:r>
+              <a:rPr lang="zh-TW" altLang="en-US" dirty="0"/>
+              <a:t>代表現在我們現實生活中寄信的機制，那麼信封的撰寫格式就是 </a:t>
+            </a:r>
+            <a:r>
+              <a:rPr lang="en-US" altLang="zh-TW" dirty="0"/>
+              <a:t>HTTP</a:t>
+            </a:r>
+            <a:r>
+              <a:rPr lang="zh-TW" altLang="en-US" dirty="0"/>
+              <a:t>。我們姑且將信封外的內容稱為 </a:t>
+            </a:r>
+            <a:r>
+              <a:rPr lang="en-US" altLang="zh-TW" dirty="0"/>
+              <a:t>http-header</a:t>
+            </a:r>
+            <a:r>
+              <a:rPr lang="zh-TW" altLang="en-US" dirty="0"/>
+              <a:t>，信封內的書信稱為 </a:t>
+            </a:r>
+            <a:r>
+              <a:rPr lang="en-US" altLang="zh-TW" dirty="0"/>
+              <a:t>message-body</a:t>
+            </a:r>
+            <a:r>
+              <a:rPr lang="zh-TW" altLang="en-US" dirty="0"/>
+              <a:t>，那麼 </a:t>
+            </a:r>
+            <a:r>
+              <a:rPr lang="en-US" altLang="zh-TW" dirty="0"/>
+              <a:t>HTTP Method </a:t>
+            </a:r>
+            <a:r>
+              <a:rPr lang="zh-TW" altLang="en-US" dirty="0"/>
+              <a:t>就是你要告訴郵差的寄信規則</a:t>
+            </a:r>
+            <a:r>
+              <a:rPr lang="zh-TW" altLang="en-US" dirty="0" smtClean="0"/>
+              <a:t>。</a:t>
+            </a:r>
+            <a:endParaRPr lang="en-US" altLang="zh-TW" dirty="0" smtClean="0"/>
+          </a:p>
+          <a:p>
+            <a:endParaRPr lang="en-US" altLang="zh-TW" dirty="0" smtClean="0"/>
+          </a:p>
+          <a:p>
+            <a:r>
+              <a:rPr lang="zh-TW" altLang="en-US" dirty="0" smtClean="0">
+                <a:solidFill>
+                  <a:srgbClr val="FF0000"/>
+                </a:solidFill>
+              </a:rPr>
+              <a:t>假設 </a:t>
+            </a:r>
+            <a:r>
+              <a:rPr lang="en-US" altLang="zh-TW" dirty="0">
+                <a:solidFill>
+                  <a:srgbClr val="FF0000"/>
+                </a:solidFill>
+              </a:rPr>
+              <a:t>GET </a:t>
+            </a:r>
+            <a:r>
+              <a:rPr lang="zh-TW" altLang="en-US" dirty="0">
+                <a:solidFill>
+                  <a:srgbClr val="FF0000"/>
+                </a:solidFill>
+              </a:rPr>
+              <a:t>表示信封內不得裝信件的寄送方式，如同是明信片一樣</a:t>
+            </a:r>
+            <a:r>
+              <a:rPr lang="zh-TW" altLang="en-US" dirty="0"/>
+              <a:t>（感謝網友 </a:t>
+            </a:r>
+            <a:r>
+              <a:rPr lang="en-US" altLang="zh-TW" dirty="0"/>
+              <a:t>Kevin </a:t>
+            </a:r>
+            <a:r>
+              <a:rPr lang="zh-TW" altLang="en-US" dirty="0"/>
+              <a:t>的建議，採用明信片來詮釋 </a:t>
+            </a:r>
+            <a:r>
+              <a:rPr lang="en-US" altLang="zh-TW" dirty="0"/>
+              <a:t>GET</a:t>
+            </a:r>
+            <a:r>
+              <a:rPr lang="zh-TW" altLang="en-US" dirty="0"/>
+              <a:t>），你可以把要傳遞的資訊寫在信封</a:t>
+            </a:r>
+            <a:r>
+              <a:rPr lang="en-US" altLang="zh-TW" dirty="0"/>
+              <a:t>(http-header)</a:t>
+            </a:r>
+            <a:r>
+              <a:rPr lang="zh-TW" altLang="en-US" dirty="0"/>
+              <a:t>上，寫滿為止，價格比較便宜。然而 </a:t>
+            </a:r>
+            <a:r>
+              <a:rPr lang="en-US" altLang="zh-TW" dirty="0">
+                <a:solidFill>
+                  <a:srgbClr val="FF0000"/>
+                </a:solidFill>
+              </a:rPr>
+              <a:t>POST </a:t>
+            </a:r>
+            <a:r>
+              <a:rPr lang="zh-TW" altLang="en-US" dirty="0">
+                <a:solidFill>
+                  <a:srgbClr val="FF0000"/>
+                </a:solidFill>
+              </a:rPr>
+              <a:t>就是信封內有裝信件的寄送方式（信封有內容物）</a:t>
+            </a:r>
+            <a:r>
+              <a:rPr lang="zh-TW" altLang="en-US" dirty="0"/>
+              <a:t>，不但信封可以寫東西，信封內 </a:t>
+            </a:r>
+            <a:r>
+              <a:rPr lang="en-US" altLang="zh-TW" dirty="0"/>
+              <a:t>(message-body) </a:t>
+            </a:r>
+            <a:r>
+              <a:rPr lang="zh-TW" altLang="en-US" dirty="0"/>
+              <a:t>還可以置入你想要寄送的資料或檔案，價格較貴</a:t>
+            </a:r>
+            <a:r>
+              <a:rPr lang="zh-TW" altLang="en-US" dirty="0" smtClean="0"/>
+              <a:t>。</a:t>
+            </a:r>
+            <a:endParaRPr lang="en-US" altLang="zh-TW" dirty="0" smtClean="0"/>
+          </a:p>
+          <a:p>
+            <a:endParaRPr lang="en-US" altLang="zh-TW" dirty="0" smtClean="0"/>
+          </a:p>
+          <a:p>
+            <a:r>
+              <a:rPr lang="zh-TW" altLang="en-US" dirty="0"/>
+              <a:t>使用 </a:t>
+            </a:r>
+            <a:r>
+              <a:rPr lang="en-US" altLang="zh-TW" dirty="0"/>
+              <a:t>GET </a:t>
+            </a:r>
+            <a:r>
+              <a:rPr lang="zh-TW" altLang="en-US" dirty="0"/>
+              <a:t>的時候我們直接將要傳送的資料以 </a:t>
+            </a:r>
+            <a:r>
+              <a:rPr lang="en-US" altLang="zh-TW" dirty="0"/>
+              <a:t>Query String</a:t>
+            </a:r>
+            <a:r>
+              <a:rPr lang="zh-TW" altLang="en-US" dirty="0"/>
+              <a:t>（一種</a:t>
+            </a:r>
+            <a:r>
+              <a:rPr lang="en-US" altLang="zh-TW" dirty="0"/>
+              <a:t>Key/</a:t>
+            </a:r>
+            <a:r>
+              <a:rPr lang="en-US" altLang="zh-TW" dirty="0" err="1"/>
+              <a:t>Vaule</a:t>
+            </a:r>
+            <a:r>
+              <a:rPr lang="zh-TW" altLang="en-US" dirty="0"/>
+              <a:t>的編碼方式）加在我們要寄送的地址</a:t>
+            </a:r>
+            <a:r>
+              <a:rPr lang="en-US" altLang="zh-TW" dirty="0"/>
+              <a:t>(URL)</a:t>
+            </a:r>
+            <a:r>
+              <a:rPr lang="zh-TW" altLang="en-US" dirty="0"/>
+              <a:t>後面，然後交給郵差傳送。使用 </a:t>
+            </a:r>
+            <a:r>
+              <a:rPr lang="en-US" altLang="zh-TW" dirty="0"/>
+              <a:t>POST </a:t>
+            </a:r>
+            <a:r>
+              <a:rPr lang="zh-TW" altLang="en-US" dirty="0"/>
+              <a:t>的時候則是將寄送地址</a:t>
+            </a:r>
+            <a:r>
+              <a:rPr lang="en-US" altLang="zh-TW" dirty="0"/>
+              <a:t>(URL)</a:t>
+            </a:r>
+            <a:r>
+              <a:rPr lang="zh-TW" altLang="en-US" dirty="0"/>
+              <a:t>寫在信封上，另外將要傳送的資料寫在另一張信紙後，將信紙放到信封裡面，交給郵差傳送。</a:t>
+            </a:r>
+            <a:endParaRPr lang="zh-TW" altLang="en-US" dirty="0"/>
+          </a:p>
+        </p:txBody>
+      </p:sp>
+    </p:spTree>
+    <p:extLst>
+      <p:ext uri="{BB962C8B-B14F-4D97-AF65-F5344CB8AC3E}">
+        <p14:creationId xmlns:p14="http://schemas.microsoft.com/office/powerpoint/2010/main" val="2577642647"/>
+      </p:ext>
+    </p:extLst>
+  </p:cSld>
+  <p:clrMapOvr>
+    <a:masterClrMapping/>
+  </p:clrMapOvr>
+  <p:timing>
+    <p:tnLst>
+      <p:par>
+        <p:cTn id="1" dur="indefinite" restart="never" nodeType="tmRoot"/>
+      </p:par>
+    </p:tnLst>
+  </p:timing>
+</p:sld>
+</file>
+
+<file path=ppt/slides/slide39.xml><?xml version="1.0" encoding="utf-8"?>
+<p:sld xmlns:a="http://schemas.openxmlformats.org/drawingml/2006/main" xmlns:r="http://schemas.openxmlformats.org/officeDocument/2006/relationships" xmlns:p="http://schemas.openxmlformats.org/presentationml/2006/main">
+  <p:cSld>
+    <p:spTree>
+      <p:nvGrpSpPr>
+        <p:cNvPr id="1" name=""/>
+        <p:cNvGrpSpPr/>
+        <p:nvPr/>
+      </p:nvGrpSpPr>
+      <p:grpSpPr>
+        <a:xfrm>
+          <a:off x="0" y="0"/>
+          <a:ext cx="0" cy="0"/>
+          <a:chOff x="0" y="0"/>
+          <a:chExt cx="0" cy="0"/>
+        </a:xfrm>
+      </p:grpSpPr>
+      <p:sp>
+        <p:nvSpPr>
+          <p:cNvPr id="2" name="標題 1"/>
+          <p:cNvSpPr>
+            <a:spLocks noGrp="1"/>
+          </p:cNvSpPr>
+          <p:nvPr>
+            <p:ph type="title"/>
+          </p:nvPr>
+        </p:nvSpPr>
+        <p:spPr/>
+        <p:txBody>
+          <a:bodyPr/>
+          <a:lstStyle/>
+          <a:p>
+            <a:r>
+              <a:rPr lang="en-US" altLang="zh-TW" dirty="0" smtClean="0"/>
+              <a:t>GET</a:t>
+            </a:r>
+            <a:endParaRPr lang="zh-TW" altLang="en-US" dirty="0"/>
+          </a:p>
+        </p:txBody>
+      </p:sp>
+      <p:sp>
+        <p:nvSpPr>
+          <p:cNvPr id="3" name="內容版面配置區 2"/>
+          <p:cNvSpPr>
+            <a:spLocks noGrp="1"/>
+          </p:cNvSpPr>
+          <p:nvPr>
+            <p:ph idx="1"/>
+          </p:nvPr>
+        </p:nvSpPr>
+        <p:spPr/>
+        <p:txBody>
+          <a:bodyPr>
+            <a:normAutofit/>
+          </a:bodyPr>
+          <a:lstStyle/>
+          <a:p>
+            <a:r>
+              <a:rPr lang="zh-TW" altLang="en-US" sz="1800" dirty="0"/>
+              <a:t>接著我來介紹一下實際的運作</a:t>
+            </a:r>
+            <a:r>
+              <a:rPr lang="zh-TW" altLang="en-US" sz="1800" dirty="0" smtClean="0"/>
+              <a:t>情況</a:t>
+            </a:r>
+            <a:r>
+              <a:rPr lang="zh-TW" altLang="en-US" sz="1800" dirty="0"/>
+              <a:t>，</a:t>
+            </a:r>
+            <a:r>
+              <a:rPr lang="zh-TW" altLang="en-US" sz="1800" dirty="0" smtClean="0"/>
+              <a:t>我們</a:t>
+            </a:r>
+            <a:r>
+              <a:rPr lang="zh-TW" altLang="en-US" sz="1800" dirty="0"/>
+              <a:t>先來看看 </a:t>
+            </a:r>
+            <a:r>
+              <a:rPr lang="en-US" altLang="zh-TW" sz="1800" dirty="0"/>
+              <a:t>GET </a:t>
+            </a:r>
+            <a:r>
+              <a:rPr lang="zh-TW" altLang="en-US" sz="1800" dirty="0"/>
+              <a:t>怎麼傳送資料的，當我們送出一個 </a:t>
+            </a:r>
+            <a:r>
+              <a:rPr lang="en-US" altLang="zh-TW" sz="1800" dirty="0"/>
+              <a:t>GET </a:t>
+            </a:r>
+            <a:r>
+              <a:rPr lang="zh-TW" altLang="en-US" sz="1800" dirty="0"/>
+              <a:t>表單時，如下範例</a:t>
+            </a:r>
+            <a:r>
+              <a:rPr lang="zh-TW" altLang="en-US" sz="1800" dirty="0" smtClean="0"/>
+              <a:t>：</a:t>
+            </a:r>
+            <a:endParaRPr lang="en-US" altLang="zh-TW" sz="1800" dirty="0" smtClean="0"/>
+          </a:p>
+          <a:p>
+            <a:endParaRPr lang="en-US" altLang="zh-TW" sz="1800" dirty="0" smtClean="0"/>
+          </a:p>
+          <a:p>
+            <a:endParaRPr lang="en-US" altLang="zh-TW" sz="1800" dirty="0"/>
+          </a:p>
+          <a:p>
+            <a:r>
+              <a:rPr lang="zh-TW" altLang="en-US" sz="1800" dirty="0"/>
+              <a:t>當表單 </a:t>
+            </a:r>
+            <a:r>
+              <a:rPr lang="en-US" altLang="zh-TW" sz="1800" dirty="0"/>
+              <a:t>Submit </a:t>
+            </a:r>
+            <a:r>
+              <a:rPr lang="zh-TW" altLang="en-US" sz="1800" dirty="0"/>
+              <a:t>之後瀏覽器的網址就變成 </a:t>
+            </a:r>
+            <a:r>
+              <a:rPr lang="en-US" altLang="zh-TW" sz="1800" dirty="0"/>
+              <a:t>"http://xxx.toright.com/?id=010101"</a:t>
+            </a:r>
+            <a:r>
+              <a:rPr lang="zh-TW" altLang="en-US" sz="1800" dirty="0"/>
+              <a:t>，瀏覽器會自動將表單內容轉為 </a:t>
+            </a:r>
+            <a:r>
+              <a:rPr lang="en-US" altLang="zh-TW" sz="1800" dirty="0"/>
+              <a:t>Query String </a:t>
+            </a:r>
+            <a:r>
+              <a:rPr lang="zh-TW" altLang="en-US" sz="1800" dirty="0"/>
+              <a:t>加在 </a:t>
+            </a:r>
+            <a:r>
+              <a:rPr lang="en-US" altLang="zh-TW" sz="1800" dirty="0"/>
+              <a:t>URL </a:t>
+            </a:r>
+            <a:r>
+              <a:rPr lang="zh-TW" altLang="en-US" sz="1800" dirty="0"/>
+              <a:t>進行連線</a:t>
+            </a:r>
+            <a:r>
+              <a:rPr lang="zh-TW" altLang="en-US" sz="1800" dirty="0" smtClean="0"/>
+              <a:t>。</a:t>
+            </a:r>
+            <a:r>
+              <a:rPr lang="zh-TW" altLang="en-US" sz="1800" dirty="0"/>
+              <a:t>這時後來看一下 </a:t>
+            </a:r>
+            <a:r>
+              <a:rPr lang="en-US" altLang="zh-TW" sz="1800" dirty="0"/>
+              <a:t>HTTP Request </a:t>
+            </a:r>
+            <a:r>
+              <a:rPr lang="zh-TW" altLang="en-US" sz="1800" dirty="0"/>
+              <a:t>封包的內容：</a:t>
+            </a:r>
+          </a:p>
+          <a:p>
+            <a:endParaRPr lang="zh-TW" altLang="en-US" sz="1800" dirty="0"/>
+          </a:p>
+        </p:txBody>
+      </p:sp>
+      <p:pic>
+        <p:nvPicPr>
+          <p:cNvPr id="9218" name="Picture 2"/>
+          <p:cNvPicPr>
+            <a:picLocks noChangeAspect="1" noChangeArrowheads="1"/>
+          </p:cNvPicPr>
+          <p:nvPr/>
+        </p:nvPicPr>
+        <p:blipFill>
+          <a:blip r:embed="rId2">
+            <a:extLst>
+              <a:ext uri="{28A0092B-C50C-407E-A947-70E740481C1C}">
+                <a14:useLocalDpi xmlns:a14="http://schemas.microsoft.com/office/drawing/2010/main" val="0"/>
+              </a:ext>
+            </a:extLst>
+          </a:blip>
+          <a:srcRect/>
+          <a:stretch>
+            <a:fillRect/>
+          </a:stretch>
+        </p:blipFill>
+        <p:spPr bwMode="auto">
+          <a:xfrm>
+            <a:off x="4932040" y="1988840"/>
+            <a:ext cx="2828925" cy="895350"/>
+          </a:xfrm>
+          <a:prstGeom prst="rect">
+            <a:avLst/>
+          </a:prstGeom>
+          <a:noFill/>
+          <a:ln>
+            <a:noFill/>
+          </a:ln>
+          <a:extLst>
+            <a:ext uri="{909E8E84-426E-40DD-AFC4-6F175D3DCCD1}">
+              <a14:hiddenFill xmlns:a14="http://schemas.microsoft.com/office/drawing/2010/main">
+                <a:solidFill>
+                  <a:schemeClr val="accent1"/>
+                </a:solidFill>
+              </a14:hiddenFill>
+            </a:ext>
+            <a:ext uri="{91240B29-F687-4F45-9708-019B960494DF}">
+              <a14:hiddenLine xmlns:a14="http://schemas.microsoft.com/office/drawing/2010/main" w="9525">
+                <a:solidFill>
+                  <a:schemeClr val="tx1"/>
+                </a:solidFill>
+                <a:miter lim="800000"/>
+                <a:headEnd/>
+                <a:tailEnd/>
+              </a14:hiddenLine>
+            </a:ext>
+          </a:extLst>
+        </p:spPr>
+      </p:pic>
+      <p:pic>
+        <p:nvPicPr>
+          <p:cNvPr id="9219" name="Picture 3"/>
+          <p:cNvPicPr>
+            <a:picLocks noChangeAspect="1" noChangeArrowheads="1"/>
+          </p:cNvPicPr>
+          <p:nvPr/>
+        </p:nvPicPr>
+        <p:blipFill>
+          <a:blip r:embed="rId3">
+            <a:extLst>
+              <a:ext uri="{28A0092B-C50C-407E-A947-70E740481C1C}">
+                <a14:useLocalDpi xmlns:a14="http://schemas.microsoft.com/office/drawing/2010/main" val="0"/>
+              </a:ext>
+            </a:extLst>
+          </a:blip>
+          <a:srcRect/>
+          <a:stretch>
+            <a:fillRect/>
+          </a:stretch>
+        </p:blipFill>
+        <p:spPr bwMode="auto">
+          <a:xfrm>
+            <a:off x="1011903" y="3789040"/>
+            <a:ext cx="5334599" cy="1743137"/>
+          </a:xfrm>
+          <a:prstGeom prst="rect">
+            <a:avLst/>
+          </a:prstGeom>
+          <a:noFill/>
+          <a:ln>
+            <a:noFill/>
+          </a:ln>
+          <a:extLst>
+            <a:ext uri="{909E8E84-426E-40DD-AFC4-6F175D3DCCD1}">
+              <a14:hiddenFill xmlns:a14="http://schemas.microsoft.com/office/drawing/2010/main">
+                <a:solidFill>
+                  <a:schemeClr val="accent1"/>
+                </a:solidFill>
+              </a14:hiddenFill>
+            </a:ext>
+            <a:ext uri="{91240B29-F687-4F45-9708-019B960494DF}">
+              <a14:hiddenLine xmlns:a14="http://schemas.microsoft.com/office/drawing/2010/main" w="9525">
+                <a:solidFill>
+                  <a:schemeClr val="tx1"/>
+                </a:solidFill>
+                <a:miter lim="800000"/>
+                <a:headEnd/>
+                <a:tailEnd/>
+              </a14:hiddenLine>
+            </a:ext>
+          </a:extLst>
+        </p:spPr>
+      </p:pic>
+      <p:sp>
+        <p:nvSpPr>
+          <p:cNvPr id="5" name="矩形 4"/>
+          <p:cNvSpPr/>
+          <p:nvPr/>
+        </p:nvSpPr>
+        <p:spPr>
+          <a:xfrm>
+            <a:off x="827584" y="5664136"/>
+            <a:ext cx="7952585" cy="923330"/>
+          </a:xfrm>
+          <a:prstGeom prst="rect">
+            <a:avLst/>
+          </a:prstGeom>
+        </p:spPr>
+        <p:txBody>
+          <a:bodyPr wrap="square">
+            <a:spAutoFit/>
+          </a:bodyPr>
+          <a:lstStyle/>
+          <a:p>
+            <a:r>
+              <a:rPr lang="zh-TW" altLang="en-US" dirty="0"/>
+              <a:t>在 </a:t>
+            </a:r>
+            <a:r>
+              <a:rPr lang="en-US" altLang="zh-TW" dirty="0"/>
+              <a:t>HTTP GET Method </a:t>
+            </a:r>
+            <a:r>
+              <a:rPr lang="zh-TW" altLang="en-US" dirty="0"/>
+              <a:t>中是不允許在 </a:t>
+            </a:r>
+            <a:r>
+              <a:rPr lang="en-US" altLang="zh-TW" dirty="0"/>
+              <a:t>message-body </a:t>
+            </a:r>
+            <a:r>
+              <a:rPr lang="zh-TW" altLang="en-US" dirty="0"/>
+              <a:t>中傳遞資料的，因為是 </a:t>
+            </a:r>
+            <a:r>
+              <a:rPr lang="en-US" altLang="zh-TW" dirty="0"/>
+              <a:t>GET </a:t>
+            </a:r>
+            <a:r>
+              <a:rPr lang="zh-TW" altLang="en-US" dirty="0"/>
+              <a:t>嘛，就是要取資料的意思</a:t>
+            </a:r>
+            <a:r>
+              <a:rPr lang="zh-TW" altLang="en-US" dirty="0" smtClean="0"/>
+              <a:t>。從</a:t>
+            </a:r>
+            <a:r>
+              <a:rPr lang="zh-TW" altLang="en-US" dirty="0"/>
+              <a:t>瀏覽器的網址列就可以看見我們表單要傳送的資料，若是要傳送密碼豈不是</a:t>
+            </a:r>
+            <a:r>
+              <a:rPr lang="en-US" altLang="zh-TW" dirty="0"/>
+              <a:t>"</a:t>
+            </a:r>
+            <a:r>
+              <a:rPr lang="zh-TW" altLang="en-US" dirty="0"/>
+              <a:t>一覽無遺</a:t>
+            </a:r>
+            <a:r>
+              <a:rPr lang="en-US" altLang="zh-TW" dirty="0"/>
+              <a:t>".......</a:t>
+            </a:r>
+            <a:r>
+              <a:rPr lang="zh-TW" altLang="en-US" dirty="0"/>
+              <a:t>這就是大家常提到安全性問題。</a:t>
+            </a:r>
+          </a:p>
+        </p:txBody>
+      </p:sp>
+    </p:spTree>
+    <p:extLst>
+      <p:ext uri="{BB962C8B-B14F-4D97-AF65-F5344CB8AC3E}">
+        <p14:creationId xmlns:p14="http://schemas.microsoft.com/office/powerpoint/2010/main" val="2680084565"/>
+      </p:ext>
+    </p:extLst>
+  </p:cSld>
+  <p:clrMapOvr>
+    <a:masterClrMapping/>
+  </p:clrMapOvr>
+  <p:timing>
+    <p:tnLst>
+      <p:par>
+        <p:cTn id="1" dur="indefinite" restart="never" nodeType="tmRoot"/>
+      </p:par>
+    </p:tnLst>
+  </p:timing>
+</p:sld>
+</file>
+
+<file path=ppt/slides/slide4.xml><?xml version="1.0" encoding="utf-8"?>
+<p:sld xmlns:a="http://schemas.openxmlformats.org/drawingml/2006/main" xmlns:r="http://schemas.openxmlformats.org/officeDocument/2006/relationships" xmlns:p="http://schemas.openxmlformats.org/presentationml/2006/main">
+  <p:cSld>
+    <p:spTree>
+      <p:nvGrpSpPr>
+        <p:cNvPr id="1" name=""/>
+        <p:cNvGrpSpPr/>
+        <p:nvPr/>
+      </p:nvGrpSpPr>
+      <p:grpSpPr>
+        <a:xfrm>
+          <a:off x="0" y="0"/>
+          <a:ext cx="0" cy="0"/>
+          <a:chOff x="0" y="0"/>
+          <a:chExt cx="0" cy="0"/>
+        </a:xfrm>
+      </p:grpSpPr>
+      <p:sp>
+        <p:nvSpPr>
+          <p:cNvPr id="2" name="標題 1"/>
+          <p:cNvSpPr>
+            <a:spLocks noGrp="1"/>
+          </p:cNvSpPr>
+          <p:nvPr>
+            <p:ph type="title"/>
+          </p:nvPr>
+        </p:nvSpPr>
+        <p:spPr/>
+        <p:txBody>
+          <a:bodyPr/>
+          <a:lstStyle/>
+          <a:p>
+            <a:r>
+              <a:rPr lang="zh-TW" altLang="en-US" dirty="0"/>
+              <a:t>模型（</a:t>
+            </a:r>
+            <a:r>
+              <a:rPr lang="en-US" altLang="zh-TW" dirty="0"/>
+              <a:t>Model</a:t>
+            </a:r>
+            <a:r>
+              <a:rPr lang="zh-TW" altLang="en-US" dirty="0"/>
+              <a:t>）</a:t>
+            </a:r>
+          </a:p>
+        </p:txBody>
+      </p:sp>
+      <p:sp>
+        <p:nvSpPr>
+          <p:cNvPr id="3" name="內容版面配置區 2"/>
+          <p:cNvSpPr>
+            <a:spLocks noGrp="1"/>
+          </p:cNvSpPr>
+          <p:nvPr>
+            <p:ph idx="1"/>
+          </p:nvPr>
+        </p:nvSpPr>
+        <p:spPr/>
+        <p:txBody>
+          <a:bodyPr>
+            <a:normAutofit/>
+          </a:bodyPr>
+          <a:lstStyle/>
+          <a:p>
+            <a:r>
+              <a:rPr lang="zh-TW" altLang="en-US" sz="2400" dirty="0"/>
+              <a:t>用於封裝與應用程式的</a:t>
+            </a:r>
+            <a:r>
+              <a:rPr lang="zh-TW" altLang="en-US" sz="2400" dirty="0">
+                <a:solidFill>
+                  <a:srgbClr val="FF0000"/>
+                </a:solidFill>
+              </a:rPr>
+              <a:t>業務邏輯</a:t>
+            </a:r>
+            <a:r>
+              <a:rPr lang="zh-TW" altLang="en-US" sz="2400" dirty="0"/>
+              <a:t>相關的資料以及對資料的處理方法。「 </a:t>
+            </a:r>
+            <a:r>
+              <a:rPr lang="en-US" altLang="zh-TW" sz="2400" dirty="0"/>
+              <a:t>Model </a:t>
+            </a:r>
+            <a:r>
+              <a:rPr lang="zh-TW" altLang="en-US" sz="2400" dirty="0"/>
+              <a:t>」有</a:t>
+            </a:r>
+            <a:r>
+              <a:rPr lang="zh-TW" altLang="en-US" sz="2400" dirty="0">
+                <a:solidFill>
+                  <a:srgbClr val="FF0000"/>
+                </a:solidFill>
+              </a:rPr>
+              <a:t>對資料直接存取</a:t>
+            </a:r>
+            <a:r>
+              <a:rPr lang="zh-TW" altLang="en-US" sz="2400" dirty="0"/>
+              <a:t>的權力，例如對資料庫的存取。「</a:t>
+            </a:r>
+            <a:r>
+              <a:rPr lang="en-US" altLang="zh-TW" sz="2400" dirty="0"/>
+              <a:t>Model</a:t>
+            </a:r>
+            <a:r>
+              <a:rPr lang="zh-TW" altLang="en-US" sz="2400" dirty="0"/>
+              <a:t>」不依賴「</a:t>
+            </a:r>
+            <a:r>
+              <a:rPr lang="en-US" altLang="zh-TW" sz="2400" dirty="0"/>
+              <a:t>View</a:t>
+            </a:r>
+            <a:r>
+              <a:rPr lang="zh-TW" altLang="en-US" sz="2400" dirty="0"/>
+              <a:t>」和「</a:t>
+            </a:r>
+            <a:r>
+              <a:rPr lang="en-US" altLang="zh-TW" sz="2400" dirty="0"/>
+              <a:t>Controller</a:t>
+            </a:r>
+            <a:r>
+              <a:rPr lang="zh-TW" altLang="en-US" sz="2400" dirty="0"/>
+              <a:t>」，也就是說， </a:t>
+            </a:r>
+            <a:r>
+              <a:rPr lang="en-US" altLang="zh-TW" sz="2400" dirty="0"/>
+              <a:t>Model </a:t>
+            </a:r>
+            <a:r>
+              <a:rPr lang="zh-TW" altLang="en-US" sz="2400" dirty="0"/>
+              <a:t>不關心它會被如何顯示或是如何被操作。但是 </a:t>
+            </a:r>
+            <a:r>
+              <a:rPr lang="en-US" altLang="zh-TW" sz="2400" dirty="0"/>
+              <a:t>Model </a:t>
+            </a:r>
+            <a:r>
+              <a:rPr lang="zh-TW" altLang="en-US" sz="2400" dirty="0"/>
+              <a:t>中資料的變化一般會通過一種重新整理機制被公布。為了實現這種機制，那些</a:t>
+            </a:r>
+            <a:r>
+              <a:rPr lang="zh-TW" altLang="en-US" sz="2400" dirty="0">
+                <a:solidFill>
+                  <a:srgbClr val="FF0000"/>
+                </a:solidFill>
+              </a:rPr>
+              <a:t>用於監視此 </a:t>
+            </a:r>
+            <a:r>
+              <a:rPr lang="en-US" altLang="zh-TW" sz="2400" dirty="0">
+                <a:solidFill>
+                  <a:srgbClr val="FF0000"/>
+                </a:solidFill>
+              </a:rPr>
+              <a:t>Model </a:t>
+            </a:r>
+            <a:r>
+              <a:rPr lang="zh-TW" altLang="en-US" sz="2400" dirty="0">
+                <a:solidFill>
+                  <a:srgbClr val="FF0000"/>
+                </a:solidFill>
+              </a:rPr>
+              <a:t>的 </a:t>
+            </a:r>
+            <a:r>
+              <a:rPr lang="en-US" altLang="zh-TW" sz="2400" dirty="0">
+                <a:solidFill>
+                  <a:srgbClr val="FF0000"/>
+                </a:solidFill>
+              </a:rPr>
+              <a:t>View </a:t>
+            </a:r>
+            <a:r>
+              <a:rPr lang="zh-TW" altLang="en-US" sz="2400" dirty="0">
+                <a:solidFill>
+                  <a:srgbClr val="FF0000"/>
+                </a:solidFill>
+              </a:rPr>
+              <a:t>必須事先在此 </a:t>
+            </a:r>
+            <a:r>
+              <a:rPr lang="en-US" altLang="zh-TW" sz="2400" dirty="0">
+                <a:solidFill>
+                  <a:srgbClr val="FF0000"/>
+                </a:solidFill>
+              </a:rPr>
+              <a:t>Model </a:t>
+            </a:r>
+            <a:r>
+              <a:rPr lang="zh-TW" altLang="en-US" sz="2400" dirty="0">
+                <a:solidFill>
+                  <a:srgbClr val="FF0000"/>
+                </a:solidFill>
+              </a:rPr>
+              <a:t>上註冊，從而，</a:t>
+            </a:r>
+            <a:r>
+              <a:rPr lang="en-US" altLang="zh-TW" sz="2400" dirty="0">
+                <a:solidFill>
+                  <a:srgbClr val="FF0000"/>
+                </a:solidFill>
+              </a:rPr>
+              <a:t>View </a:t>
+            </a:r>
+            <a:r>
+              <a:rPr lang="zh-TW" altLang="en-US" sz="2400" dirty="0">
+                <a:solidFill>
+                  <a:srgbClr val="FF0000"/>
+                </a:solidFill>
+              </a:rPr>
+              <a:t>可以了解在資料 </a:t>
+            </a:r>
+            <a:r>
+              <a:rPr lang="en-US" altLang="zh-TW" sz="2400" dirty="0">
+                <a:solidFill>
+                  <a:srgbClr val="FF0000"/>
+                </a:solidFill>
+              </a:rPr>
+              <a:t>Model </a:t>
+            </a:r>
+            <a:r>
+              <a:rPr lang="zh-TW" altLang="en-US" sz="2400" dirty="0">
+                <a:solidFill>
+                  <a:srgbClr val="FF0000"/>
+                </a:solidFill>
+              </a:rPr>
+              <a:t>上發生的改變</a:t>
+            </a:r>
+            <a:r>
+              <a:rPr lang="zh-TW" altLang="en-US" sz="2400" dirty="0"/>
+              <a:t>。（比較：觀察者模式（軟體設計模式））</a:t>
+            </a:r>
+          </a:p>
+        </p:txBody>
+      </p:sp>
+    </p:spTree>
+    <p:extLst>
+      <p:ext uri="{BB962C8B-B14F-4D97-AF65-F5344CB8AC3E}">
+        <p14:creationId xmlns:p14="http://schemas.microsoft.com/office/powerpoint/2010/main" val="1844727560"/>
+      </p:ext>
+    </p:extLst>
+  </p:cSld>
+  <p:clrMapOvr>
+    <a:masterClrMapping/>
+  </p:clrMapOvr>
+</p:sld>
+</file>
+
+<file path=ppt/slides/slide40.xml><?xml version="1.0" encoding="utf-8"?>
+<p:sld xmlns:a="http://schemas.openxmlformats.org/drawingml/2006/main" xmlns:r="http://schemas.openxmlformats.org/officeDocument/2006/relationships" xmlns:p="http://schemas.openxmlformats.org/presentationml/2006/main">
+  <p:cSld>
+    <p:spTree>
+      <p:nvGrpSpPr>
+        <p:cNvPr id="1" name=""/>
+        <p:cNvGrpSpPr/>
+        <p:nvPr/>
+      </p:nvGrpSpPr>
+      <p:grpSpPr>
+        <a:xfrm>
+          <a:off x="0" y="0"/>
+          <a:ext cx="0" cy="0"/>
+          <a:chOff x="0" y="0"/>
+          <a:chExt cx="0" cy="0"/>
+        </a:xfrm>
+      </p:grpSpPr>
+      <p:sp>
+        <p:nvSpPr>
+          <p:cNvPr id="2" name="標題 1"/>
+          <p:cNvSpPr>
+            <a:spLocks noGrp="1"/>
+          </p:cNvSpPr>
+          <p:nvPr>
+            <p:ph type="title"/>
+          </p:nvPr>
+        </p:nvSpPr>
+        <p:spPr/>
+        <p:txBody>
+          <a:bodyPr/>
+          <a:lstStyle/>
+          <a:p>
+            <a:r>
+              <a:rPr lang="en-US" altLang="zh-TW" dirty="0" smtClean="0"/>
+              <a:t>POST</a:t>
+            </a:r>
+            <a:endParaRPr lang="zh-TW" altLang="en-US" dirty="0"/>
+          </a:p>
+        </p:txBody>
+      </p:sp>
+      <p:sp>
+        <p:nvSpPr>
+          <p:cNvPr id="3" name="內容版面配置區 2"/>
+          <p:cNvSpPr>
+            <a:spLocks noGrp="1"/>
+          </p:cNvSpPr>
+          <p:nvPr>
+            <p:ph idx="1"/>
+          </p:nvPr>
+        </p:nvSpPr>
+        <p:spPr>
+          <a:xfrm>
+            <a:off x="467544" y="1628800"/>
+            <a:ext cx="8229600" cy="4525963"/>
+          </a:xfrm>
+        </p:spPr>
+        <p:txBody>
+          <a:bodyPr>
+            <a:normAutofit/>
+          </a:bodyPr>
+          <a:lstStyle/>
+          <a:p>
+            <a:r>
+              <a:rPr lang="zh-TW" altLang="en-US" sz="1800" dirty="0"/>
+              <a:t>再來看看 </a:t>
+            </a:r>
+            <a:r>
+              <a:rPr lang="en-US" altLang="zh-TW" sz="1800" dirty="0"/>
+              <a:t>POST </a:t>
+            </a:r>
+            <a:r>
+              <a:rPr lang="zh-TW" altLang="en-US" sz="1800" dirty="0"/>
+              <a:t>傳送</a:t>
+            </a:r>
+            <a:r>
+              <a:rPr lang="zh-TW" altLang="en-US" sz="1800" dirty="0" smtClean="0"/>
+              <a:t>資料</a:t>
+            </a:r>
+            <a:endParaRPr lang="en-US" altLang="zh-TW" sz="1800" dirty="0" smtClean="0"/>
+          </a:p>
+          <a:p>
+            <a:endParaRPr lang="en-US" altLang="zh-TW" sz="1800" dirty="0" smtClean="0"/>
+          </a:p>
+          <a:p>
+            <a:endParaRPr lang="en-US" altLang="zh-TW" sz="1800" dirty="0" smtClean="0"/>
+          </a:p>
+          <a:p>
+            <a:endParaRPr lang="en-US" altLang="zh-TW" sz="1800" dirty="0" smtClean="0"/>
+          </a:p>
+          <a:p>
+            <a:r>
+              <a:rPr lang="zh-TW" altLang="en-US" sz="1800" dirty="0"/>
+              <a:t>網址列沒有變化，那我們來看一下 </a:t>
+            </a:r>
+            <a:r>
+              <a:rPr lang="en-US" altLang="zh-TW" sz="1800" dirty="0"/>
+              <a:t>HTTP Request </a:t>
+            </a:r>
+            <a:r>
+              <a:rPr lang="zh-TW" altLang="en-US" sz="1800" dirty="0"/>
+              <a:t>封包的內容：</a:t>
+            </a:r>
+            <a:endParaRPr lang="zh-TW" altLang="en-US" sz="1800" dirty="0"/>
+          </a:p>
+        </p:txBody>
+      </p:sp>
+      <p:pic>
+        <p:nvPicPr>
+          <p:cNvPr id="10242" name="Picture 2"/>
+          <p:cNvPicPr>
+            <a:picLocks noChangeAspect="1" noChangeArrowheads="1"/>
+          </p:cNvPicPr>
+          <p:nvPr/>
+        </p:nvPicPr>
+        <p:blipFill>
+          <a:blip r:embed="rId2">
+            <a:extLst>
+              <a:ext uri="{28A0092B-C50C-407E-A947-70E740481C1C}">
+                <a14:useLocalDpi xmlns:a14="http://schemas.microsoft.com/office/drawing/2010/main" val="0"/>
+              </a:ext>
+            </a:extLst>
+          </a:blip>
+          <a:srcRect/>
+          <a:stretch>
+            <a:fillRect/>
+          </a:stretch>
+        </p:blipFill>
+        <p:spPr bwMode="auto">
+          <a:xfrm>
+            <a:off x="899592" y="1988840"/>
+            <a:ext cx="2781300" cy="885825"/>
+          </a:xfrm>
+          <a:prstGeom prst="rect">
+            <a:avLst/>
+          </a:prstGeom>
+          <a:noFill/>
+          <a:ln>
+            <a:noFill/>
+          </a:ln>
+          <a:extLst>
+            <a:ext uri="{909E8E84-426E-40DD-AFC4-6F175D3DCCD1}">
+              <a14:hiddenFill xmlns:a14="http://schemas.microsoft.com/office/drawing/2010/main">
+                <a:solidFill>
+                  <a:schemeClr val="accent1"/>
+                </a:solidFill>
+              </a14:hiddenFill>
+            </a:ext>
+            <a:ext uri="{91240B29-F687-4F45-9708-019B960494DF}">
+              <a14:hiddenLine xmlns:a14="http://schemas.microsoft.com/office/drawing/2010/main" w="9525">
+                <a:solidFill>
+                  <a:schemeClr val="tx1"/>
+                </a:solidFill>
+                <a:miter lim="800000"/>
+                <a:headEnd/>
+                <a:tailEnd/>
+              </a14:hiddenLine>
+            </a:ext>
+          </a:extLst>
+        </p:spPr>
+      </p:pic>
+      <p:pic>
+        <p:nvPicPr>
+          <p:cNvPr id="10243" name="Picture 3"/>
+          <p:cNvPicPr>
+            <a:picLocks noChangeAspect="1" noChangeArrowheads="1"/>
+          </p:cNvPicPr>
+          <p:nvPr/>
+        </p:nvPicPr>
+        <p:blipFill>
+          <a:blip r:embed="rId3">
+            <a:extLst>
+              <a:ext uri="{28A0092B-C50C-407E-A947-70E740481C1C}">
+                <a14:useLocalDpi xmlns:a14="http://schemas.microsoft.com/office/drawing/2010/main" val="0"/>
+              </a:ext>
+            </a:extLst>
+          </a:blip>
+          <a:srcRect/>
+          <a:stretch>
+            <a:fillRect/>
+          </a:stretch>
+        </p:blipFill>
+        <p:spPr bwMode="auto">
+          <a:xfrm>
+            <a:off x="899593" y="3429000"/>
+            <a:ext cx="4752527" cy="2185761"/>
+          </a:xfrm>
+          <a:prstGeom prst="rect">
+            <a:avLst/>
+          </a:prstGeom>
+          <a:noFill/>
+          <a:ln>
+            <a:noFill/>
+          </a:ln>
+          <a:extLst>
+            <a:ext uri="{909E8E84-426E-40DD-AFC4-6F175D3DCCD1}">
+              <a14:hiddenFill xmlns:a14="http://schemas.microsoft.com/office/drawing/2010/main">
+                <a:solidFill>
+                  <a:schemeClr val="accent1"/>
+                </a:solidFill>
+              </a14:hiddenFill>
+            </a:ext>
+            <a:ext uri="{91240B29-F687-4F45-9708-019B960494DF}">
+              <a14:hiddenLine xmlns:a14="http://schemas.microsoft.com/office/drawing/2010/main" w="9525">
+                <a:solidFill>
+                  <a:schemeClr val="tx1"/>
+                </a:solidFill>
+                <a:miter lim="800000"/>
+                <a:headEnd/>
+                <a:tailEnd/>
+              </a14:hiddenLine>
+            </a:ext>
+          </a:extLst>
+        </p:spPr>
+      </p:pic>
+      <p:sp>
+        <p:nvSpPr>
+          <p:cNvPr id="4" name="矩形 3"/>
+          <p:cNvSpPr/>
+          <p:nvPr/>
+        </p:nvSpPr>
+        <p:spPr>
+          <a:xfrm>
+            <a:off x="778400" y="5657671"/>
+            <a:ext cx="8388424" cy="1200329"/>
+          </a:xfrm>
+          <a:prstGeom prst="rect">
+            <a:avLst/>
+          </a:prstGeom>
+        </p:spPr>
+        <p:txBody>
+          <a:bodyPr wrap="square">
+            <a:spAutoFit/>
+          </a:bodyPr>
+          <a:lstStyle/>
+          <a:p>
+            <a:r>
+              <a:rPr lang="zh-TW" altLang="en-US" dirty="0"/>
+              <a:t>看出個所以然了嗎？原來 </a:t>
+            </a:r>
+            <a:r>
+              <a:rPr lang="en-US" altLang="zh-TW" dirty="0"/>
+              <a:t>POST </a:t>
+            </a:r>
+            <a:r>
+              <a:rPr lang="zh-TW" altLang="en-US" dirty="0"/>
+              <a:t>是將表單資料放在 </a:t>
+            </a:r>
+            <a:r>
+              <a:rPr lang="en-US" altLang="zh-TW" dirty="0"/>
+              <a:t>message-body </a:t>
+            </a:r>
+            <a:r>
+              <a:rPr lang="zh-TW" altLang="en-US" dirty="0"/>
+              <a:t>進行傳送，在不偷看封包的情況下似乎安全一些些</a:t>
+            </a:r>
+            <a:r>
+              <a:rPr lang="en-US" altLang="zh-TW" dirty="0"/>
+              <a:t>.......-_- </a:t>
+            </a:r>
+            <a:r>
+              <a:rPr lang="zh-TW" altLang="en-US" dirty="0"/>
+              <a:t>。此外在傳送檔案的時候會使用到 </a:t>
+            </a:r>
+            <a:r>
+              <a:rPr lang="en-US" altLang="zh-TW" dirty="0"/>
+              <a:t>multi-part </a:t>
+            </a:r>
+            <a:r>
+              <a:rPr lang="zh-TW" altLang="en-US" dirty="0"/>
+              <a:t>編碼，將檔案與其他的表單欄位一併放在 </a:t>
+            </a:r>
+            <a:r>
+              <a:rPr lang="en-US" altLang="zh-TW" dirty="0"/>
+              <a:t>message-body </a:t>
+            </a:r>
+            <a:r>
+              <a:rPr lang="zh-TW" altLang="en-US" dirty="0"/>
+              <a:t>中進行傳送。這就是 </a:t>
+            </a:r>
+            <a:r>
+              <a:rPr lang="en-US" altLang="zh-TW" dirty="0"/>
+              <a:t>GET </a:t>
+            </a:r>
+            <a:r>
+              <a:rPr lang="zh-TW" altLang="en-US" dirty="0"/>
+              <a:t>與 </a:t>
+            </a:r>
+            <a:r>
+              <a:rPr lang="en-US" altLang="zh-TW" dirty="0"/>
+              <a:t>POST </a:t>
+            </a:r>
+            <a:r>
+              <a:rPr lang="zh-TW" altLang="en-US" dirty="0"/>
+              <a:t>發送表單的差異囉。</a:t>
+            </a:r>
+          </a:p>
+        </p:txBody>
+      </p:sp>
+    </p:spTree>
+    <p:extLst>
+      <p:ext uri="{BB962C8B-B14F-4D97-AF65-F5344CB8AC3E}">
+        <p14:creationId xmlns:p14="http://schemas.microsoft.com/office/powerpoint/2010/main" val="2717060484"/>
+      </p:ext>
+    </p:extLst>
+  </p:cSld>
+  <p:clrMapOvr>
+    <a:masterClrMapping/>
+  </p:clrMapOvr>
+  <p:timing>
+    <p:tnLst>
+      <p:par>
+        <p:cTn id="1" dur="indefinite" restart="never" nodeType="tmRoot"/>
+      </p:par>
+    </p:tnLst>
+  </p:timing>
+</p:sld>
+</file>
+
+<file path=ppt/slides/slide41.xml><?xml version="1.0" encoding="utf-8"?>
+<p:sld xmlns:a="http://schemas.openxmlformats.org/drawingml/2006/main" xmlns:r="http://schemas.openxmlformats.org/officeDocument/2006/relationships" xmlns:p="http://schemas.openxmlformats.org/presentationml/2006/main">
+  <p:cSld>
+    <p:spTree>
+      <p:nvGrpSpPr>
+        <p:cNvPr id="1" name=""/>
+        <p:cNvGrpSpPr/>
+        <p:nvPr/>
+      </p:nvGrpSpPr>
+      <p:grpSpPr>
+        <a:xfrm>
+          <a:off x="0" y="0"/>
+          <a:ext cx="0" cy="0"/>
+          <a:chOff x="0" y="0"/>
+          <a:chExt cx="0" cy="0"/>
+        </a:xfrm>
+      </p:grpSpPr>
+      <p:sp>
+        <p:nvSpPr>
+          <p:cNvPr id="4" name="標題 3"/>
+          <p:cNvSpPr>
+            <a:spLocks noGrp="1"/>
+          </p:cNvSpPr>
+          <p:nvPr>
+            <p:ph type="title"/>
+          </p:nvPr>
+        </p:nvSpPr>
+        <p:spPr/>
+        <p:txBody>
+          <a:bodyPr>
+            <a:normAutofit/>
+          </a:bodyPr>
+          <a:lstStyle/>
+          <a:p>
+            <a:r>
+              <a:rPr lang="en-US" altLang="zh-TW" dirty="0"/>
+              <a:t>[Day 10] </a:t>
+            </a:r>
+            <a:r>
+              <a:rPr lang="zh-TW" altLang="en-US" dirty="0"/>
+              <a:t>如何用</a:t>
+            </a:r>
+            <a:r>
+              <a:rPr lang="en-US" altLang="zh-TW" dirty="0"/>
+              <a:t>ASP.NET MVC</a:t>
+            </a:r>
+            <a:r>
+              <a:rPr lang="zh-TW" altLang="en-US" dirty="0"/>
+              <a:t>接收</a:t>
+            </a:r>
+            <a:r>
+              <a:rPr lang="en-US" altLang="zh-TW" dirty="0"/>
+              <a:t>Get</a:t>
+            </a:r>
+            <a:r>
+              <a:rPr lang="zh-TW" altLang="en-US" dirty="0" smtClean="0"/>
+              <a:t>資料</a:t>
+            </a:r>
+            <a:endParaRPr lang="zh-TW" altLang="en-US" dirty="0"/>
+          </a:p>
+        </p:txBody>
+      </p:sp>
+      <p:sp>
+        <p:nvSpPr>
+          <p:cNvPr id="5" name="文字版面配置區 4"/>
+          <p:cNvSpPr>
+            <a:spLocks noGrp="1"/>
+          </p:cNvSpPr>
+          <p:nvPr>
+            <p:ph type="body" idx="1"/>
+          </p:nvPr>
+        </p:nvSpPr>
+        <p:spPr/>
+        <p:txBody>
+          <a:bodyPr/>
+          <a:lstStyle/>
+          <a:p>
+            <a:r>
+              <a:rPr lang="en-US" altLang="zh-TW" dirty="0"/>
+              <a:t>https://ithelp.ithome.com.tw/articles/10192256</a:t>
+            </a:r>
+            <a:endParaRPr lang="zh-TW" altLang="en-US" dirty="0"/>
+          </a:p>
+        </p:txBody>
+      </p:sp>
+    </p:spTree>
+    <p:extLst>
+      <p:ext uri="{BB962C8B-B14F-4D97-AF65-F5344CB8AC3E}">
+        <p14:creationId xmlns:p14="http://schemas.microsoft.com/office/powerpoint/2010/main" val="1246962132"/>
+      </p:ext>
+    </p:extLst>
+  </p:cSld>
+  <p:clrMapOvr>
+    <a:masterClrMapping/>
+  </p:clrMapOvr>
+  <p:timing>
+    <p:tnLst>
+      <p:par>
+        <p:cTn id="1" dur="indefinite" restart="never" nodeType="tmRoot"/>
+      </p:par>
+    </p:tnLst>
+  </p:timing>
+</p:sld>
+</file>
+
+<file path=ppt/slides/slide42.xml><?xml version="1.0" encoding="utf-8"?>
+<p:sld xmlns:a="http://schemas.openxmlformats.org/drawingml/2006/main" xmlns:r="http://schemas.openxmlformats.org/officeDocument/2006/relationships" xmlns:p="http://schemas.openxmlformats.org/presentationml/2006/main">
+  <p:cSld>
+    <p:spTree>
+      <p:nvGrpSpPr>
+        <p:cNvPr id="1" name=""/>
+        <p:cNvGrpSpPr/>
+        <p:nvPr/>
+      </p:nvGrpSpPr>
+      <p:grpSpPr>
+        <a:xfrm>
+          <a:off x="0" y="0"/>
+          <a:ext cx="0" cy="0"/>
+          <a:chOff x="0" y="0"/>
+          <a:chExt cx="0" cy="0"/>
+        </a:xfrm>
+      </p:grpSpPr>
+      <p:sp>
+        <p:nvSpPr>
+          <p:cNvPr id="2" name="標題 1"/>
+          <p:cNvSpPr>
+            <a:spLocks noGrp="1"/>
+          </p:cNvSpPr>
+          <p:nvPr>
+            <p:ph type="title"/>
+          </p:nvPr>
+        </p:nvSpPr>
+        <p:spPr/>
+        <p:txBody>
+          <a:bodyPr/>
+          <a:lstStyle/>
+          <a:p>
+            <a:endParaRPr lang="zh-TW" altLang="en-US"/>
+          </a:p>
+        </p:txBody>
+      </p:sp>
+      <p:sp>
+        <p:nvSpPr>
+          <p:cNvPr id="3" name="內容版面配置區 2"/>
+          <p:cNvSpPr>
+            <a:spLocks noGrp="1"/>
+          </p:cNvSpPr>
+          <p:nvPr>
+            <p:ph idx="1"/>
+          </p:nvPr>
+        </p:nvSpPr>
+        <p:spPr/>
+        <p:txBody>
+          <a:bodyPr>
+            <a:normAutofit/>
+          </a:bodyPr>
+          <a:lstStyle/>
+          <a:p>
+            <a:r>
+              <a:rPr lang="zh-TW" altLang="en-US" sz="1800" dirty="0"/>
+              <a:t>我們在</a:t>
+            </a:r>
+            <a:r>
+              <a:rPr lang="en-US" altLang="zh-TW" sz="1800" dirty="0"/>
+              <a:t>Views/Home</a:t>
+            </a:r>
+            <a:r>
+              <a:rPr lang="zh-TW" altLang="en-US" sz="1800" dirty="0"/>
+              <a:t>底下新建了一個</a:t>
+            </a:r>
+            <a:r>
+              <a:rPr lang="en-US" altLang="zh-TW" sz="1800" dirty="0" err="1"/>
+              <a:t>Transcripts.cshtml</a:t>
+            </a:r>
+            <a:r>
+              <a:rPr lang="zh-TW" altLang="en-US" sz="1800" dirty="0"/>
+              <a:t>，並且在</a:t>
+            </a:r>
+            <a:r>
+              <a:rPr lang="en-US" altLang="zh-TW" sz="1800" dirty="0" err="1"/>
+              <a:t>HomeController</a:t>
+            </a:r>
+            <a:r>
+              <a:rPr lang="zh-TW" altLang="en-US" sz="1800" dirty="0"/>
+              <a:t>加上了一個</a:t>
+            </a:r>
+            <a:r>
+              <a:rPr lang="en-US" altLang="zh-TW" sz="1800" dirty="0"/>
+              <a:t>Transcripts</a:t>
+            </a:r>
+            <a:r>
+              <a:rPr lang="zh-TW" altLang="en-US" sz="1800" dirty="0"/>
+              <a:t>函式，這個函式可以接收</a:t>
+            </a:r>
+            <a:r>
+              <a:rPr lang="en-US" altLang="zh-TW" sz="1800" dirty="0"/>
+              <a:t>id, name, score</a:t>
+            </a:r>
+            <a:r>
+              <a:rPr lang="zh-TW" altLang="en-US" sz="1800" dirty="0"/>
+              <a:t>並且輸出到畫面上，以下是</a:t>
+            </a:r>
+            <a:r>
+              <a:rPr lang="en-US" altLang="zh-TW" sz="1800" dirty="0"/>
+              <a:t>Home/</a:t>
+            </a:r>
+            <a:r>
+              <a:rPr lang="en-US" altLang="zh-TW" sz="1800" dirty="0" err="1"/>
+              <a:t>Index.cshtml</a:t>
+            </a:r>
+            <a:r>
+              <a:rPr lang="zh-TW" altLang="en-US" sz="1800" dirty="0"/>
+              <a:t>的內容，跟上次有些許的不一樣，</a:t>
+            </a:r>
+            <a:endParaRPr lang="zh-TW" altLang="en-US" sz="1800" dirty="0"/>
+          </a:p>
+        </p:txBody>
+      </p:sp>
+      <p:sp>
+        <p:nvSpPr>
+          <p:cNvPr id="4" name="矩形 3"/>
+          <p:cNvSpPr/>
+          <p:nvPr/>
+        </p:nvSpPr>
+        <p:spPr>
+          <a:xfrm>
+            <a:off x="827584" y="2564904"/>
+            <a:ext cx="6264696" cy="3908762"/>
+          </a:xfrm>
+          <a:prstGeom prst="rect">
+            <a:avLst/>
+          </a:prstGeom>
+        </p:spPr>
+        <p:txBody>
+          <a:bodyPr wrap="square">
+            <a:spAutoFit/>
+          </a:bodyPr>
+          <a:lstStyle/>
+          <a:p>
+            <a:r>
+              <a:rPr lang="en-US" altLang="zh-TW" sz="800" dirty="0"/>
+              <a:t>@{</a:t>
+            </a:r>
+          </a:p>
+          <a:p>
+            <a:r>
+              <a:rPr lang="en-US" altLang="zh-TW" sz="800" dirty="0"/>
+              <a:t>    </a:t>
+            </a:r>
+            <a:r>
+              <a:rPr lang="en-US" altLang="zh-TW" sz="800" dirty="0" err="1"/>
+              <a:t>ViewBag.Title</a:t>
+            </a:r>
+            <a:r>
+              <a:rPr lang="en-US" altLang="zh-TW" sz="800" dirty="0"/>
+              <a:t> = "Home Page";</a:t>
+            </a:r>
+          </a:p>
+          <a:p>
+            <a:r>
+              <a:rPr lang="en-US" altLang="zh-TW" sz="800" dirty="0"/>
+              <a:t>    Layout = null;</a:t>
+            </a:r>
+          </a:p>
+          <a:p>
+            <a:endParaRPr lang="en-US" altLang="zh-TW" sz="800" dirty="0"/>
+          </a:p>
+          <a:p>
+            <a:r>
+              <a:rPr lang="en-US" altLang="zh-TW" sz="800" dirty="0"/>
+              <a:t>    </a:t>
+            </a:r>
+            <a:r>
+              <a:rPr lang="en-US" altLang="zh-TW" sz="800" dirty="0" err="1"/>
+              <a:t>var</a:t>
+            </a:r>
+            <a:r>
+              <a:rPr lang="en-US" altLang="zh-TW" sz="800" dirty="0"/>
+              <a:t> date = </a:t>
+            </a:r>
+            <a:r>
+              <a:rPr lang="en-US" altLang="zh-TW" sz="800" dirty="0" err="1"/>
+              <a:t>ViewBag.Date</a:t>
+            </a:r>
+            <a:r>
+              <a:rPr lang="en-US" altLang="zh-TW" sz="800" dirty="0"/>
+              <a:t>;</a:t>
+            </a:r>
+          </a:p>
+          <a:p>
+            <a:r>
+              <a:rPr lang="en-US" altLang="zh-TW" sz="800" dirty="0"/>
+              <a:t>    </a:t>
+            </a:r>
+            <a:r>
+              <a:rPr lang="en-US" altLang="zh-TW" sz="800" dirty="0" err="1"/>
+              <a:t>var</a:t>
+            </a:r>
+            <a:r>
+              <a:rPr lang="en-US" altLang="zh-TW" sz="800" dirty="0"/>
+              <a:t> student = </a:t>
+            </a:r>
+            <a:r>
+              <a:rPr lang="en-US" altLang="zh-TW" sz="800" dirty="0" err="1"/>
+              <a:t>ViewBag.Student</a:t>
+            </a:r>
+            <a:r>
+              <a:rPr lang="en-US" altLang="zh-TW" sz="800" dirty="0"/>
+              <a:t>;</a:t>
+            </a:r>
+          </a:p>
+          <a:p>
+            <a:r>
+              <a:rPr lang="en-US" altLang="zh-TW" sz="800" dirty="0"/>
+              <a:t>    </a:t>
+            </a:r>
+            <a:r>
+              <a:rPr lang="en-US" altLang="zh-TW" sz="800" dirty="0" err="1"/>
+              <a:t>var</a:t>
+            </a:r>
+            <a:r>
+              <a:rPr lang="en-US" altLang="zh-TW" sz="800" dirty="0"/>
+              <a:t> list = </a:t>
+            </a:r>
+            <a:r>
+              <a:rPr lang="en-US" altLang="zh-TW" sz="800" dirty="0" err="1"/>
+              <a:t>ViewBag.List</a:t>
+            </a:r>
+            <a:r>
+              <a:rPr lang="en-US" altLang="zh-TW" sz="800" dirty="0"/>
+              <a:t>;</a:t>
+            </a:r>
+          </a:p>
+          <a:p>
+            <a:r>
+              <a:rPr lang="en-US" altLang="zh-TW" sz="800" dirty="0"/>
+              <a:t>}</a:t>
+            </a:r>
+          </a:p>
+          <a:p>
+            <a:endParaRPr lang="en-US" altLang="zh-TW" sz="800" dirty="0"/>
+          </a:p>
+          <a:p>
+            <a:r>
+              <a:rPr lang="en-US" altLang="zh-TW" sz="800" dirty="0"/>
+              <a:t>@model </a:t>
+            </a:r>
+            <a:r>
+              <a:rPr lang="en-US" altLang="zh-TW" sz="800" dirty="0" err="1"/>
+              <a:t>MVCTest.Models.Student</a:t>
+            </a:r>
+            <a:endParaRPr lang="en-US" altLang="zh-TW" sz="800" dirty="0"/>
+          </a:p>
+          <a:p>
+            <a:endParaRPr lang="en-US" altLang="zh-TW" sz="800" dirty="0"/>
+          </a:p>
+          <a:p>
+            <a:r>
+              <a:rPr lang="en-US" altLang="zh-TW" sz="800" dirty="0"/>
+              <a:t>@</a:t>
+            </a:r>
+            <a:r>
+              <a:rPr lang="en-US" altLang="zh-TW" sz="800" dirty="0" err="1"/>
+              <a:t>Styles.Render</a:t>
+            </a:r>
+            <a:r>
+              <a:rPr lang="en-US" altLang="zh-TW" sz="800" dirty="0"/>
+              <a:t>("~/Content/</a:t>
+            </a:r>
+            <a:r>
+              <a:rPr lang="en-US" altLang="zh-TW" sz="800" dirty="0" err="1"/>
+              <a:t>css</a:t>
+            </a:r>
+            <a:r>
+              <a:rPr lang="en-US" altLang="zh-TW" sz="800" dirty="0"/>
+              <a:t>")</a:t>
+            </a:r>
+          </a:p>
+          <a:p>
+            <a:r>
+              <a:rPr lang="en-US" altLang="zh-TW" sz="800" dirty="0"/>
+              <a:t>@</a:t>
+            </a:r>
+            <a:r>
+              <a:rPr lang="en-US" altLang="zh-TW" sz="800" dirty="0" err="1"/>
+              <a:t>Scripts.Render</a:t>
+            </a:r>
+            <a:r>
+              <a:rPr lang="en-US" altLang="zh-TW" sz="800" dirty="0"/>
+              <a:t>("~/bundles/</a:t>
+            </a:r>
+            <a:r>
+              <a:rPr lang="en-US" altLang="zh-TW" sz="800" dirty="0" err="1"/>
+              <a:t>modernizr</a:t>
+            </a:r>
+            <a:r>
+              <a:rPr lang="en-US" altLang="zh-TW" sz="800" dirty="0"/>
+              <a:t>")</a:t>
+            </a:r>
+          </a:p>
+          <a:p>
+            <a:endParaRPr lang="en-US" altLang="zh-TW" sz="800" dirty="0"/>
+          </a:p>
+          <a:p>
+            <a:r>
+              <a:rPr lang="en-US" altLang="zh-TW" sz="800" dirty="0">
+                <a:solidFill>
+                  <a:srgbClr val="FF0000"/>
+                </a:solidFill>
+              </a:rPr>
+              <a:t>&lt;form style="margin-left:10px;" method="get" action="/Home/Transcripts"&gt;</a:t>
+            </a:r>
+          </a:p>
+          <a:p>
+            <a:r>
+              <a:rPr lang="en-US" altLang="zh-TW" sz="800" dirty="0"/>
+              <a:t>    &lt;div class="form-group"&gt;</a:t>
+            </a:r>
+          </a:p>
+          <a:p>
+            <a:r>
+              <a:rPr lang="en-US" altLang="zh-TW" sz="800" dirty="0"/>
+              <a:t>        &lt;label for="exampleInputEmail1"&gt;</a:t>
+            </a:r>
+            <a:r>
+              <a:rPr lang="zh-TW" altLang="en-US" sz="800" dirty="0"/>
+              <a:t>學號</a:t>
+            </a:r>
+            <a:r>
+              <a:rPr lang="en-US" altLang="zh-TW" sz="800" dirty="0"/>
+              <a:t>&lt;/label&gt;</a:t>
+            </a:r>
+          </a:p>
+          <a:p>
+            <a:r>
+              <a:rPr lang="en-US" altLang="zh-TW" sz="800" dirty="0"/>
+              <a:t>        &lt;input type="text" class="form-control" id="id" </a:t>
+            </a:r>
+            <a:r>
+              <a:rPr lang="en-US" altLang="zh-TW" sz="800" dirty="0">
+                <a:solidFill>
+                  <a:srgbClr val="FF0000"/>
+                </a:solidFill>
+              </a:rPr>
+              <a:t>name="id" </a:t>
+            </a:r>
+            <a:r>
+              <a:rPr lang="en-US" altLang="zh-TW" sz="800" dirty="0"/>
+              <a:t>aria-</a:t>
+            </a:r>
+            <a:r>
+              <a:rPr lang="en-US" altLang="zh-TW" sz="800" dirty="0" err="1"/>
+              <a:t>describedby</a:t>
+            </a:r>
+            <a:r>
+              <a:rPr lang="en-US" altLang="zh-TW" sz="800" dirty="0"/>
+              <a:t>="</a:t>
+            </a:r>
+            <a:r>
+              <a:rPr lang="en-US" altLang="zh-TW" sz="800" dirty="0" err="1"/>
+              <a:t>emailHelp</a:t>
+            </a:r>
+            <a:r>
+              <a:rPr lang="en-US" altLang="zh-TW" sz="800" dirty="0"/>
+              <a:t>" placeholder="Enter email" value="@Model.id"&gt;</a:t>
+            </a:r>
+          </a:p>
+          <a:p>
+            <a:r>
+              <a:rPr lang="en-US" altLang="zh-TW" sz="800" dirty="0"/>
+              <a:t>        &lt;small id="</a:t>
+            </a:r>
+            <a:r>
+              <a:rPr lang="en-US" altLang="zh-TW" sz="800" dirty="0" err="1"/>
+              <a:t>emailHelp</a:t>
+            </a:r>
+            <a:r>
+              <a:rPr lang="en-US" altLang="zh-TW" sz="800" dirty="0"/>
+              <a:t>" class="form-text text-muted"&gt;</a:t>
+            </a:r>
+            <a:r>
+              <a:rPr lang="zh-TW" altLang="en-US" sz="800" dirty="0"/>
+              <a:t>請輸入數字</a:t>
+            </a:r>
+            <a:r>
+              <a:rPr lang="en-US" altLang="zh-TW" sz="800" dirty="0"/>
+              <a:t>&lt;/small&gt;</a:t>
+            </a:r>
+          </a:p>
+          <a:p>
+            <a:r>
+              <a:rPr lang="en-US" altLang="zh-TW" sz="800" dirty="0"/>
+              <a:t>    &lt;/div&gt;</a:t>
+            </a:r>
+          </a:p>
+          <a:p>
+            <a:r>
+              <a:rPr lang="en-US" altLang="zh-TW" sz="800" dirty="0"/>
+              <a:t>    &lt;div class="form-group"&gt;</a:t>
+            </a:r>
+          </a:p>
+          <a:p>
+            <a:r>
+              <a:rPr lang="en-US" altLang="zh-TW" sz="800" dirty="0"/>
+              <a:t>        &lt;label for="exampleInputPassword1"&gt;</a:t>
+            </a:r>
+            <a:r>
+              <a:rPr lang="zh-TW" altLang="en-US" sz="800" dirty="0"/>
+              <a:t>姓名</a:t>
+            </a:r>
+            <a:r>
+              <a:rPr lang="en-US" altLang="zh-TW" sz="800" dirty="0"/>
+              <a:t>&lt;/label&gt;</a:t>
+            </a:r>
+          </a:p>
+          <a:p>
+            <a:r>
+              <a:rPr lang="en-US" altLang="zh-TW" sz="800" dirty="0"/>
+              <a:t>        &lt;input type="text" class="form-control" id="name" </a:t>
+            </a:r>
+            <a:r>
+              <a:rPr lang="en-US" altLang="zh-TW" sz="800" dirty="0">
+                <a:solidFill>
+                  <a:srgbClr val="FF0000"/>
+                </a:solidFill>
+              </a:rPr>
+              <a:t>name="name" </a:t>
+            </a:r>
+            <a:r>
+              <a:rPr lang="en-US" altLang="zh-TW" sz="800" dirty="0"/>
+              <a:t>placeholder="Password" value="@Model.name"&gt;</a:t>
+            </a:r>
+          </a:p>
+          <a:p>
+            <a:r>
+              <a:rPr lang="en-US" altLang="zh-TW" sz="800" dirty="0"/>
+              <a:t>    &lt;/div&gt;</a:t>
+            </a:r>
+          </a:p>
+          <a:p>
+            <a:r>
+              <a:rPr lang="en-US" altLang="zh-TW" sz="800" dirty="0"/>
+              <a:t>    &lt;div class="form-group"&gt;</a:t>
+            </a:r>
+          </a:p>
+          <a:p>
+            <a:r>
+              <a:rPr lang="en-US" altLang="zh-TW" sz="800" dirty="0"/>
+              <a:t>        &lt;label for="exampleInputEmail1"&gt;</a:t>
+            </a:r>
+            <a:r>
+              <a:rPr lang="zh-TW" altLang="en-US" sz="800" dirty="0"/>
+              <a:t>分數</a:t>
+            </a:r>
+            <a:r>
+              <a:rPr lang="en-US" altLang="zh-TW" sz="800" dirty="0"/>
+              <a:t>&lt;/label&gt;</a:t>
+            </a:r>
+          </a:p>
+          <a:p>
+            <a:r>
+              <a:rPr lang="en-US" altLang="zh-TW" sz="800" dirty="0"/>
+              <a:t>        &lt;input type="text" class="form-control" id="score" </a:t>
+            </a:r>
+            <a:r>
+              <a:rPr lang="en-US" altLang="zh-TW" sz="800" dirty="0">
+                <a:solidFill>
+                  <a:srgbClr val="FF0000"/>
+                </a:solidFill>
+              </a:rPr>
+              <a:t>name="score" </a:t>
+            </a:r>
+            <a:r>
+              <a:rPr lang="en-US" altLang="zh-TW" sz="800" dirty="0"/>
+              <a:t>aria-</a:t>
+            </a:r>
+            <a:r>
+              <a:rPr lang="en-US" altLang="zh-TW" sz="800" dirty="0" err="1"/>
+              <a:t>describedby</a:t>
+            </a:r>
+            <a:r>
+              <a:rPr lang="en-US" altLang="zh-TW" sz="800" dirty="0"/>
+              <a:t>="</a:t>
+            </a:r>
+            <a:r>
+              <a:rPr lang="en-US" altLang="zh-TW" sz="800" dirty="0" err="1"/>
+              <a:t>emailHelp</a:t>
+            </a:r>
+            <a:r>
+              <a:rPr lang="en-US" altLang="zh-TW" sz="800" dirty="0"/>
+              <a:t>" placeholder="Enter email" value="@</a:t>
+            </a:r>
+            <a:r>
+              <a:rPr lang="en-US" altLang="zh-TW" sz="800" dirty="0" err="1"/>
+              <a:t>Model.score</a:t>
+            </a:r>
+            <a:r>
+              <a:rPr lang="en-US" altLang="zh-TW" sz="800" dirty="0"/>
+              <a:t>"&gt;</a:t>
+            </a:r>
+          </a:p>
+          <a:p>
+            <a:r>
+              <a:rPr lang="en-US" altLang="zh-TW" sz="800" dirty="0"/>
+              <a:t>    &lt;/div&gt;</a:t>
+            </a:r>
+          </a:p>
+          <a:p>
+            <a:r>
+              <a:rPr lang="en-US" altLang="zh-TW" sz="800" dirty="0"/>
+              <a:t>    &lt;button type="submit" class="</a:t>
+            </a:r>
+            <a:r>
+              <a:rPr lang="en-US" altLang="zh-TW" sz="800" dirty="0" err="1"/>
+              <a:t>btn</a:t>
+            </a:r>
+            <a:r>
+              <a:rPr lang="en-US" altLang="zh-TW" sz="800" dirty="0"/>
+              <a:t> </a:t>
+            </a:r>
+            <a:r>
+              <a:rPr lang="en-US" altLang="zh-TW" sz="800" dirty="0" err="1"/>
+              <a:t>btn</a:t>
+            </a:r>
+            <a:r>
+              <a:rPr lang="en-US" altLang="zh-TW" sz="800" dirty="0"/>
+              <a:t>-primary"&gt;</a:t>
+            </a:r>
+            <a:r>
+              <a:rPr lang="zh-TW" altLang="en-US" sz="800" dirty="0"/>
+              <a:t>確定</a:t>
+            </a:r>
+            <a:r>
+              <a:rPr lang="en-US" altLang="zh-TW" sz="800" dirty="0"/>
+              <a:t>&lt;/button&gt;</a:t>
+            </a:r>
+          </a:p>
+          <a:p>
+            <a:r>
+              <a:rPr lang="en-US" altLang="zh-TW" sz="800" dirty="0"/>
+              <a:t>&lt;/form&gt;</a:t>
+            </a:r>
+            <a:endParaRPr lang="zh-TW" altLang="en-US" sz="800" dirty="0"/>
+          </a:p>
+        </p:txBody>
+      </p:sp>
+      <p:sp>
+        <p:nvSpPr>
+          <p:cNvPr id="5" name="矩形 4"/>
+          <p:cNvSpPr/>
+          <p:nvPr/>
+        </p:nvSpPr>
+        <p:spPr>
+          <a:xfrm>
+            <a:off x="2771800" y="2636912"/>
+            <a:ext cx="6192688" cy="1754326"/>
+          </a:xfrm>
+          <a:prstGeom prst="rect">
+            <a:avLst/>
+          </a:prstGeom>
+        </p:spPr>
+        <p:txBody>
+          <a:bodyPr wrap="square">
+            <a:spAutoFit/>
+          </a:bodyPr>
+          <a:lstStyle/>
+          <a:p>
+            <a:r>
+              <a:rPr lang="zh-TW" altLang="en-US" dirty="0"/>
+              <a:t>我們注意到每個</a:t>
+            </a:r>
+            <a:r>
+              <a:rPr lang="en-US" altLang="zh-TW" dirty="0"/>
+              <a:t>input type="text"</a:t>
+            </a:r>
+            <a:r>
+              <a:rPr lang="zh-TW" altLang="en-US" dirty="0"/>
+              <a:t>都多了一個</a:t>
+            </a:r>
+            <a:r>
+              <a:rPr lang="en-US" altLang="zh-TW" dirty="0"/>
+              <a:t>name</a:t>
+            </a:r>
+            <a:r>
+              <a:rPr lang="zh-TW" altLang="en-US" dirty="0"/>
+              <a:t>，傳送表單的</a:t>
+            </a:r>
+            <a:r>
+              <a:rPr lang="en-US" altLang="zh-TW" dirty="0"/>
+              <a:t>Get</a:t>
+            </a:r>
+            <a:r>
+              <a:rPr lang="zh-TW" altLang="en-US" dirty="0"/>
+              <a:t>或</a:t>
+            </a:r>
+            <a:r>
+              <a:rPr lang="en-US" altLang="zh-TW" dirty="0"/>
+              <a:t>Post</a:t>
+            </a:r>
+            <a:r>
+              <a:rPr lang="zh-TW" altLang="en-US" dirty="0"/>
+              <a:t>事實上它接收的就是這個</a:t>
+            </a:r>
+            <a:r>
+              <a:rPr lang="en-US" altLang="zh-TW" dirty="0"/>
+              <a:t>name</a:t>
+            </a:r>
+            <a:r>
+              <a:rPr lang="zh-TW" altLang="en-US" dirty="0"/>
+              <a:t>，當按下按鈕的時候</a:t>
+            </a:r>
+            <a:r>
+              <a:rPr lang="zh-TW" altLang="en-US" dirty="0" smtClean="0"/>
+              <a:t>，</a:t>
+            </a:r>
+            <a:r>
+              <a:rPr lang="zh-TW" altLang="en-US" dirty="0"/>
+              <a:t>會將資料傳到</a:t>
+            </a:r>
+            <a:r>
+              <a:rPr lang="en-US" altLang="zh-TW" dirty="0"/>
+              <a:t>/Home/Transcripts</a:t>
+            </a:r>
+            <a:r>
+              <a:rPr lang="zh-TW" altLang="en-US" dirty="0"/>
+              <a:t>，最前面的斜線代表網頁的根目錄，</a:t>
+            </a:r>
+            <a:r>
+              <a:rPr lang="en-US" altLang="zh-TW" dirty="0"/>
+              <a:t>MVC</a:t>
+            </a:r>
+            <a:r>
+              <a:rPr lang="zh-TW" altLang="en-US" dirty="0"/>
+              <a:t>會先去執行</a:t>
+            </a:r>
+            <a:r>
+              <a:rPr lang="en-US" altLang="zh-TW" dirty="0" err="1"/>
+              <a:t>HomeController</a:t>
+            </a:r>
+            <a:r>
+              <a:rPr lang="zh-TW" altLang="en-US" dirty="0"/>
+              <a:t>的</a:t>
+            </a:r>
+            <a:r>
+              <a:rPr lang="en-US" altLang="zh-TW" dirty="0"/>
+              <a:t>Transcripts</a:t>
+            </a:r>
+            <a:r>
+              <a:rPr lang="zh-TW" altLang="en-US" dirty="0"/>
+              <a:t>函式，而下面是</a:t>
+            </a:r>
+            <a:r>
+              <a:rPr lang="en-US" altLang="zh-TW" dirty="0" err="1"/>
+              <a:t>HomeController</a:t>
+            </a:r>
+            <a:r>
+              <a:rPr lang="zh-TW" altLang="en-US" dirty="0"/>
+              <a:t>的部分，基本上偷懶用上次的方式再傳一次資料就好了，</a:t>
+            </a:r>
+            <a:endParaRPr lang="zh-TW" altLang="en-US" dirty="0"/>
+          </a:p>
+        </p:txBody>
+      </p:sp>
+    </p:spTree>
+    <p:extLst>
+      <p:ext uri="{BB962C8B-B14F-4D97-AF65-F5344CB8AC3E}">
+        <p14:creationId xmlns:p14="http://schemas.microsoft.com/office/powerpoint/2010/main" val="102571275"/>
+      </p:ext>
+    </p:extLst>
+  </p:cSld>
+  <p:clrMapOvr>
+    <a:masterClrMapping/>
+  </p:clrMapOvr>
+  <p:timing>
+    <p:tnLst>
+      <p:par>
+        <p:cTn id="1" dur="indefinite" restart="never" nodeType="tmRoot"/>
+      </p:par>
+    </p:tnLst>
+  </p:timing>
+</p:sld>
+</file>
+
+<file path=ppt/slides/slide43.xml><?xml version="1.0" encoding="utf-8"?>
+<p:sld xmlns:a="http://schemas.openxmlformats.org/drawingml/2006/main" xmlns:r="http://schemas.openxmlformats.org/officeDocument/2006/relationships" xmlns:p="http://schemas.openxmlformats.org/presentationml/2006/main">
+  <p:cSld>
+    <p:spTree>
+      <p:nvGrpSpPr>
+        <p:cNvPr id="1" name=""/>
+        <p:cNvGrpSpPr/>
+        <p:nvPr/>
+      </p:nvGrpSpPr>
+      <p:grpSpPr>
+        <a:xfrm>
+          <a:off x="0" y="0"/>
+          <a:ext cx="0" cy="0"/>
+          <a:chOff x="0" y="0"/>
+          <a:chExt cx="0" cy="0"/>
+        </a:xfrm>
+      </p:grpSpPr>
+      <p:sp>
+        <p:nvSpPr>
+          <p:cNvPr id="2" name="標題 1"/>
+          <p:cNvSpPr>
+            <a:spLocks noGrp="1"/>
+          </p:cNvSpPr>
+          <p:nvPr>
+            <p:ph type="title"/>
+          </p:nvPr>
+        </p:nvSpPr>
+        <p:spPr/>
+        <p:txBody>
+          <a:bodyPr/>
+          <a:lstStyle/>
+          <a:p>
+            <a:endParaRPr lang="zh-TW" altLang="en-US"/>
+          </a:p>
+        </p:txBody>
+      </p:sp>
+      <p:sp>
+        <p:nvSpPr>
+          <p:cNvPr id="3" name="內容版面配置區 2"/>
+          <p:cNvSpPr>
+            <a:spLocks noGrp="1"/>
+          </p:cNvSpPr>
+          <p:nvPr>
+            <p:ph idx="1"/>
+          </p:nvPr>
+        </p:nvSpPr>
+        <p:spPr/>
+        <p:txBody>
+          <a:bodyPr/>
+          <a:lstStyle/>
+          <a:p>
+            <a:endParaRPr lang="zh-TW" altLang="en-US" dirty="0"/>
+          </a:p>
+        </p:txBody>
+      </p:sp>
+      <p:pic>
+        <p:nvPicPr>
+          <p:cNvPr id="11266" name="Picture 2"/>
+          <p:cNvPicPr>
+            <a:picLocks noChangeAspect="1" noChangeArrowheads="1"/>
+          </p:cNvPicPr>
+          <p:nvPr/>
+        </p:nvPicPr>
+        <p:blipFill>
+          <a:blip r:embed="rId2">
+            <a:extLst>
+              <a:ext uri="{28A0092B-C50C-407E-A947-70E740481C1C}">
+                <a14:useLocalDpi xmlns:a14="http://schemas.microsoft.com/office/drawing/2010/main" val="0"/>
+              </a:ext>
+            </a:extLst>
+          </a:blip>
+          <a:srcRect/>
+          <a:stretch>
+            <a:fillRect/>
+          </a:stretch>
+        </p:blipFill>
+        <p:spPr bwMode="auto">
+          <a:xfrm>
+            <a:off x="251520" y="1676827"/>
+            <a:ext cx="5303946" cy="4824536"/>
+          </a:xfrm>
+          <a:prstGeom prst="rect">
+            <a:avLst/>
+          </a:prstGeom>
+          <a:noFill/>
+          <a:ln>
+            <a:noFill/>
+          </a:ln>
+          <a:extLst>
+            <a:ext uri="{909E8E84-426E-40DD-AFC4-6F175D3DCCD1}">
+              <a14:hiddenFill xmlns:a14="http://schemas.microsoft.com/office/drawing/2010/main">
+                <a:solidFill>
+                  <a:schemeClr val="accent1"/>
+                </a:solidFill>
+              </a14:hiddenFill>
+            </a:ext>
+            <a:ext uri="{91240B29-F687-4F45-9708-019B960494DF}">
+              <a14:hiddenLine xmlns:a14="http://schemas.microsoft.com/office/drawing/2010/main" w="9525">
+                <a:solidFill>
+                  <a:schemeClr val="tx1"/>
+                </a:solidFill>
+                <a:miter lim="800000"/>
+                <a:headEnd/>
+                <a:tailEnd/>
+              </a14:hiddenLine>
+            </a:ext>
+          </a:extLst>
+        </p:spPr>
+      </p:pic>
+      <p:pic>
+        <p:nvPicPr>
+          <p:cNvPr id="11267" name="Picture 3"/>
+          <p:cNvPicPr>
+            <a:picLocks noChangeAspect="1" noChangeArrowheads="1"/>
+          </p:cNvPicPr>
+          <p:nvPr/>
+        </p:nvPicPr>
+        <p:blipFill>
+          <a:blip r:embed="rId3">
+            <a:extLst>
+              <a:ext uri="{28A0092B-C50C-407E-A947-70E740481C1C}">
+                <a14:useLocalDpi xmlns:a14="http://schemas.microsoft.com/office/drawing/2010/main" val="0"/>
+              </a:ext>
+            </a:extLst>
+          </a:blip>
+          <a:srcRect/>
+          <a:stretch>
+            <a:fillRect/>
+          </a:stretch>
+        </p:blipFill>
+        <p:spPr bwMode="auto">
+          <a:xfrm>
+            <a:off x="5675350" y="1676827"/>
+            <a:ext cx="3448050" cy="4857750"/>
+          </a:xfrm>
+          <a:prstGeom prst="rect">
+            <a:avLst/>
+          </a:prstGeom>
+          <a:noFill/>
+          <a:ln>
+            <a:noFill/>
+          </a:ln>
+          <a:extLst>
+            <a:ext uri="{909E8E84-426E-40DD-AFC4-6F175D3DCCD1}">
+              <a14:hiddenFill xmlns:a14="http://schemas.microsoft.com/office/drawing/2010/main">
+                <a:solidFill>
+                  <a:schemeClr val="accent1"/>
+                </a:solidFill>
+              </a14:hiddenFill>
+            </a:ext>
+            <a:ext uri="{91240B29-F687-4F45-9708-019B960494DF}">
+              <a14:hiddenLine xmlns:a14="http://schemas.microsoft.com/office/drawing/2010/main" w="9525">
+                <a:solidFill>
+                  <a:schemeClr val="tx1"/>
+                </a:solidFill>
+                <a:miter lim="800000"/>
+                <a:headEnd/>
+                <a:tailEnd/>
+              </a14:hiddenLine>
+            </a:ext>
+          </a:extLst>
+        </p:spPr>
+      </p:pic>
+      <p:sp>
+        <p:nvSpPr>
+          <p:cNvPr id="4" name="矩形 3"/>
+          <p:cNvSpPr/>
+          <p:nvPr/>
+        </p:nvSpPr>
+        <p:spPr>
+          <a:xfrm>
+            <a:off x="5675350" y="1307495"/>
+            <a:ext cx="3493520" cy="369332"/>
+          </a:xfrm>
+          <a:prstGeom prst="rect">
+            <a:avLst/>
+          </a:prstGeom>
+        </p:spPr>
+        <p:txBody>
+          <a:bodyPr wrap="none">
+            <a:spAutoFit/>
+          </a:bodyPr>
+          <a:lstStyle/>
+          <a:p>
+            <a:r>
+              <a:rPr lang="zh-TW" altLang="en-US" dirty="0"/>
+              <a:t>以下是</a:t>
+            </a:r>
+            <a:r>
+              <a:rPr lang="en-US" altLang="zh-TW" dirty="0" err="1"/>
+              <a:t>Transcripts.cshtml</a:t>
+            </a:r>
+            <a:r>
+              <a:rPr lang="zh-TW" altLang="en-US" dirty="0"/>
+              <a:t>的部分：</a:t>
+            </a:r>
+            <a:endParaRPr lang="zh-TW" altLang="en-US" dirty="0"/>
+          </a:p>
+        </p:txBody>
+      </p:sp>
+    </p:spTree>
+    <p:extLst>
+      <p:ext uri="{BB962C8B-B14F-4D97-AF65-F5344CB8AC3E}">
+        <p14:creationId xmlns:p14="http://schemas.microsoft.com/office/powerpoint/2010/main" val="1064893994"/>
+      </p:ext>
+    </p:extLst>
+  </p:cSld>
+  <p:clrMapOvr>
+    <a:masterClrMapping/>
+  </p:clrMapOvr>
+  <p:timing>
+    <p:tnLst>
+      <p:par>
+        <p:cTn id="1" dur="indefinite" restart="never" nodeType="tmRoot"/>
+      </p:par>
+    </p:tnLst>
+  </p:timing>
+</p:sld>
+</file>
+
+<file path=ppt/slides/slide44.xml><?xml version="1.0" encoding="utf-8"?>
+<p:sld xmlns:a="http://schemas.openxmlformats.org/drawingml/2006/main" xmlns:r="http://schemas.openxmlformats.org/officeDocument/2006/relationships" xmlns:p="http://schemas.openxmlformats.org/presentationml/2006/main">
+  <p:cSld>
+    <p:spTree>
+      <p:nvGrpSpPr>
+        <p:cNvPr id="1" name=""/>
+        <p:cNvGrpSpPr/>
+        <p:nvPr/>
+      </p:nvGrpSpPr>
+      <p:grpSpPr>
+        <a:xfrm>
+          <a:off x="0" y="0"/>
+          <a:ext cx="0" cy="0"/>
+          <a:chOff x="0" y="0"/>
+          <a:chExt cx="0" cy="0"/>
+        </a:xfrm>
+      </p:grpSpPr>
+      <p:sp>
+        <p:nvSpPr>
+          <p:cNvPr id="2" name="標題 1"/>
+          <p:cNvSpPr>
+            <a:spLocks noGrp="1"/>
+          </p:cNvSpPr>
+          <p:nvPr>
+            <p:ph type="title"/>
+          </p:nvPr>
+        </p:nvSpPr>
+        <p:spPr/>
+        <p:txBody>
+          <a:bodyPr/>
+          <a:lstStyle/>
+          <a:p>
+            <a:endParaRPr lang="zh-TW" altLang="en-US"/>
+          </a:p>
+        </p:txBody>
+      </p:sp>
+      <p:sp>
+        <p:nvSpPr>
+          <p:cNvPr id="3" name="內容版面配置區 2"/>
+          <p:cNvSpPr>
+            <a:spLocks noGrp="1"/>
+          </p:cNvSpPr>
+          <p:nvPr>
+            <p:ph idx="1"/>
+          </p:nvPr>
+        </p:nvSpPr>
+        <p:spPr/>
+        <p:txBody>
+          <a:bodyPr/>
+          <a:lstStyle/>
+          <a:p>
+            <a:endParaRPr lang="zh-TW" altLang="en-US"/>
+          </a:p>
+        </p:txBody>
+      </p:sp>
+    </p:spTree>
+    <p:extLst>
+      <p:ext uri="{BB962C8B-B14F-4D97-AF65-F5344CB8AC3E}">
+        <p14:creationId xmlns:p14="http://schemas.microsoft.com/office/powerpoint/2010/main" val="783218329"/>
+      </p:ext>
+    </p:extLst>
+  </p:cSld>
+  <p:clrMapOvr>
+    <a:masterClrMapping/>
+  </p:clrMapOvr>
+  <p:timing>
+    <p:tnLst>
+      <p:par>
+        <p:cTn id="1" dur="indefinite" restart="never" nodeType="tmRoot"/>
+      </p:par>
+    </p:tnLst>
+  </p:timing>
+</p:sld>
+</file>
+
+<file path=ppt/slides/slide45.xml><?xml version="1.0" encoding="utf-8"?>
 <p:sld xmlns:a="http://schemas.openxmlformats.org/drawingml/2006/main" xmlns:r="http://schemas.openxmlformats.org/officeDocument/2006/relationships" xmlns:p="http://schemas.openxmlformats.org/presentationml/2006/main">
   <p:cSld>
     <p:spTree>
@@ -7930,10 +14641,17 @@
   <p:clrMapOvr>
     <a:masterClrMapping/>
   </p:clrMapOvr>
+  <p:timing>
+    <p:tnLst>
+      <p:par>
+        <p:cTn id="1" dur="indefinite" restart="never" nodeType="tmRoot"/>
+      </p:par>
+    </p:tnLst>
+  </p:timing>
 </p:sld>
 </file>
 
-<file path=ppt/slides/slide25.xml><?xml version="1.0" encoding="utf-8"?>
+<file path=ppt/slides/slide46.xml><?xml version="1.0" encoding="utf-8"?>
 <p:sld xmlns:a="http://schemas.openxmlformats.org/drawingml/2006/main" xmlns:r="http://schemas.openxmlformats.org/officeDocument/2006/relationships" xmlns:p="http://schemas.openxmlformats.org/presentationml/2006/main">
   <p:cSld>
     <p:spTree>
@@ -8320,471 +15038,13 @@
   <p:clrMapOvr>
     <a:masterClrMapping/>
   </p:clrMapOvr>
-</p:sld>
-</file>
-
-<file path=ppt/slides/slide3.xml><?xml version="1.0" encoding="utf-8"?>
-<p:sld xmlns:a="http://schemas.openxmlformats.org/drawingml/2006/main" xmlns:r="http://schemas.openxmlformats.org/officeDocument/2006/relationships" xmlns:p="http://schemas.openxmlformats.org/presentationml/2006/main">
-  <p:cSld>
-    <p:spTree>
-      <p:nvGrpSpPr>
-        <p:cNvPr id="1" name=""/>
-        <p:cNvGrpSpPr/>
-        <p:nvPr/>
-      </p:nvGrpSpPr>
-      <p:grpSpPr>
-        <a:xfrm>
-          <a:off x="0" y="0"/>
-          <a:ext cx="0" cy="0"/>
-          <a:chOff x="0" y="0"/>
-          <a:chExt cx="0" cy="0"/>
-        </a:xfrm>
-      </p:grpSpPr>
-      <p:sp>
-        <p:nvSpPr>
-          <p:cNvPr id="2" name="標題 1"/>
-          <p:cNvSpPr>
-            <a:spLocks noGrp="1"/>
-          </p:cNvSpPr>
-          <p:nvPr>
-            <p:ph type="title"/>
-          </p:nvPr>
-        </p:nvSpPr>
-        <p:spPr/>
-        <p:txBody>
-          <a:bodyPr/>
-          <a:lstStyle/>
-          <a:p>
-            <a:r>
-              <a:rPr lang="en-US" altLang="zh-TW" dirty="0" smtClean="0"/>
-              <a:t>MVC</a:t>
-            </a:r>
-            <a:endParaRPr lang="zh-TW" altLang="en-US" dirty="0"/>
-          </a:p>
-        </p:txBody>
-      </p:sp>
-      <p:sp>
-        <p:nvSpPr>
-          <p:cNvPr id="3" name="內容版面配置區 2"/>
-          <p:cNvSpPr>
-            <a:spLocks noGrp="1"/>
-          </p:cNvSpPr>
-          <p:nvPr>
-            <p:ph idx="1"/>
-          </p:nvPr>
-        </p:nvSpPr>
-        <p:spPr>
-          <a:xfrm>
-            <a:off x="467544" y="1556792"/>
-            <a:ext cx="8229600" cy="4525963"/>
-          </a:xfrm>
-        </p:spPr>
-        <p:txBody>
-          <a:bodyPr>
-            <a:normAutofit/>
-          </a:bodyPr>
-          <a:lstStyle/>
-          <a:p>
-            <a:r>
-              <a:rPr lang="en-US" altLang="zh-TW" sz="2800" dirty="0"/>
-              <a:t>Model-View-Controller(MVC)</a:t>
-            </a:r>
-            <a:r>
-              <a:rPr lang="zh-TW" altLang="en-US" sz="2800" dirty="0"/>
-              <a:t>是一種設計模式</a:t>
-            </a:r>
-            <a:r>
-              <a:rPr lang="en-US" altLang="zh-TW" sz="2800" dirty="0"/>
-              <a:t>(design pattern), </a:t>
-            </a:r>
-            <a:r>
-              <a:rPr lang="zh-TW" altLang="en-US" sz="2800" dirty="0"/>
-              <a:t>主要目的是用來簡化應用程式的開發與增強程式的可維護性</a:t>
-            </a:r>
-            <a:r>
-              <a:rPr lang="en-US" altLang="zh-TW" sz="2800" dirty="0"/>
-              <a:t>, </a:t>
-            </a:r>
-            <a:r>
-              <a:rPr lang="zh-TW" altLang="en-US" sz="2800" dirty="0"/>
-              <a:t>其做法是將應用程式分割成以下三個邏輯的元件 </a:t>
-            </a:r>
-            <a:r>
-              <a:rPr lang="en-US" altLang="zh-TW" sz="2800" dirty="0"/>
-              <a:t>:</a:t>
-            </a:r>
-            <a:endParaRPr lang="zh-TW" altLang="en-US" sz="2800" dirty="0"/>
-          </a:p>
-        </p:txBody>
-      </p:sp>
-      <p:pic>
-        <p:nvPicPr>
-          <p:cNvPr id="4" name="Picture 2"/>
-          <p:cNvPicPr>
-            <a:picLocks noChangeAspect="1" noChangeArrowheads="1"/>
-          </p:cNvPicPr>
-          <p:nvPr/>
-        </p:nvPicPr>
-        <p:blipFill>
-          <a:blip r:embed="rId2">
-            <a:extLst>
-              <a:ext uri="{28A0092B-C50C-407E-A947-70E740481C1C}">
-                <a14:useLocalDpi xmlns:a14="http://schemas.microsoft.com/office/drawing/2010/main" val="0"/>
-              </a:ext>
-            </a:extLst>
-          </a:blip>
-          <a:srcRect/>
-          <a:stretch>
-            <a:fillRect/>
-          </a:stretch>
-        </p:blipFill>
-        <p:spPr bwMode="auto">
-          <a:xfrm>
-            <a:off x="323528" y="3573016"/>
-            <a:ext cx="3152775" cy="2600325"/>
-          </a:xfrm>
-          <a:prstGeom prst="rect">
-            <a:avLst/>
-          </a:prstGeom>
-          <a:noFill/>
-          <a:ln>
-            <a:noFill/>
-          </a:ln>
-          <a:extLst>
-            <a:ext uri="{909E8E84-426E-40DD-AFC4-6F175D3DCCD1}">
-              <a14:hiddenFill xmlns:a14="http://schemas.microsoft.com/office/drawing/2010/main">
-                <a:solidFill>
-                  <a:schemeClr val="accent1"/>
-                </a:solidFill>
-              </a14:hiddenFill>
-            </a:ext>
-            <a:ext uri="{91240B29-F687-4F45-9708-019B960494DF}">
-              <a14:hiddenLine xmlns:a14="http://schemas.microsoft.com/office/drawing/2010/main" w="9525">
-                <a:solidFill>
-                  <a:schemeClr val="tx1"/>
-                </a:solidFill>
-                <a:miter lim="800000"/>
-                <a:headEnd/>
-                <a:tailEnd/>
-              </a14:hiddenLine>
-            </a:ext>
-          </a:extLst>
-        </p:spPr>
-      </p:pic>
-      <p:pic>
-        <p:nvPicPr>
-          <p:cNvPr id="5" name="Picture 3"/>
-          <p:cNvPicPr>
-            <a:picLocks noChangeAspect="1" noChangeArrowheads="1"/>
-          </p:cNvPicPr>
-          <p:nvPr/>
-        </p:nvPicPr>
-        <p:blipFill>
-          <a:blip r:embed="rId3">
-            <a:extLst>
-              <a:ext uri="{28A0092B-C50C-407E-A947-70E740481C1C}">
-                <a14:useLocalDpi xmlns:a14="http://schemas.microsoft.com/office/drawing/2010/main" val="0"/>
-              </a:ext>
-            </a:extLst>
-          </a:blip>
-          <a:srcRect/>
-          <a:stretch>
-            <a:fillRect/>
-          </a:stretch>
-        </p:blipFill>
-        <p:spPr bwMode="auto">
-          <a:xfrm>
-            <a:off x="3476303" y="3501008"/>
-            <a:ext cx="5527330" cy="1724769"/>
-          </a:xfrm>
-          <a:prstGeom prst="rect">
-            <a:avLst/>
-          </a:prstGeom>
-          <a:noFill/>
-          <a:ln>
-            <a:noFill/>
-          </a:ln>
-          <a:extLst>
-            <a:ext uri="{909E8E84-426E-40DD-AFC4-6F175D3DCCD1}">
-              <a14:hiddenFill xmlns:a14="http://schemas.microsoft.com/office/drawing/2010/main">
-                <a:solidFill>
-                  <a:schemeClr val="accent1"/>
-                </a:solidFill>
-              </a14:hiddenFill>
-            </a:ext>
-            <a:ext uri="{91240B29-F687-4F45-9708-019B960494DF}">
-              <a14:hiddenLine xmlns:a14="http://schemas.microsoft.com/office/drawing/2010/main" w="9525">
-                <a:solidFill>
-                  <a:schemeClr val="tx1"/>
-                </a:solidFill>
-                <a:miter lim="800000"/>
-                <a:headEnd/>
-                <a:tailEnd/>
-              </a14:hiddenLine>
-            </a:ext>
-          </a:extLst>
-        </p:spPr>
-      </p:pic>
-    </p:spTree>
-    <p:extLst>
-      <p:ext uri="{BB962C8B-B14F-4D97-AF65-F5344CB8AC3E}">
-        <p14:creationId xmlns:p14="http://schemas.microsoft.com/office/powerpoint/2010/main" val="4250686784"/>
-      </p:ext>
-    </p:extLst>
-  </p:cSld>
-  <p:clrMapOvr>
-    <a:masterClrMapping/>
-  </p:clrMapOvr>
-</p:sld>
-</file>
-
-<file path=ppt/slides/slide4.xml><?xml version="1.0" encoding="utf-8"?>
-<p:sld xmlns:a="http://schemas.openxmlformats.org/drawingml/2006/main" xmlns:r="http://schemas.openxmlformats.org/officeDocument/2006/relationships" xmlns:p="http://schemas.openxmlformats.org/presentationml/2006/main">
-  <p:cSld>
-    <p:spTree>
-      <p:nvGrpSpPr>
-        <p:cNvPr id="1" name=""/>
-        <p:cNvGrpSpPr/>
-        <p:nvPr/>
-      </p:nvGrpSpPr>
-      <p:grpSpPr>
-        <a:xfrm>
-          <a:off x="0" y="0"/>
-          <a:ext cx="0" cy="0"/>
-          <a:chOff x="0" y="0"/>
-          <a:chExt cx="0" cy="0"/>
-        </a:xfrm>
-      </p:grpSpPr>
-      <p:sp>
-        <p:nvSpPr>
-          <p:cNvPr id="2" name="標題 1"/>
-          <p:cNvSpPr>
-            <a:spLocks noGrp="1"/>
-          </p:cNvSpPr>
-          <p:nvPr>
-            <p:ph type="title"/>
-          </p:nvPr>
-        </p:nvSpPr>
-        <p:spPr/>
-        <p:txBody>
-          <a:bodyPr/>
-          <a:lstStyle/>
-          <a:p>
-            <a:r>
-              <a:rPr lang="zh-TW" altLang="en-US" dirty="0"/>
-              <a:t>模型（</a:t>
-            </a:r>
-            <a:r>
-              <a:rPr lang="en-US" altLang="zh-TW" dirty="0"/>
-              <a:t>Model</a:t>
-            </a:r>
-            <a:r>
-              <a:rPr lang="zh-TW" altLang="en-US" dirty="0"/>
-              <a:t>）</a:t>
-            </a:r>
-            <a:endParaRPr lang="zh-TW" altLang="en-US" dirty="0"/>
-          </a:p>
-        </p:txBody>
-      </p:sp>
-      <p:sp>
-        <p:nvSpPr>
-          <p:cNvPr id="3" name="內容版面配置區 2"/>
-          <p:cNvSpPr>
-            <a:spLocks noGrp="1"/>
-          </p:cNvSpPr>
-          <p:nvPr>
-            <p:ph idx="1"/>
-          </p:nvPr>
-        </p:nvSpPr>
-        <p:spPr/>
-        <p:txBody>
-          <a:bodyPr>
-            <a:normAutofit/>
-          </a:bodyPr>
-          <a:lstStyle/>
-          <a:p>
-            <a:r>
-              <a:rPr lang="zh-TW" altLang="en-US" sz="2400" dirty="0"/>
-              <a:t>用於封裝與應用程式的</a:t>
-            </a:r>
-            <a:r>
-              <a:rPr lang="zh-TW" altLang="en-US" sz="2400" dirty="0">
-                <a:solidFill>
-                  <a:srgbClr val="FF0000"/>
-                </a:solidFill>
-              </a:rPr>
-              <a:t>業務邏輯</a:t>
-            </a:r>
-            <a:r>
-              <a:rPr lang="zh-TW" altLang="en-US" sz="2400" dirty="0"/>
-              <a:t>相關的資料以及對資料的處理方法。「 </a:t>
-            </a:r>
-            <a:r>
-              <a:rPr lang="en-US" altLang="zh-TW" sz="2400" dirty="0"/>
-              <a:t>Model </a:t>
-            </a:r>
-            <a:r>
-              <a:rPr lang="zh-TW" altLang="en-US" sz="2400" dirty="0"/>
-              <a:t>」有</a:t>
-            </a:r>
-            <a:r>
-              <a:rPr lang="zh-TW" altLang="en-US" sz="2400" dirty="0">
-                <a:solidFill>
-                  <a:srgbClr val="FF0000"/>
-                </a:solidFill>
-              </a:rPr>
-              <a:t>對資料直接存取</a:t>
-            </a:r>
-            <a:r>
-              <a:rPr lang="zh-TW" altLang="en-US" sz="2400" dirty="0"/>
-              <a:t>的權力，例如對資料庫的存取。「</a:t>
-            </a:r>
-            <a:r>
-              <a:rPr lang="en-US" altLang="zh-TW" sz="2400" dirty="0"/>
-              <a:t>Model</a:t>
-            </a:r>
-            <a:r>
-              <a:rPr lang="zh-TW" altLang="en-US" sz="2400" dirty="0"/>
-              <a:t>」不依賴「</a:t>
-            </a:r>
-            <a:r>
-              <a:rPr lang="en-US" altLang="zh-TW" sz="2400" dirty="0"/>
-              <a:t>View</a:t>
-            </a:r>
-            <a:r>
-              <a:rPr lang="zh-TW" altLang="en-US" sz="2400" dirty="0"/>
-              <a:t>」和「</a:t>
-            </a:r>
-            <a:r>
-              <a:rPr lang="en-US" altLang="zh-TW" sz="2400" dirty="0"/>
-              <a:t>Controller</a:t>
-            </a:r>
-            <a:r>
-              <a:rPr lang="zh-TW" altLang="en-US" sz="2400" dirty="0"/>
-              <a:t>」，也就是說， </a:t>
-            </a:r>
-            <a:r>
-              <a:rPr lang="en-US" altLang="zh-TW" sz="2400" dirty="0"/>
-              <a:t>Model </a:t>
-            </a:r>
-            <a:r>
-              <a:rPr lang="zh-TW" altLang="en-US" sz="2400" dirty="0"/>
-              <a:t>不關心它會被如何顯示或是如何被操作。但是 </a:t>
-            </a:r>
-            <a:r>
-              <a:rPr lang="en-US" altLang="zh-TW" sz="2400" dirty="0"/>
-              <a:t>Model </a:t>
-            </a:r>
-            <a:r>
-              <a:rPr lang="zh-TW" altLang="en-US" sz="2400" dirty="0"/>
-              <a:t>中資料的變化一般會通過一種重新整理機制被公布。為了實現這種機制，那些</a:t>
-            </a:r>
-            <a:r>
-              <a:rPr lang="zh-TW" altLang="en-US" sz="2400" dirty="0">
-                <a:solidFill>
-                  <a:srgbClr val="FF0000"/>
-                </a:solidFill>
-              </a:rPr>
-              <a:t>用於監視此 </a:t>
-            </a:r>
-            <a:r>
-              <a:rPr lang="en-US" altLang="zh-TW" sz="2400" dirty="0">
-                <a:solidFill>
-                  <a:srgbClr val="FF0000"/>
-                </a:solidFill>
-              </a:rPr>
-              <a:t>Model </a:t>
-            </a:r>
-            <a:r>
-              <a:rPr lang="zh-TW" altLang="en-US" sz="2400" dirty="0">
-                <a:solidFill>
-                  <a:srgbClr val="FF0000"/>
-                </a:solidFill>
-              </a:rPr>
-              <a:t>的 </a:t>
-            </a:r>
-            <a:r>
-              <a:rPr lang="en-US" altLang="zh-TW" sz="2400" dirty="0">
-                <a:solidFill>
-                  <a:srgbClr val="FF0000"/>
-                </a:solidFill>
-              </a:rPr>
-              <a:t>View </a:t>
-            </a:r>
-            <a:r>
-              <a:rPr lang="zh-TW" altLang="en-US" sz="2400" dirty="0">
-                <a:solidFill>
-                  <a:srgbClr val="FF0000"/>
-                </a:solidFill>
-              </a:rPr>
-              <a:t>必須事先在此 </a:t>
-            </a:r>
-            <a:r>
-              <a:rPr lang="en-US" altLang="zh-TW" sz="2400" dirty="0">
-                <a:solidFill>
-                  <a:srgbClr val="FF0000"/>
-                </a:solidFill>
-              </a:rPr>
-              <a:t>Model </a:t>
-            </a:r>
-            <a:r>
-              <a:rPr lang="zh-TW" altLang="en-US" sz="2400" dirty="0">
-                <a:solidFill>
-                  <a:srgbClr val="FF0000"/>
-                </a:solidFill>
-              </a:rPr>
-              <a:t>上註冊，從而，</a:t>
-            </a:r>
-            <a:r>
-              <a:rPr lang="en-US" altLang="zh-TW" sz="2400" dirty="0">
-                <a:solidFill>
-                  <a:srgbClr val="FF0000"/>
-                </a:solidFill>
-              </a:rPr>
-              <a:t>View </a:t>
-            </a:r>
-            <a:r>
-              <a:rPr lang="zh-TW" altLang="en-US" sz="2400" dirty="0">
-                <a:solidFill>
-                  <a:srgbClr val="FF0000"/>
-                </a:solidFill>
-              </a:rPr>
-              <a:t>可以了解在資料 </a:t>
-            </a:r>
-            <a:r>
-              <a:rPr lang="en-US" altLang="zh-TW" sz="2400" dirty="0">
-                <a:solidFill>
-                  <a:srgbClr val="FF0000"/>
-                </a:solidFill>
-              </a:rPr>
-              <a:t>Model </a:t>
-            </a:r>
-            <a:r>
-              <a:rPr lang="zh-TW" altLang="en-US" sz="2400" dirty="0">
-                <a:solidFill>
-                  <a:srgbClr val="FF0000"/>
-                </a:solidFill>
-              </a:rPr>
-              <a:t>上發生的改變</a:t>
-            </a:r>
-            <a:r>
-              <a:rPr lang="zh-TW" altLang="en-US" sz="2400" dirty="0"/>
-              <a:t>。（比較：觀察者模式（軟體設計模式））</a:t>
-            </a:r>
-            <a:endParaRPr lang="zh-TW" altLang="en-US" sz="2400" dirty="0"/>
-          </a:p>
-        </p:txBody>
-      </p:sp>
-    </p:spTree>
-    <p:extLst>
-      <p:ext uri="{BB962C8B-B14F-4D97-AF65-F5344CB8AC3E}">
-        <p14:creationId xmlns:p14="http://schemas.microsoft.com/office/powerpoint/2010/main" val="1844727560"/>
-      </p:ext>
-    </p:extLst>
-  </p:cSld>
-  <p:clrMapOvr>
-    <a:masterClrMapping/>
-  </p:clrMapOvr>
+  <p:timing>
+    <p:tnLst>
+      <p:par>
+        <p:cTn id="1" dur="indefinite" restart="never" nodeType="tmRoot"/>
+      </p:par>
+    </p:tnLst>
+  </p:timing>
 </p:sld>
 </file>
 
@@ -8832,7 +15092,6 @@
               <a:rPr lang="zh-TW" altLang="en-US" dirty="0"/>
               <a:t>）</a:t>
             </a:r>
-            <a:endParaRPr lang="zh-TW" altLang="en-US" dirty="0"/>
           </a:p>
         </p:txBody>
       </p:sp>
@@ -8921,7 +15180,6 @@
               <a:rPr lang="zh-TW" altLang="en-US" sz="2400" dirty="0"/>
               <a:t>因此應該事先在被它監視的資料那裡註冊。</a:t>
             </a:r>
-            <a:endParaRPr lang="zh-TW" altLang="en-US" sz="2400" dirty="0"/>
           </a:p>
         </p:txBody>
       </p:sp>
@@ -8982,7 +15240,6 @@
               <a:rPr lang="zh-TW" altLang="en-US" dirty="0"/>
               <a:t>）</a:t>
             </a:r>
-            <a:endParaRPr lang="zh-TW" altLang="en-US" dirty="0"/>
           </a:p>
         </p:txBody>
       </p:sp>
@@ -9015,7 +15272,6 @@
               <a:rPr lang="zh-TW" altLang="en-US" sz="2400" dirty="0"/>
               <a:t>上的改變。</a:t>
             </a:r>
-            <a:endParaRPr lang="zh-TW" altLang="en-US" sz="2400" dirty="0"/>
           </a:p>
         </p:txBody>
       </p:sp>
@@ -9274,7 +15530,6 @@
               <a:rPr lang="zh-TW" altLang="en-US" dirty="0"/>
               <a:t>以及如何與資料互動的規則。</a:t>
             </a:r>
-            <a:endParaRPr lang="zh-TW" altLang="en-US" dirty="0"/>
           </a:p>
         </p:txBody>
       </p:sp>
@@ -9358,7 +15613,6 @@
               <a:rPr lang="zh-TW" altLang="en-US" dirty="0"/>
               <a:t>的視覺設計人員。</a:t>
             </a:r>
-            <a:endParaRPr lang="zh-TW" altLang="en-US" dirty="0"/>
           </a:p>
         </p:txBody>
       </p:sp>
@@ -9458,7 +15712,6 @@
               <a:rPr lang="zh-TW" altLang="en-US" dirty="0"/>
               <a:t>之上</a:t>
             </a:r>
-            <a:endParaRPr lang="zh-TW" altLang="en-US" dirty="0"/>
           </a:p>
         </p:txBody>
       </p:sp>
@@ -9726,7 +15979,6 @@
               <a:rPr lang="zh-TW" altLang="en-US" dirty="0"/>
               <a:t>的範圍太廣，定義也很難清楚，很多人討論、爭論到最後還是沒有一個結果，所以這部分稍微瞭解一下即可。</a:t>
             </a:r>
-            <a:endParaRPr lang="zh-TW" altLang="en-US" dirty="0"/>
           </a:p>
         </p:txBody>
       </p:sp>
